--- a/Φ2/Presentation1.pptx
+++ b/Φ2/Presentation1.pptx
@@ -2,21 +2,29 @@
 <file path=ppt/presentation.xml><?xml version="1.0" encoding="utf-8"?>
 <p:presentation xmlns:a="http://schemas.openxmlformats.org/drawingml/2006/main" xmlns:r="http://schemas.openxmlformats.org/officeDocument/2006/relationships" xmlns:p="http://schemas.openxmlformats.org/presentationml/2006/main" saveSubsetFonts="1" autoCompressPictures="0">
   <p:sldMasterIdLst>
-    <p:sldMasterId id="2147483648" r:id="rId1"/>
+    <p:sldMasterId id="2147483684" r:id="rId1"/>
   </p:sldMasterIdLst>
   <p:sldIdLst>
     <p:sldId id="256" r:id="rId2"/>
     <p:sldId id="257" r:id="rId3"/>
     <p:sldId id="258" r:id="rId4"/>
     <p:sldId id="259" r:id="rId5"/>
+    <p:sldId id="260" r:id="rId6"/>
+    <p:sldId id="261" r:id="rId7"/>
+    <p:sldId id="262" r:id="rId8"/>
+    <p:sldId id="264" r:id="rId9"/>
+    <p:sldId id="265" r:id="rId10"/>
+    <p:sldId id="263" r:id="rId11"/>
+    <p:sldId id="266" r:id="rId12"/>
+    <p:sldId id="267" r:id="rId13"/>
   </p:sldIdLst>
   <p:sldSz cx="12192000" cy="6858000"/>
   <p:notesSz cx="6858000" cy="9144000"/>
   <p:defaultTextStyle>
     <a:defPPr>
-      <a:defRPr lang="en-GR"/>
+      <a:defRPr lang="en-US"/>
     </a:defPPr>
-    <a:lvl1pPr marL="0" algn="l" defTabSz="914400" rtl="0" eaLnBrk="1" latinLnBrk="0" hangingPunct="1">
+    <a:lvl1pPr marL="0" algn="l" defTabSz="457200" rtl="0" eaLnBrk="1" latinLnBrk="0" hangingPunct="1">
       <a:defRPr sz="1800" kern="1200">
         <a:solidFill>
           <a:schemeClr val="tx1"/>
@@ -26,7 +34,7 @@
         <a:cs typeface="+mn-cs"/>
       </a:defRPr>
     </a:lvl1pPr>
-    <a:lvl2pPr marL="457200" algn="l" defTabSz="914400" rtl="0" eaLnBrk="1" latinLnBrk="0" hangingPunct="1">
+    <a:lvl2pPr marL="457200" algn="l" defTabSz="457200" rtl="0" eaLnBrk="1" latinLnBrk="0" hangingPunct="1">
       <a:defRPr sz="1800" kern="1200">
         <a:solidFill>
           <a:schemeClr val="tx1"/>
@@ -36,7 +44,7 @@
         <a:cs typeface="+mn-cs"/>
       </a:defRPr>
     </a:lvl2pPr>
-    <a:lvl3pPr marL="914400" algn="l" defTabSz="914400" rtl="0" eaLnBrk="1" latinLnBrk="0" hangingPunct="1">
+    <a:lvl3pPr marL="914400" algn="l" defTabSz="457200" rtl="0" eaLnBrk="1" latinLnBrk="0" hangingPunct="1">
       <a:defRPr sz="1800" kern="1200">
         <a:solidFill>
           <a:schemeClr val="tx1"/>
@@ -46,7 +54,7 @@
         <a:cs typeface="+mn-cs"/>
       </a:defRPr>
     </a:lvl3pPr>
-    <a:lvl4pPr marL="1371600" algn="l" defTabSz="914400" rtl="0" eaLnBrk="1" latinLnBrk="0" hangingPunct="1">
+    <a:lvl4pPr marL="1371600" algn="l" defTabSz="457200" rtl="0" eaLnBrk="1" latinLnBrk="0" hangingPunct="1">
       <a:defRPr sz="1800" kern="1200">
         <a:solidFill>
           <a:schemeClr val="tx1"/>
@@ -56,7 +64,7 @@
         <a:cs typeface="+mn-cs"/>
       </a:defRPr>
     </a:lvl4pPr>
-    <a:lvl5pPr marL="1828800" algn="l" defTabSz="914400" rtl="0" eaLnBrk="1" latinLnBrk="0" hangingPunct="1">
+    <a:lvl5pPr marL="1828800" algn="l" defTabSz="457200" rtl="0" eaLnBrk="1" latinLnBrk="0" hangingPunct="1">
       <a:defRPr sz="1800" kern="1200">
         <a:solidFill>
           <a:schemeClr val="tx1"/>
@@ -66,7 +74,7 @@
         <a:cs typeface="+mn-cs"/>
       </a:defRPr>
     </a:lvl5pPr>
-    <a:lvl6pPr marL="2286000" algn="l" defTabSz="914400" rtl="0" eaLnBrk="1" latinLnBrk="0" hangingPunct="1">
+    <a:lvl6pPr marL="2286000" algn="l" defTabSz="457200" rtl="0" eaLnBrk="1" latinLnBrk="0" hangingPunct="1">
       <a:defRPr sz="1800" kern="1200">
         <a:solidFill>
           <a:schemeClr val="tx1"/>
@@ -76,7 +84,7 @@
         <a:cs typeface="+mn-cs"/>
       </a:defRPr>
     </a:lvl6pPr>
-    <a:lvl7pPr marL="2743200" algn="l" defTabSz="914400" rtl="0" eaLnBrk="1" latinLnBrk="0" hangingPunct="1">
+    <a:lvl7pPr marL="2743200" algn="l" defTabSz="457200" rtl="0" eaLnBrk="1" latinLnBrk="0" hangingPunct="1">
       <a:defRPr sz="1800" kern="1200">
         <a:solidFill>
           <a:schemeClr val="tx1"/>
@@ -86,7 +94,7 @@
         <a:cs typeface="+mn-cs"/>
       </a:defRPr>
     </a:lvl7pPr>
-    <a:lvl8pPr marL="3200400" algn="l" defTabSz="914400" rtl="0" eaLnBrk="1" latinLnBrk="0" hangingPunct="1">
+    <a:lvl8pPr marL="3200400" algn="l" defTabSz="457200" rtl="0" eaLnBrk="1" latinLnBrk="0" hangingPunct="1">
       <a:defRPr sz="1800" kern="1200">
         <a:solidFill>
           <a:schemeClr val="tx1"/>
@@ -96,7 +104,7 @@
         <a:cs typeface="+mn-cs"/>
       </a:defRPr>
     </a:lvl8pPr>
-    <a:lvl9pPr marL="3657600" algn="l" defTabSz="914400" rtl="0" eaLnBrk="1" latinLnBrk="0" hangingPunct="1">
+    <a:lvl9pPr marL="3657600" algn="l" defTabSz="457200" rtl="0" eaLnBrk="1" latinLnBrk="0" hangingPunct="1">
       <a:defRPr sz="1800" kern="1200">
         <a:solidFill>
           <a:schemeClr val="tx1"/>
@@ -107,6 +115,11 @@
       </a:defRPr>
     </a:lvl9pPr>
   </p:defaultTextStyle>
+  <p:extLst>
+    <p:ext uri="{EFAFB233-063F-42B5-8137-9DF3F51BA10A}">
+      <p15:sldGuideLst xmlns:p15="http://schemas.microsoft.com/office/powerpoint/2012/main"/>
+    </p:ext>
+  </p:extLst>
 </p:presentation>
 </file>
 
@@ -129,13 +142,7 @@
       </p:grpSpPr>
       <p:sp>
         <p:nvSpPr>
-          <p:cNvPr id="2" name="Title 1">
-            <a:extLst>
-              <a:ext uri="{FF2B5EF4-FFF2-40B4-BE49-F238E27FC236}">
-                <a16:creationId xmlns:a16="http://schemas.microsoft.com/office/drawing/2014/main" id="{CD0825FC-2B0B-90D8-AFD0-709E1A0968AE}"/>
-              </a:ext>
-            </a:extLst>
-          </p:cNvPr>
+          <p:cNvPr id="2" name="Title 1"/>
           <p:cNvSpPr>
             <a:spLocks noGrp="1"/>
           </p:cNvSpPr>
@@ -145,15 +152,17 @@
         </p:nvSpPr>
         <p:spPr>
           <a:xfrm>
-            <a:off x="1524000" y="1122363"/>
-            <a:ext cx="9144000" cy="2387600"/>
+            <a:off x="2417779" y="802298"/>
+            <a:ext cx="8637073" cy="2541431"/>
           </a:xfrm>
         </p:spPr>
         <p:txBody>
-          <a:bodyPr anchor="b"/>
+          <a:bodyPr bIns="0" anchor="b">
+            <a:normAutofit/>
+          </a:bodyPr>
           <a:lstStyle>
-            <a:lvl1pPr algn="ctr">
-              <a:defRPr sz="6000"/>
+            <a:lvl1pPr algn="l">
+              <a:defRPr sz="6600"/>
             </a:lvl1pPr>
           </a:lstStyle>
           <a:p>
@@ -161,19 +170,13 @@
               <a:rPr lang="en-GB"/>
               <a:t>Click to edit Master title style</a:t>
             </a:r>
-            <a:endParaRPr lang="en-GR"/>
-          </a:p>
-        </p:txBody>
-      </p:sp>
-      <p:sp>
-        <p:nvSpPr>
-          <p:cNvPr id="3" name="Subtitle 2">
-            <a:extLst>
-              <a:ext uri="{FF2B5EF4-FFF2-40B4-BE49-F238E27FC236}">
-                <a16:creationId xmlns:a16="http://schemas.microsoft.com/office/drawing/2014/main" id="{8E94853D-4EC4-78D0-E389-D3E464047409}"/>
-              </a:ext>
-            </a:extLst>
-          </p:cNvPr>
+            <a:endParaRPr lang="en-US" dirty="0"/>
+          </a:p>
+        </p:txBody>
+      </p:sp>
+      <p:sp>
+        <p:nvSpPr>
+          <p:cNvPr id="3" name="Subtitle 2"/>
           <p:cNvSpPr>
             <a:spLocks noGrp="1"/>
           </p:cNvSpPr>
@@ -183,20 +186,26 @@
         </p:nvSpPr>
         <p:spPr>
           <a:xfrm>
-            <a:off x="1524000" y="3602038"/>
-            <a:ext cx="9144000" cy="1655762"/>
+            <a:off x="2417780" y="3531204"/>
+            <a:ext cx="8637072" cy="977621"/>
           </a:xfrm>
         </p:spPr>
         <p:txBody>
-          <a:bodyPr/>
+          <a:bodyPr tIns="91440" bIns="91440">
+            <a:normAutofit/>
+          </a:bodyPr>
           <a:lstStyle>
-            <a:lvl1pPr marL="0" indent="0" algn="ctr">
-              <a:buNone/>
-              <a:defRPr sz="2400"/>
+            <a:lvl1pPr marL="0" indent="0" algn="l">
+              <a:buNone/>
+              <a:defRPr sz="1800" b="0" cap="all" baseline="0">
+                <a:solidFill>
+                  <a:schemeClr val="tx1"/>
+                </a:solidFill>
+              </a:defRPr>
             </a:lvl1pPr>
             <a:lvl2pPr marL="457200" indent="0" algn="ctr">
               <a:buNone/>
-              <a:defRPr sz="2000"/>
+              <a:defRPr sz="1800"/>
             </a:lvl2pPr>
             <a:lvl3pPr marL="914400" indent="0" algn="ctr">
               <a:buNone/>
@@ -232,19 +241,13 @@
               <a:rPr lang="en-GB"/>
               <a:t>Click to edit Master subtitle style</a:t>
             </a:r>
-            <a:endParaRPr lang="en-GR"/>
-          </a:p>
-        </p:txBody>
-      </p:sp>
-      <p:sp>
-        <p:nvSpPr>
-          <p:cNvPr id="4" name="Date Placeholder 3">
-            <a:extLst>
-              <a:ext uri="{FF2B5EF4-FFF2-40B4-BE49-F238E27FC236}">
-                <a16:creationId xmlns:a16="http://schemas.microsoft.com/office/drawing/2014/main" id="{578818F5-2112-FF63-2984-622416093678}"/>
-              </a:ext>
-            </a:extLst>
-          </p:cNvPr>
+            <a:endParaRPr lang="en-US" dirty="0"/>
+          </a:p>
+        </p:txBody>
+      </p:sp>
+      <p:sp>
+        <p:nvSpPr>
+          <p:cNvPr id="4" name="Date Placeholder 3"/>
           <p:cNvSpPr>
             <a:spLocks noGrp="1"/>
           </p:cNvSpPr>
@@ -259,7 +262,7 @@
           <a:p>
             <a:fld id="{B8C0CCF5-40D8-6B43-AE31-DCC4D10E5115}" type="datetimeFigureOut">
               <a:rPr lang="en-GR" smtClean="0"/>
-              <a:t>28/3/24</a:t>
+              <a:t>29/3/24</a:t>
             </a:fld>
             <a:endParaRPr lang="en-GR"/>
           </a:p>
@@ -267,13 +270,7 @@
       </p:sp>
       <p:sp>
         <p:nvSpPr>
-          <p:cNvPr id="5" name="Footer Placeholder 4">
-            <a:extLst>
-              <a:ext uri="{FF2B5EF4-FFF2-40B4-BE49-F238E27FC236}">
-                <a16:creationId xmlns:a16="http://schemas.microsoft.com/office/drawing/2014/main" id="{8330B92E-361B-F457-6EFD-9DE9329857FF}"/>
-              </a:ext>
-            </a:extLst>
-          </p:cNvPr>
+          <p:cNvPr id="5" name="Footer Placeholder 4"/>
           <p:cNvSpPr>
             <a:spLocks noGrp="1"/>
           </p:cNvSpPr>
@@ -281,7 +278,12 @@
             <p:ph type="ftr" sz="quarter" idx="11"/>
           </p:nvPr>
         </p:nvSpPr>
-        <p:spPr/>
+        <p:spPr>
+          <a:xfrm>
+            <a:off x="2416500" y="329307"/>
+            <a:ext cx="4973915" cy="309201"/>
+          </a:xfrm>
+        </p:spPr>
         <p:txBody>
           <a:bodyPr/>
           <a:lstStyle/>
@@ -292,13 +294,7 @@
       </p:sp>
       <p:sp>
         <p:nvSpPr>
-          <p:cNvPr id="6" name="Slide Number Placeholder 5">
-            <a:extLst>
-              <a:ext uri="{FF2B5EF4-FFF2-40B4-BE49-F238E27FC236}">
-                <a16:creationId xmlns:a16="http://schemas.microsoft.com/office/drawing/2014/main" id="{4906FAFF-9838-B680-8727-ABAEE4F452D4}"/>
-              </a:ext>
-            </a:extLst>
-          </p:cNvPr>
+          <p:cNvPr id="6" name="Slide Number Placeholder 5"/>
           <p:cNvSpPr>
             <a:spLocks noGrp="1"/>
           </p:cNvSpPr>
@@ -306,7 +302,12 @@
             <p:ph type="sldNum" sz="quarter" idx="12"/>
           </p:nvPr>
         </p:nvSpPr>
-        <p:spPr/>
+        <p:spPr>
+          <a:xfrm>
+            <a:off x="1437664" y="798973"/>
+            <a:ext cx="811019" cy="503578"/>
+          </a:xfrm>
+        </p:spPr>
         <p:txBody>
           <a:bodyPr/>
           <a:lstStyle/>
@@ -319,10 +320,41 @@
           </a:p>
         </p:txBody>
       </p:sp>
+      <p:cxnSp>
+        <p:nvCxnSpPr>
+          <p:cNvPr id="15" name="Straight Connector 14"/>
+          <p:cNvCxnSpPr/>
+          <p:nvPr/>
+        </p:nvCxnSpPr>
+        <p:spPr>
+          <a:xfrm>
+            <a:off x="2417780" y="3528542"/>
+            <a:ext cx="8637072" cy="0"/>
+          </a:xfrm>
+          <a:prstGeom prst="line">
+            <a:avLst/>
+          </a:prstGeom>
+          <a:ln w="31750"/>
+        </p:spPr>
+        <p:style>
+          <a:lnRef idx="3">
+            <a:schemeClr val="accent1"/>
+          </a:lnRef>
+          <a:fillRef idx="0">
+            <a:schemeClr val="accent1"/>
+          </a:fillRef>
+          <a:effectRef idx="2">
+            <a:schemeClr val="accent1"/>
+          </a:effectRef>
+          <a:fontRef idx="minor">
+            <a:schemeClr val="tx1"/>
+          </a:fontRef>
+        </p:style>
+      </p:cxnSp>
     </p:spTree>
     <p:extLst>
       <p:ext uri="{BB962C8B-B14F-4D97-AF65-F5344CB8AC3E}">
-        <p14:creationId xmlns:p14="http://schemas.microsoft.com/office/powerpoint/2010/main" val="2899284423"/>
+        <p14:creationId xmlns:p14="http://schemas.microsoft.com/office/powerpoint/2010/main" val="1645563867"/>
       </p:ext>
     </p:extLst>
   </p:cSld>
@@ -351,13 +383,7 @@
       </p:grpSpPr>
       <p:sp>
         <p:nvSpPr>
-          <p:cNvPr id="2" name="Title 1">
-            <a:extLst>
-              <a:ext uri="{FF2B5EF4-FFF2-40B4-BE49-F238E27FC236}">
-                <a16:creationId xmlns:a16="http://schemas.microsoft.com/office/drawing/2014/main" id="{9352B059-F695-0AEF-9F1E-5ABC91B4DD5B}"/>
-              </a:ext>
-            </a:extLst>
-          </p:cNvPr>
+          <p:cNvPr id="2" name="Title 1"/>
           <p:cNvSpPr>
             <a:spLocks noGrp="1"/>
           </p:cNvSpPr>
@@ -374,19 +400,13 @@
               <a:rPr lang="en-GB"/>
               <a:t>Click to edit Master title style</a:t>
             </a:r>
-            <a:endParaRPr lang="en-GR"/>
-          </a:p>
-        </p:txBody>
-      </p:sp>
-      <p:sp>
-        <p:nvSpPr>
-          <p:cNvPr id="3" name="Vertical Text Placeholder 2">
-            <a:extLst>
-              <a:ext uri="{FF2B5EF4-FFF2-40B4-BE49-F238E27FC236}">
-                <a16:creationId xmlns:a16="http://schemas.microsoft.com/office/drawing/2014/main" id="{BFAE07EC-6472-4098-0859-8A5110AC2728}"/>
-              </a:ext>
-            </a:extLst>
-          </p:cNvPr>
+            <a:endParaRPr lang="en-US" dirty="0"/>
+          </a:p>
+        </p:txBody>
+      </p:sp>
+      <p:sp>
+        <p:nvSpPr>
+          <p:cNvPr id="3" name="Vertical Text Placeholder 2"/>
           <p:cNvSpPr>
             <a:spLocks noGrp="1"/>
           </p:cNvSpPr>
@@ -432,19 +452,13 @@
               <a:rPr lang="en-GB"/>
               <a:t>Fifth level</a:t>
             </a:r>
-            <a:endParaRPr lang="en-GR"/>
-          </a:p>
-        </p:txBody>
-      </p:sp>
-      <p:sp>
-        <p:nvSpPr>
-          <p:cNvPr id="4" name="Date Placeholder 3">
-            <a:extLst>
-              <a:ext uri="{FF2B5EF4-FFF2-40B4-BE49-F238E27FC236}">
-                <a16:creationId xmlns:a16="http://schemas.microsoft.com/office/drawing/2014/main" id="{C99FA9F5-AC2D-AE82-00A8-6FAA7F0F6719}"/>
-              </a:ext>
-            </a:extLst>
-          </p:cNvPr>
+            <a:endParaRPr lang="en-US" dirty="0"/>
+          </a:p>
+        </p:txBody>
+      </p:sp>
+      <p:sp>
+        <p:nvSpPr>
+          <p:cNvPr id="4" name="Date Placeholder 3"/>
           <p:cNvSpPr>
             <a:spLocks noGrp="1"/>
           </p:cNvSpPr>
@@ -459,7 +473,7 @@
           <a:p>
             <a:fld id="{B8C0CCF5-40D8-6B43-AE31-DCC4D10E5115}" type="datetimeFigureOut">
               <a:rPr lang="en-GR" smtClean="0"/>
-              <a:t>28/3/24</a:t>
+              <a:t>29/3/24</a:t>
             </a:fld>
             <a:endParaRPr lang="en-GR"/>
           </a:p>
@@ -467,13 +481,7 @@
       </p:sp>
       <p:sp>
         <p:nvSpPr>
-          <p:cNvPr id="5" name="Footer Placeholder 4">
-            <a:extLst>
-              <a:ext uri="{FF2B5EF4-FFF2-40B4-BE49-F238E27FC236}">
-                <a16:creationId xmlns:a16="http://schemas.microsoft.com/office/drawing/2014/main" id="{17CCF045-BF01-9104-CD01-1A41C948E29E}"/>
-              </a:ext>
-            </a:extLst>
-          </p:cNvPr>
+          <p:cNvPr id="5" name="Footer Placeholder 4"/>
           <p:cNvSpPr>
             <a:spLocks noGrp="1"/>
           </p:cNvSpPr>
@@ -492,13 +500,7 @@
       </p:sp>
       <p:sp>
         <p:nvSpPr>
-          <p:cNvPr id="6" name="Slide Number Placeholder 5">
-            <a:extLst>
-              <a:ext uri="{FF2B5EF4-FFF2-40B4-BE49-F238E27FC236}">
-                <a16:creationId xmlns:a16="http://schemas.microsoft.com/office/drawing/2014/main" id="{C146BADC-E4B3-526D-D8D5-4FD829240D13}"/>
-              </a:ext>
-            </a:extLst>
-          </p:cNvPr>
+          <p:cNvPr id="6" name="Slide Number Placeholder 5"/>
           <p:cNvSpPr>
             <a:spLocks noGrp="1"/>
           </p:cNvSpPr>
@@ -519,10 +521,41 @@
           </a:p>
         </p:txBody>
       </p:sp>
+      <p:cxnSp>
+        <p:nvCxnSpPr>
+          <p:cNvPr id="26" name="Straight Connector 25"/>
+          <p:cNvCxnSpPr/>
+          <p:nvPr/>
+        </p:nvCxnSpPr>
+        <p:spPr>
+          <a:xfrm>
+            <a:off x="1453896" y="1847088"/>
+            <a:ext cx="9607522" cy="0"/>
+          </a:xfrm>
+          <a:prstGeom prst="line">
+            <a:avLst/>
+          </a:prstGeom>
+          <a:ln w="31750"/>
+        </p:spPr>
+        <p:style>
+          <a:lnRef idx="3">
+            <a:schemeClr val="accent1"/>
+          </a:lnRef>
+          <a:fillRef idx="0">
+            <a:schemeClr val="accent1"/>
+          </a:fillRef>
+          <a:effectRef idx="2">
+            <a:schemeClr val="accent1"/>
+          </a:effectRef>
+          <a:fontRef idx="minor">
+            <a:schemeClr val="tx1"/>
+          </a:fontRef>
+        </p:style>
+      </p:cxnSp>
     </p:spTree>
     <p:extLst>
       <p:ext uri="{BB962C8B-B14F-4D97-AF65-F5344CB8AC3E}">
-        <p14:creationId xmlns:p14="http://schemas.microsoft.com/office/powerpoint/2010/main" val="3394233742"/>
+        <p14:creationId xmlns:p14="http://schemas.microsoft.com/office/powerpoint/2010/main" val="2946985259"/>
       </p:ext>
     </p:extLst>
   </p:cSld>
@@ -551,13 +584,7 @@
       </p:grpSpPr>
       <p:sp>
         <p:nvSpPr>
-          <p:cNvPr id="2" name="Vertical Title 1">
-            <a:extLst>
-              <a:ext uri="{FF2B5EF4-FFF2-40B4-BE49-F238E27FC236}">
-                <a16:creationId xmlns:a16="http://schemas.microsoft.com/office/drawing/2014/main" id="{4BDF4526-B1E8-1E25-56B6-21D375D5D0B4}"/>
-              </a:ext>
-            </a:extLst>
-          </p:cNvPr>
+          <p:cNvPr id="2" name="Vertical Title 1"/>
           <p:cNvSpPr>
             <a:spLocks noGrp="1"/>
           </p:cNvSpPr>
@@ -567,31 +594,29 @@
         </p:nvSpPr>
         <p:spPr>
           <a:xfrm>
-            <a:off x="8724900" y="365125"/>
-            <a:ext cx="2628900" cy="5811838"/>
+            <a:off x="9439111" y="798973"/>
+            <a:ext cx="1615742" cy="4659889"/>
           </a:xfrm>
         </p:spPr>
         <p:txBody>
           <a:bodyPr vert="eaVert"/>
-          <a:lstStyle/>
+          <a:lstStyle>
+            <a:lvl1pPr algn="l">
+              <a:defRPr/>
+            </a:lvl1pPr>
+          </a:lstStyle>
           <a:p>
             <a:r>
               <a:rPr lang="en-GB"/>
               <a:t>Click to edit Master title style</a:t>
             </a:r>
-            <a:endParaRPr lang="en-GR"/>
-          </a:p>
-        </p:txBody>
-      </p:sp>
-      <p:sp>
-        <p:nvSpPr>
-          <p:cNvPr id="3" name="Vertical Text Placeholder 2">
-            <a:extLst>
-              <a:ext uri="{FF2B5EF4-FFF2-40B4-BE49-F238E27FC236}">
-                <a16:creationId xmlns:a16="http://schemas.microsoft.com/office/drawing/2014/main" id="{E890CBE5-6F31-B055-8F0F-BD44D9EF6CC9}"/>
-              </a:ext>
-            </a:extLst>
-          </p:cNvPr>
+            <a:endParaRPr lang="en-US" dirty="0"/>
+          </a:p>
+        </p:txBody>
+      </p:sp>
+      <p:sp>
+        <p:nvSpPr>
+          <p:cNvPr id="3" name="Vertical Text Placeholder 2"/>
           <p:cNvSpPr>
             <a:spLocks noGrp="1"/>
           </p:cNvSpPr>
@@ -601,8 +626,8 @@
         </p:nvSpPr>
         <p:spPr>
           <a:xfrm>
-            <a:off x="838200" y="365125"/>
-            <a:ext cx="7734300" cy="5811838"/>
+            <a:off x="1444672" y="798973"/>
+            <a:ext cx="7828830" cy="4659889"/>
           </a:xfrm>
         </p:spPr>
         <p:txBody>
@@ -642,19 +667,13 @@
               <a:rPr lang="en-GB"/>
               <a:t>Fifth level</a:t>
             </a:r>
-            <a:endParaRPr lang="en-GR"/>
-          </a:p>
-        </p:txBody>
-      </p:sp>
-      <p:sp>
-        <p:nvSpPr>
-          <p:cNvPr id="4" name="Date Placeholder 3">
-            <a:extLst>
-              <a:ext uri="{FF2B5EF4-FFF2-40B4-BE49-F238E27FC236}">
-                <a16:creationId xmlns:a16="http://schemas.microsoft.com/office/drawing/2014/main" id="{DB26F07F-2A99-ED5D-DB43-1623D611D9B4}"/>
-              </a:ext>
-            </a:extLst>
-          </p:cNvPr>
+            <a:endParaRPr lang="en-US" dirty="0"/>
+          </a:p>
+        </p:txBody>
+      </p:sp>
+      <p:sp>
+        <p:nvSpPr>
+          <p:cNvPr id="4" name="Date Placeholder 3"/>
           <p:cNvSpPr>
             <a:spLocks noGrp="1"/>
           </p:cNvSpPr>
@@ -669,7 +688,7 @@
           <a:p>
             <a:fld id="{B8C0CCF5-40D8-6B43-AE31-DCC4D10E5115}" type="datetimeFigureOut">
               <a:rPr lang="en-GR" smtClean="0"/>
-              <a:t>28/3/24</a:t>
+              <a:t>29/3/24</a:t>
             </a:fld>
             <a:endParaRPr lang="en-GR"/>
           </a:p>
@@ -677,13 +696,7 @@
       </p:sp>
       <p:sp>
         <p:nvSpPr>
-          <p:cNvPr id="5" name="Footer Placeholder 4">
-            <a:extLst>
-              <a:ext uri="{FF2B5EF4-FFF2-40B4-BE49-F238E27FC236}">
-                <a16:creationId xmlns:a16="http://schemas.microsoft.com/office/drawing/2014/main" id="{0C29F197-9C30-3D0E-CCB1-DF8E80C84C37}"/>
-              </a:ext>
-            </a:extLst>
-          </p:cNvPr>
+          <p:cNvPr id="5" name="Footer Placeholder 4"/>
           <p:cNvSpPr>
             <a:spLocks noGrp="1"/>
           </p:cNvSpPr>
@@ -702,13 +715,7 @@
       </p:sp>
       <p:sp>
         <p:nvSpPr>
-          <p:cNvPr id="6" name="Slide Number Placeholder 5">
-            <a:extLst>
-              <a:ext uri="{FF2B5EF4-FFF2-40B4-BE49-F238E27FC236}">
-                <a16:creationId xmlns:a16="http://schemas.microsoft.com/office/drawing/2014/main" id="{641B818E-46F6-6381-FEBD-D4CC1B73698D}"/>
-              </a:ext>
-            </a:extLst>
-          </p:cNvPr>
+          <p:cNvPr id="6" name="Slide Number Placeholder 5"/>
           <p:cNvSpPr>
             <a:spLocks noGrp="1"/>
           </p:cNvSpPr>
@@ -729,10 +736,41 @@
           </a:p>
         </p:txBody>
       </p:sp>
+      <p:cxnSp>
+        <p:nvCxnSpPr>
+          <p:cNvPr id="15" name="Straight Connector 14"/>
+          <p:cNvCxnSpPr/>
+          <p:nvPr/>
+        </p:nvCxnSpPr>
+        <p:spPr>
+          <a:xfrm>
+            <a:off x="9439111" y="798973"/>
+            <a:ext cx="0" cy="4659889"/>
+          </a:xfrm>
+          <a:prstGeom prst="line">
+            <a:avLst/>
+          </a:prstGeom>
+          <a:ln w="31750"/>
+        </p:spPr>
+        <p:style>
+          <a:lnRef idx="3">
+            <a:schemeClr val="accent1"/>
+          </a:lnRef>
+          <a:fillRef idx="0">
+            <a:schemeClr val="accent1"/>
+          </a:fillRef>
+          <a:effectRef idx="2">
+            <a:schemeClr val="accent1"/>
+          </a:effectRef>
+          <a:fontRef idx="minor">
+            <a:schemeClr val="tx1"/>
+          </a:fontRef>
+        </p:style>
+      </p:cxnSp>
     </p:spTree>
     <p:extLst>
       <p:ext uri="{BB962C8B-B14F-4D97-AF65-F5344CB8AC3E}">
-        <p14:creationId xmlns:p14="http://schemas.microsoft.com/office/powerpoint/2010/main" val="1783039415"/>
+        <p14:creationId xmlns:p14="http://schemas.microsoft.com/office/powerpoint/2010/main" val="1015823440"/>
       </p:ext>
     </p:extLst>
   </p:cSld>
@@ -761,13 +799,7 @@
       </p:grpSpPr>
       <p:sp>
         <p:nvSpPr>
-          <p:cNvPr id="2" name="Title 1">
-            <a:extLst>
-              <a:ext uri="{FF2B5EF4-FFF2-40B4-BE49-F238E27FC236}">
-                <a16:creationId xmlns:a16="http://schemas.microsoft.com/office/drawing/2014/main" id="{59C7697B-8D09-3C23-109D-FFFAE99AC6A8}"/>
-              </a:ext>
-            </a:extLst>
-          </p:cNvPr>
+          <p:cNvPr id="2" name="Title 1"/>
           <p:cNvSpPr>
             <a:spLocks noGrp="1"/>
           </p:cNvSpPr>
@@ -784,19 +816,13 @@
               <a:rPr lang="en-GB"/>
               <a:t>Click to edit Master title style</a:t>
             </a:r>
-            <a:endParaRPr lang="en-GR"/>
-          </a:p>
-        </p:txBody>
-      </p:sp>
-      <p:sp>
-        <p:nvSpPr>
-          <p:cNvPr id="3" name="Content Placeholder 2">
-            <a:extLst>
-              <a:ext uri="{FF2B5EF4-FFF2-40B4-BE49-F238E27FC236}">
-                <a16:creationId xmlns:a16="http://schemas.microsoft.com/office/drawing/2014/main" id="{67DC65A7-8034-98EE-72B3-DD60AC129BC9}"/>
-              </a:ext>
-            </a:extLst>
-          </p:cNvPr>
+            <a:endParaRPr lang="en-US" dirty="0"/>
+          </a:p>
+        </p:txBody>
+      </p:sp>
+      <p:sp>
+        <p:nvSpPr>
+          <p:cNvPr id="3" name="Content Placeholder 2"/>
           <p:cNvSpPr>
             <a:spLocks noGrp="1"/>
           </p:cNvSpPr>
@@ -806,7 +832,7 @@
         </p:nvSpPr>
         <p:spPr/>
         <p:txBody>
-          <a:bodyPr/>
+          <a:bodyPr anchor="t"/>
           <a:lstStyle/>
           <a:p>
             <a:pPr lvl="0"/>
@@ -842,19 +868,13 @@
               <a:rPr lang="en-GB"/>
               <a:t>Fifth level</a:t>
             </a:r>
-            <a:endParaRPr lang="en-GR"/>
-          </a:p>
-        </p:txBody>
-      </p:sp>
-      <p:sp>
-        <p:nvSpPr>
-          <p:cNvPr id="4" name="Date Placeholder 3">
-            <a:extLst>
-              <a:ext uri="{FF2B5EF4-FFF2-40B4-BE49-F238E27FC236}">
-                <a16:creationId xmlns:a16="http://schemas.microsoft.com/office/drawing/2014/main" id="{A3E26F4E-4D95-A534-1A59-F40A739AA164}"/>
-              </a:ext>
-            </a:extLst>
-          </p:cNvPr>
+            <a:endParaRPr lang="en-US" dirty="0"/>
+          </a:p>
+        </p:txBody>
+      </p:sp>
+      <p:sp>
+        <p:nvSpPr>
+          <p:cNvPr id="4" name="Date Placeholder 3"/>
           <p:cNvSpPr>
             <a:spLocks noGrp="1"/>
           </p:cNvSpPr>
@@ -869,7 +889,7 @@
           <a:p>
             <a:fld id="{B8C0CCF5-40D8-6B43-AE31-DCC4D10E5115}" type="datetimeFigureOut">
               <a:rPr lang="en-GR" smtClean="0"/>
-              <a:t>28/3/24</a:t>
+              <a:t>29/3/24</a:t>
             </a:fld>
             <a:endParaRPr lang="en-GR"/>
           </a:p>
@@ -877,13 +897,7 @@
       </p:sp>
       <p:sp>
         <p:nvSpPr>
-          <p:cNvPr id="5" name="Footer Placeholder 4">
-            <a:extLst>
-              <a:ext uri="{FF2B5EF4-FFF2-40B4-BE49-F238E27FC236}">
-                <a16:creationId xmlns:a16="http://schemas.microsoft.com/office/drawing/2014/main" id="{52B4D818-9409-68E0-98F5-7D6C8CBEA952}"/>
-              </a:ext>
-            </a:extLst>
-          </p:cNvPr>
+          <p:cNvPr id="5" name="Footer Placeholder 4"/>
           <p:cNvSpPr>
             <a:spLocks noGrp="1"/>
           </p:cNvSpPr>
@@ -902,13 +916,7 @@
       </p:sp>
       <p:sp>
         <p:nvSpPr>
-          <p:cNvPr id="6" name="Slide Number Placeholder 5">
-            <a:extLst>
-              <a:ext uri="{FF2B5EF4-FFF2-40B4-BE49-F238E27FC236}">
-                <a16:creationId xmlns:a16="http://schemas.microsoft.com/office/drawing/2014/main" id="{EF5FDCBD-BA0A-8727-F12B-70DB4E92AA0E}"/>
-              </a:ext>
-            </a:extLst>
-          </p:cNvPr>
+          <p:cNvPr id="6" name="Slide Number Placeholder 5"/>
           <p:cNvSpPr>
             <a:spLocks noGrp="1"/>
           </p:cNvSpPr>
@@ -929,10 +937,41 @@
           </a:p>
         </p:txBody>
       </p:sp>
+      <p:cxnSp>
+        <p:nvCxnSpPr>
+          <p:cNvPr id="33" name="Straight Connector 32"/>
+          <p:cNvCxnSpPr/>
+          <p:nvPr/>
+        </p:nvCxnSpPr>
+        <p:spPr>
+          <a:xfrm>
+            <a:off x="1453896" y="1847088"/>
+            <a:ext cx="9607522" cy="0"/>
+          </a:xfrm>
+          <a:prstGeom prst="line">
+            <a:avLst/>
+          </a:prstGeom>
+          <a:ln w="31750"/>
+        </p:spPr>
+        <p:style>
+          <a:lnRef idx="3">
+            <a:schemeClr val="accent1"/>
+          </a:lnRef>
+          <a:fillRef idx="0">
+            <a:schemeClr val="accent1"/>
+          </a:fillRef>
+          <a:effectRef idx="2">
+            <a:schemeClr val="accent1"/>
+          </a:effectRef>
+          <a:fontRef idx="minor">
+            <a:schemeClr val="tx1"/>
+          </a:fontRef>
+        </p:style>
+      </p:cxnSp>
     </p:spTree>
     <p:extLst>
       <p:ext uri="{BB962C8B-B14F-4D97-AF65-F5344CB8AC3E}">
-        <p14:creationId xmlns:p14="http://schemas.microsoft.com/office/powerpoint/2010/main" val="2417523166"/>
+        <p14:creationId xmlns:p14="http://schemas.microsoft.com/office/powerpoint/2010/main" val="1534883913"/>
       </p:ext>
     </p:extLst>
   </p:cSld>
@@ -961,13 +1000,7 @@
       </p:grpSpPr>
       <p:sp>
         <p:nvSpPr>
-          <p:cNvPr id="2" name="Title 1">
-            <a:extLst>
-              <a:ext uri="{FF2B5EF4-FFF2-40B4-BE49-F238E27FC236}">
-                <a16:creationId xmlns:a16="http://schemas.microsoft.com/office/drawing/2014/main" id="{2652BC13-2A7A-DD07-C9E4-490C71F90341}"/>
-              </a:ext>
-            </a:extLst>
-          </p:cNvPr>
+          <p:cNvPr id="2" name="Title 1"/>
           <p:cNvSpPr>
             <a:spLocks noGrp="1"/>
           </p:cNvSpPr>
@@ -977,15 +1010,17 @@
         </p:nvSpPr>
         <p:spPr>
           <a:xfrm>
-            <a:off x="831850" y="1709738"/>
-            <a:ext cx="10515600" cy="2852737"/>
+            <a:off x="1454239" y="1756130"/>
+            <a:ext cx="8643154" cy="1887950"/>
           </a:xfrm>
         </p:spPr>
         <p:txBody>
-          <a:bodyPr anchor="b"/>
+          <a:bodyPr anchor="b">
+            <a:normAutofit/>
+          </a:bodyPr>
           <a:lstStyle>
-            <a:lvl1pPr>
-              <a:defRPr sz="6000"/>
+            <a:lvl1pPr algn="l">
+              <a:defRPr sz="3600"/>
             </a:lvl1pPr>
           </a:lstStyle>
           <a:p>
@@ -993,19 +1028,13 @@
               <a:rPr lang="en-GB"/>
               <a:t>Click to edit Master title style</a:t>
             </a:r>
-            <a:endParaRPr lang="en-GR"/>
-          </a:p>
-        </p:txBody>
-      </p:sp>
-      <p:sp>
-        <p:nvSpPr>
-          <p:cNvPr id="3" name="Text Placeholder 2">
-            <a:extLst>
-              <a:ext uri="{FF2B5EF4-FFF2-40B4-BE49-F238E27FC236}">
-                <a16:creationId xmlns:a16="http://schemas.microsoft.com/office/drawing/2014/main" id="{FAF962AF-10E1-9729-822E-08832D01C34E}"/>
-              </a:ext>
-            </a:extLst>
-          </p:cNvPr>
+            <a:endParaRPr lang="en-US" dirty="0"/>
+          </a:p>
+        </p:txBody>
+      </p:sp>
+      <p:sp>
+        <p:nvSpPr>
+          <p:cNvPr id="3" name="Text Placeholder 2"/>
           <p:cNvSpPr>
             <a:spLocks noGrp="1"/>
           </p:cNvSpPr>
@@ -1015,26 +1044,26 @@
         </p:nvSpPr>
         <p:spPr>
           <a:xfrm>
-            <a:off x="831850" y="4589463"/>
-            <a:ext cx="10515600" cy="1500187"/>
+            <a:off x="1454239" y="3806195"/>
+            <a:ext cx="8630446" cy="1012929"/>
           </a:xfrm>
         </p:spPr>
         <p:txBody>
-          <a:bodyPr/>
+          <a:bodyPr tIns="91440">
+            <a:normAutofit/>
+          </a:bodyPr>
           <a:lstStyle>
-            <a:lvl1pPr marL="0" indent="0">
-              <a:buNone/>
-              <a:defRPr sz="2400">
+            <a:lvl1pPr marL="0" indent="0" algn="l">
+              <a:buNone/>
+              <a:defRPr sz="1800">
                 <a:solidFill>
-                  <a:schemeClr val="tx1">
-                    <a:tint val="75000"/>
-                  </a:schemeClr>
+                  <a:schemeClr val="tx1"/>
                 </a:solidFill>
               </a:defRPr>
             </a:lvl1pPr>
             <a:lvl2pPr marL="457200" indent="0">
               <a:buNone/>
-              <a:defRPr sz="2000">
+              <a:defRPr sz="1800">
                 <a:solidFill>
                   <a:schemeClr val="tx1">
                     <a:tint val="75000"/>
@@ -1124,13 +1153,7 @@
       </p:sp>
       <p:sp>
         <p:nvSpPr>
-          <p:cNvPr id="4" name="Date Placeholder 3">
-            <a:extLst>
-              <a:ext uri="{FF2B5EF4-FFF2-40B4-BE49-F238E27FC236}">
-                <a16:creationId xmlns:a16="http://schemas.microsoft.com/office/drawing/2014/main" id="{A0DD0F40-D9C4-C27C-DBC2-0706FD34AFCB}"/>
-              </a:ext>
-            </a:extLst>
-          </p:cNvPr>
+          <p:cNvPr id="4" name="Date Placeholder 3"/>
           <p:cNvSpPr>
             <a:spLocks noGrp="1"/>
           </p:cNvSpPr>
@@ -1145,7 +1168,7 @@
           <a:p>
             <a:fld id="{B8C0CCF5-40D8-6B43-AE31-DCC4D10E5115}" type="datetimeFigureOut">
               <a:rPr lang="en-GR" smtClean="0"/>
-              <a:t>28/3/24</a:t>
+              <a:t>29/3/24</a:t>
             </a:fld>
             <a:endParaRPr lang="en-GR"/>
           </a:p>
@@ -1153,13 +1176,7 @@
       </p:sp>
       <p:sp>
         <p:nvSpPr>
-          <p:cNvPr id="5" name="Footer Placeholder 4">
-            <a:extLst>
-              <a:ext uri="{FF2B5EF4-FFF2-40B4-BE49-F238E27FC236}">
-                <a16:creationId xmlns:a16="http://schemas.microsoft.com/office/drawing/2014/main" id="{5FF6FA29-464F-DCF7-0C76-4D49A884A61B}"/>
-              </a:ext>
-            </a:extLst>
-          </p:cNvPr>
+          <p:cNvPr id="5" name="Footer Placeholder 4"/>
           <p:cNvSpPr>
             <a:spLocks noGrp="1"/>
           </p:cNvSpPr>
@@ -1178,13 +1195,7 @@
       </p:sp>
       <p:sp>
         <p:nvSpPr>
-          <p:cNvPr id="6" name="Slide Number Placeholder 5">
-            <a:extLst>
-              <a:ext uri="{FF2B5EF4-FFF2-40B4-BE49-F238E27FC236}">
-                <a16:creationId xmlns:a16="http://schemas.microsoft.com/office/drawing/2014/main" id="{1AD8222A-2584-58AC-F5E2-457D8B7C63E8}"/>
-              </a:ext>
-            </a:extLst>
-          </p:cNvPr>
+          <p:cNvPr id="6" name="Slide Number Placeholder 5"/>
           <p:cNvSpPr>
             <a:spLocks noGrp="1"/>
           </p:cNvSpPr>
@@ -1205,10 +1216,41 @@
           </a:p>
         </p:txBody>
       </p:sp>
+      <p:cxnSp>
+        <p:nvCxnSpPr>
+          <p:cNvPr id="15" name="Straight Connector 14"/>
+          <p:cNvCxnSpPr/>
+          <p:nvPr/>
+        </p:nvCxnSpPr>
+        <p:spPr>
+          <a:xfrm>
+            <a:off x="1454239" y="3804985"/>
+            <a:ext cx="8630446" cy="0"/>
+          </a:xfrm>
+          <a:prstGeom prst="line">
+            <a:avLst/>
+          </a:prstGeom>
+          <a:ln w="31750"/>
+        </p:spPr>
+        <p:style>
+          <a:lnRef idx="3">
+            <a:schemeClr val="accent1"/>
+          </a:lnRef>
+          <a:fillRef idx="0">
+            <a:schemeClr val="accent1"/>
+          </a:fillRef>
+          <a:effectRef idx="2">
+            <a:schemeClr val="accent1"/>
+          </a:effectRef>
+          <a:fontRef idx="minor">
+            <a:schemeClr val="tx1"/>
+          </a:fontRef>
+        </p:style>
+      </p:cxnSp>
     </p:spTree>
     <p:extLst>
       <p:ext uri="{BB962C8B-B14F-4D97-AF65-F5344CB8AC3E}">
-        <p14:creationId xmlns:p14="http://schemas.microsoft.com/office/powerpoint/2010/main" val="3179757918"/>
+        <p14:creationId xmlns:p14="http://schemas.microsoft.com/office/powerpoint/2010/main" val="2562020969"/>
       </p:ext>
     </p:extLst>
   </p:cSld>
@@ -1237,116 +1279,46 @@
       </p:grpSpPr>
       <p:sp>
         <p:nvSpPr>
-          <p:cNvPr id="2" name="Title 1">
-            <a:extLst>
-              <a:ext uri="{FF2B5EF4-FFF2-40B4-BE49-F238E27FC236}">
-                <a16:creationId xmlns:a16="http://schemas.microsoft.com/office/drawing/2014/main" id="{AB2BFF29-E63D-CABC-1E5D-F81DAF8B5A65}"/>
-              </a:ext>
-            </a:extLst>
-          </p:cNvPr>
+          <p:cNvPr id="2" name="Title 1"/>
           <p:cNvSpPr>
             <a:spLocks noGrp="1"/>
           </p:cNvSpPr>
           <p:nvPr>
             <p:ph type="title"/>
-          </p:nvPr>
-        </p:nvSpPr>
-        <p:spPr/>
-        <p:txBody>
-          <a:bodyPr/>
-          <a:lstStyle/>
-          <a:p>
-            <a:r>
-              <a:rPr lang="en-GB"/>
-              <a:t>Click to edit Master title style</a:t>
-            </a:r>
-            <a:endParaRPr lang="en-GR"/>
-          </a:p>
-        </p:txBody>
-      </p:sp>
-      <p:sp>
-        <p:nvSpPr>
-          <p:cNvPr id="3" name="Content Placeholder 2">
-            <a:extLst>
-              <a:ext uri="{FF2B5EF4-FFF2-40B4-BE49-F238E27FC236}">
-                <a16:creationId xmlns:a16="http://schemas.microsoft.com/office/drawing/2014/main" id="{AE0F1A8B-2414-35BA-51E0-E11BE4FA1D01}"/>
-              </a:ext>
-            </a:extLst>
-          </p:cNvPr>
-          <p:cNvSpPr>
-            <a:spLocks noGrp="1"/>
-          </p:cNvSpPr>
-          <p:nvPr>
-            <p:ph sz="half" idx="1"/>
           </p:nvPr>
         </p:nvSpPr>
         <p:spPr>
           <a:xfrm>
-            <a:off x="838200" y="1825625"/>
-            <a:ext cx="5181600" cy="4351338"/>
+            <a:off x="1449217" y="804889"/>
+            <a:ext cx="9605635" cy="1059305"/>
           </a:xfrm>
         </p:spPr>
         <p:txBody>
           <a:bodyPr/>
           <a:lstStyle/>
           <a:p>
-            <a:pPr lvl="0"/>
-            <a:r>
-              <a:rPr lang="en-GB"/>
-              <a:t>Click to edit Master text styles</a:t>
-            </a:r>
-          </a:p>
-          <a:p>
-            <a:pPr lvl="1"/>
-            <a:r>
-              <a:rPr lang="en-GB"/>
-              <a:t>Second level</a:t>
-            </a:r>
-          </a:p>
-          <a:p>
-            <a:pPr lvl="2"/>
-            <a:r>
-              <a:rPr lang="en-GB"/>
-              <a:t>Third level</a:t>
-            </a:r>
-          </a:p>
-          <a:p>
-            <a:pPr lvl="3"/>
-            <a:r>
-              <a:rPr lang="en-GB"/>
-              <a:t>Fourth level</a:t>
-            </a:r>
-          </a:p>
-          <a:p>
-            <a:pPr lvl="4"/>
-            <a:r>
-              <a:rPr lang="en-GB"/>
-              <a:t>Fifth level</a:t>
-            </a:r>
-            <a:endParaRPr lang="en-GR"/>
-          </a:p>
-        </p:txBody>
-      </p:sp>
-      <p:sp>
-        <p:nvSpPr>
-          <p:cNvPr id="4" name="Content Placeholder 3">
-            <a:extLst>
-              <a:ext uri="{FF2B5EF4-FFF2-40B4-BE49-F238E27FC236}">
-                <a16:creationId xmlns:a16="http://schemas.microsoft.com/office/drawing/2014/main" id="{4569A1C1-A032-3DA6-57F1-AE34A085A5B5}"/>
-              </a:ext>
-            </a:extLst>
-          </p:cNvPr>
-          <p:cNvSpPr>
-            <a:spLocks noGrp="1"/>
-          </p:cNvSpPr>
-          <p:nvPr>
-            <p:ph sz="half" idx="2"/>
+            <a:r>
+              <a:rPr lang="en-GB"/>
+              <a:t>Click to edit Master title style</a:t>
+            </a:r>
+            <a:endParaRPr lang="en-US" dirty="0"/>
+          </a:p>
+        </p:txBody>
+      </p:sp>
+      <p:sp>
+        <p:nvSpPr>
+          <p:cNvPr id="3" name="Content Placeholder 2"/>
+          <p:cNvSpPr>
+            <a:spLocks noGrp="1"/>
+          </p:cNvSpPr>
+          <p:nvPr>
+            <p:ph sz="half" idx="1"/>
           </p:nvPr>
         </p:nvSpPr>
         <p:spPr>
           <a:xfrm>
-            <a:off x="6172200" y="1825625"/>
-            <a:ext cx="5181600" cy="4351338"/>
+            <a:off x="1447331" y="2010878"/>
+            <a:ext cx="4645152" cy="3448595"/>
           </a:xfrm>
         </p:spPr>
         <p:txBody>
@@ -1386,19 +1358,70 @@
               <a:rPr lang="en-GB"/>
               <a:t>Fifth level</a:t>
             </a:r>
-            <a:endParaRPr lang="en-GR"/>
-          </a:p>
-        </p:txBody>
-      </p:sp>
-      <p:sp>
-        <p:nvSpPr>
-          <p:cNvPr id="5" name="Date Placeholder 4">
-            <a:extLst>
-              <a:ext uri="{FF2B5EF4-FFF2-40B4-BE49-F238E27FC236}">
-                <a16:creationId xmlns:a16="http://schemas.microsoft.com/office/drawing/2014/main" id="{3248ED59-93B4-47D2-E967-398572ABECD3}"/>
-              </a:ext>
-            </a:extLst>
-          </p:cNvPr>
+            <a:endParaRPr lang="en-US" dirty="0"/>
+          </a:p>
+        </p:txBody>
+      </p:sp>
+      <p:sp>
+        <p:nvSpPr>
+          <p:cNvPr id="4" name="Content Placeholder 3"/>
+          <p:cNvSpPr>
+            <a:spLocks noGrp="1"/>
+          </p:cNvSpPr>
+          <p:nvPr>
+            <p:ph sz="half" idx="2"/>
+          </p:nvPr>
+        </p:nvSpPr>
+        <p:spPr>
+          <a:xfrm>
+            <a:off x="6413771" y="2017343"/>
+            <a:ext cx="4645152" cy="3441520"/>
+          </a:xfrm>
+        </p:spPr>
+        <p:txBody>
+          <a:bodyPr/>
+          <a:lstStyle/>
+          <a:p>
+            <a:pPr lvl="0"/>
+            <a:r>
+              <a:rPr lang="en-GB"/>
+              <a:t>Click to edit Master text styles</a:t>
+            </a:r>
+          </a:p>
+          <a:p>
+            <a:pPr lvl="1"/>
+            <a:r>
+              <a:rPr lang="en-GB"/>
+              <a:t>Second level</a:t>
+            </a:r>
+          </a:p>
+          <a:p>
+            <a:pPr lvl="2"/>
+            <a:r>
+              <a:rPr lang="en-GB"/>
+              <a:t>Third level</a:t>
+            </a:r>
+          </a:p>
+          <a:p>
+            <a:pPr lvl="3"/>
+            <a:r>
+              <a:rPr lang="en-GB"/>
+              <a:t>Fourth level</a:t>
+            </a:r>
+          </a:p>
+          <a:p>
+            <a:pPr lvl="4"/>
+            <a:r>
+              <a:rPr lang="en-GB"/>
+              <a:t>Fifth level</a:t>
+            </a:r>
+            <a:endParaRPr lang="en-US" dirty="0"/>
+          </a:p>
+        </p:txBody>
+      </p:sp>
+      <p:sp>
+        <p:nvSpPr>
+          <p:cNvPr id="5" name="Date Placeholder 4"/>
           <p:cNvSpPr>
             <a:spLocks noGrp="1"/>
           </p:cNvSpPr>
@@ -1413,7 +1436,7 @@
           <a:p>
             <a:fld id="{B8C0CCF5-40D8-6B43-AE31-DCC4D10E5115}" type="datetimeFigureOut">
               <a:rPr lang="en-GR" smtClean="0"/>
-              <a:t>28/3/24</a:t>
+              <a:t>29/3/24</a:t>
             </a:fld>
             <a:endParaRPr lang="en-GR"/>
           </a:p>
@@ -1421,13 +1444,7 @@
       </p:sp>
       <p:sp>
         <p:nvSpPr>
-          <p:cNvPr id="6" name="Footer Placeholder 5">
-            <a:extLst>
-              <a:ext uri="{FF2B5EF4-FFF2-40B4-BE49-F238E27FC236}">
-                <a16:creationId xmlns:a16="http://schemas.microsoft.com/office/drawing/2014/main" id="{1A739CF6-0EC2-30B3-4AB1-043BE510EF57}"/>
-              </a:ext>
-            </a:extLst>
-          </p:cNvPr>
+          <p:cNvPr id="6" name="Footer Placeholder 5"/>
           <p:cNvSpPr>
             <a:spLocks noGrp="1"/>
           </p:cNvSpPr>
@@ -1446,13 +1463,7 @@
       </p:sp>
       <p:sp>
         <p:nvSpPr>
-          <p:cNvPr id="7" name="Slide Number Placeholder 6">
-            <a:extLst>
-              <a:ext uri="{FF2B5EF4-FFF2-40B4-BE49-F238E27FC236}">
-                <a16:creationId xmlns:a16="http://schemas.microsoft.com/office/drawing/2014/main" id="{8C69F230-5C61-A2C2-F68D-B053932D9560}"/>
-              </a:ext>
-            </a:extLst>
-          </p:cNvPr>
+          <p:cNvPr id="7" name="Slide Number Placeholder 6"/>
           <p:cNvSpPr>
             <a:spLocks noGrp="1"/>
           </p:cNvSpPr>
@@ -1473,10 +1484,41 @@
           </a:p>
         </p:txBody>
       </p:sp>
+      <p:cxnSp>
+        <p:nvCxnSpPr>
+          <p:cNvPr id="35" name="Straight Connector 34"/>
+          <p:cNvCxnSpPr/>
+          <p:nvPr/>
+        </p:nvCxnSpPr>
+        <p:spPr>
+          <a:xfrm>
+            <a:off x="1453896" y="1847088"/>
+            <a:ext cx="9607522" cy="0"/>
+          </a:xfrm>
+          <a:prstGeom prst="line">
+            <a:avLst/>
+          </a:prstGeom>
+          <a:ln w="31750"/>
+        </p:spPr>
+        <p:style>
+          <a:lnRef idx="3">
+            <a:schemeClr val="accent1"/>
+          </a:lnRef>
+          <a:fillRef idx="0">
+            <a:schemeClr val="accent1"/>
+          </a:fillRef>
+          <a:effectRef idx="2">
+            <a:schemeClr val="accent1"/>
+          </a:effectRef>
+          <a:fontRef idx="minor">
+            <a:schemeClr val="tx1"/>
+          </a:fontRef>
+        </p:style>
+      </p:cxnSp>
     </p:spTree>
     <p:extLst>
       <p:ext uri="{BB962C8B-B14F-4D97-AF65-F5344CB8AC3E}">
-        <p14:creationId xmlns:p14="http://schemas.microsoft.com/office/powerpoint/2010/main" val="2560047310"/>
+        <p14:creationId xmlns:p14="http://schemas.microsoft.com/office/powerpoint/2010/main" val="981476294"/>
       </p:ext>
     </p:extLst>
   </p:cSld>
@@ -1505,13 +1547,7 @@
       </p:grpSpPr>
       <p:sp>
         <p:nvSpPr>
-          <p:cNvPr id="2" name="Title 1">
-            <a:extLst>
-              <a:ext uri="{FF2B5EF4-FFF2-40B4-BE49-F238E27FC236}">
-                <a16:creationId xmlns:a16="http://schemas.microsoft.com/office/drawing/2014/main" id="{9E20945E-A2B7-4654-BD98-419F86586811}"/>
-              </a:ext>
-            </a:extLst>
-          </p:cNvPr>
+          <p:cNvPr id="2" name="Title 1"/>
           <p:cNvSpPr>
             <a:spLocks noGrp="1"/>
           </p:cNvSpPr>
@@ -1521,8 +1557,8 @@
         </p:nvSpPr>
         <p:spPr>
           <a:xfrm>
-            <a:off x="839788" y="365125"/>
-            <a:ext cx="10515600" cy="1325563"/>
+            <a:off x="1447191" y="804163"/>
+            <a:ext cx="9607661" cy="1056319"/>
           </a:xfrm>
         </p:spPr>
         <p:txBody>
@@ -1533,19 +1569,13 @@
               <a:rPr lang="en-GB"/>
               <a:t>Click to edit Master title style</a:t>
             </a:r>
-            <a:endParaRPr lang="en-GR"/>
-          </a:p>
-        </p:txBody>
-      </p:sp>
-      <p:sp>
-        <p:nvSpPr>
-          <p:cNvPr id="3" name="Text Placeholder 2">
-            <a:extLst>
-              <a:ext uri="{FF2B5EF4-FFF2-40B4-BE49-F238E27FC236}">
-                <a16:creationId xmlns:a16="http://schemas.microsoft.com/office/drawing/2014/main" id="{A826C129-B1C9-BEC7-5789-72284F6D2098}"/>
-              </a:ext>
-            </a:extLst>
-          </p:cNvPr>
+            <a:endParaRPr lang="en-US" dirty="0"/>
+          </a:p>
+        </p:txBody>
+      </p:sp>
+      <p:sp>
+        <p:nvSpPr>
+          <p:cNvPr id="3" name="Text Placeholder 2"/>
           <p:cNvSpPr>
             <a:spLocks noGrp="1"/>
           </p:cNvSpPr>
@@ -1555,16 +1585,25 @@
         </p:nvSpPr>
         <p:spPr>
           <a:xfrm>
-            <a:off x="839788" y="1681163"/>
-            <a:ext cx="5157787" cy="823912"/>
+            <a:off x="1447191" y="2019549"/>
+            <a:ext cx="4645152" cy="801943"/>
           </a:xfrm>
         </p:spPr>
         <p:txBody>
-          <a:bodyPr anchor="b"/>
+          <a:bodyPr anchor="b">
+            <a:normAutofit/>
+          </a:bodyPr>
           <a:lstStyle>
             <a:lvl1pPr marL="0" indent="0">
-              <a:buNone/>
-              <a:defRPr sz="2400" b="1"/>
+              <a:lnSpc>
+                <a:spcPct val="100000"/>
+              </a:lnSpc>
+              <a:buNone/>
+              <a:defRPr sz="2200" b="0" cap="all" baseline="0">
+                <a:solidFill>
+                  <a:schemeClr val="accent1"/>
+                </a:solidFill>
+              </a:defRPr>
             </a:lvl1pPr>
             <a:lvl2pPr marL="457200" indent="0">
               <a:buNone/>
@@ -1610,13 +1649,7 @@
       </p:sp>
       <p:sp>
         <p:nvSpPr>
-          <p:cNvPr id="4" name="Content Placeholder 3">
-            <a:extLst>
-              <a:ext uri="{FF2B5EF4-FFF2-40B4-BE49-F238E27FC236}">
-                <a16:creationId xmlns:a16="http://schemas.microsoft.com/office/drawing/2014/main" id="{137F1440-68D0-69E7-6F2E-78DA173A4DE7}"/>
-              </a:ext>
-            </a:extLst>
-          </p:cNvPr>
+          <p:cNvPr id="4" name="Content Placeholder 3"/>
           <p:cNvSpPr>
             <a:spLocks noGrp="1"/>
           </p:cNvSpPr>
@@ -1626,8 +1659,8 @@
         </p:nvSpPr>
         <p:spPr>
           <a:xfrm>
-            <a:off x="839788" y="2505075"/>
-            <a:ext cx="5157787" cy="3684588"/>
+            <a:off x="1447191" y="2824269"/>
+            <a:ext cx="4645152" cy="2644457"/>
           </a:xfrm>
         </p:spPr>
         <p:txBody>
@@ -1667,19 +1700,13 @@
               <a:rPr lang="en-GB"/>
               <a:t>Fifth level</a:t>
             </a:r>
-            <a:endParaRPr lang="en-GR"/>
-          </a:p>
-        </p:txBody>
-      </p:sp>
-      <p:sp>
-        <p:nvSpPr>
-          <p:cNvPr id="5" name="Text Placeholder 4">
-            <a:extLst>
-              <a:ext uri="{FF2B5EF4-FFF2-40B4-BE49-F238E27FC236}">
-                <a16:creationId xmlns:a16="http://schemas.microsoft.com/office/drawing/2014/main" id="{86E5F29B-563C-89FD-F947-22532BFB216C}"/>
-              </a:ext>
-            </a:extLst>
-          </p:cNvPr>
+            <a:endParaRPr lang="en-US" dirty="0"/>
+          </a:p>
+        </p:txBody>
+      </p:sp>
+      <p:sp>
+        <p:nvSpPr>
+          <p:cNvPr id="5" name="Text Placeholder 4"/>
           <p:cNvSpPr>
             <a:spLocks noGrp="1"/>
           </p:cNvSpPr>
@@ -1689,16 +1716,25 @@
         </p:nvSpPr>
         <p:spPr>
           <a:xfrm>
-            <a:off x="6172200" y="1681163"/>
-            <a:ext cx="5183188" cy="823912"/>
+            <a:off x="6412362" y="2023003"/>
+            <a:ext cx="4645152" cy="802237"/>
           </a:xfrm>
         </p:spPr>
         <p:txBody>
-          <a:bodyPr anchor="b"/>
+          <a:bodyPr anchor="b">
+            <a:normAutofit/>
+          </a:bodyPr>
           <a:lstStyle>
             <a:lvl1pPr marL="0" indent="0">
-              <a:buNone/>
-              <a:defRPr sz="2400" b="1"/>
+              <a:lnSpc>
+                <a:spcPct val="100000"/>
+              </a:lnSpc>
+              <a:buNone/>
+              <a:defRPr sz="2200" b="0" cap="all" baseline="0">
+                <a:solidFill>
+                  <a:schemeClr val="accent1"/>
+                </a:solidFill>
+              </a:defRPr>
             </a:lvl1pPr>
             <a:lvl2pPr marL="457200" indent="0">
               <a:buNone/>
@@ -1744,13 +1780,7 @@
       </p:sp>
       <p:sp>
         <p:nvSpPr>
-          <p:cNvPr id="6" name="Content Placeholder 5">
-            <a:extLst>
-              <a:ext uri="{FF2B5EF4-FFF2-40B4-BE49-F238E27FC236}">
-                <a16:creationId xmlns:a16="http://schemas.microsoft.com/office/drawing/2014/main" id="{31716B41-5F37-289F-19BE-E63ECBF3EE2F}"/>
-              </a:ext>
-            </a:extLst>
-          </p:cNvPr>
+          <p:cNvPr id="6" name="Content Placeholder 5"/>
           <p:cNvSpPr>
             <a:spLocks noGrp="1"/>
           </p:cNvSpPr>
@@ -1760,8 +1790,8 @@
         </p:nvSpPr>
         <p:spPr>
           <a:xfrm>
-            <a:off x="6172200" y="2505075"/>
-            <a:ext cx="5183188" cy="3684588"/>
+            <a:off x="6412362" y="2821491"/>
+            <a:ext cx="4645152" cy="2637371"/>
           </a:xfrm>
         </p:spPr>
         <p:txBody>
@@ -1801,19 +1831,13 @@
               <a:rPr lang="en-GB"/>
               <a:t>Fifth level</a:t>
             </a:r>
-            <a:endParaRPr lang="en-GR"/>
-          </a:p>
-        </p:txBody>
-      </p:sp>
-      <p:sp>
-        <p:nvSpPr>
-          <p:cNvPr id="7" name="Date Placeholder 6">
-            <a:extLst>
-              <a:ext uri="{FF2B5EF4-FFF2-40B4-BE49-F238E27FC236}">
-                <a16:creationId xmlns:a16="http://schemas.microsoft.com/office/drawing/2014/main" id="{DDF97224-8521-A36F-4AC4-8F4E4C2E073B}"/>
-              </a:ext>
-            </a:extLst>
-          </p:cNvPr>
+            <a:endParaRPr lang="en-US" dirty="0"/>
+          </a:p>
+        </p:txBody>
+      </p:sp>
+      <p:sp>
+        <p:nvSpPr>
+          <p:cNvPr id="7" name="Date Placeholder 6"/>
           <p:cNvSpPr>
             <a:spLocks noGrp="1"/>
           </p:cNvSpPr>
@@ -1828,7 +1852,7 @@
           <a:p>
             <a:fld id="{B8C0CCF5-40D8-6B43-AE31-DCC4D10E5115}" type="datetimeFigureOut">
               <a:rPr lang="en-GR" smtClean="0"/>
-              <a:t>28/3/24</a:t>
+              <a:t>29/3/24</a:t>
             </a:fld>
             <a:endParaRPr lang="en-GR"/>
           </a:p>
@@ -1836,13 +1860,7 @@
       </p:sp>
       <p:sp>
         <p:nvSpPr>
-          <p:cNvPr id="8" name="Footer Placeholder 7">
-            <a:extLst>
-              <a:ext uri="{FF2B5EF4-FFF2-40B4-BE49-F238E27FC236}">
-                <a16:creationId xmlns:a16="http://schemas.microsoft.com/office/drawing/2014/main" id="{EC61FCE8-7937-E477-8FA8-CB888E51B49C}"/>
-              </a:ext>
-            </a:extLst>
-          </p:cNvPr>
+          <p:cNvPr id="8" name="Footer Placeholder 7"/>
           <p:cNvSpPr>
             <a:spLocks noGrp="1"/>
           </p:cNvSpPr>
@@ -1861,13 +1879,7 @@
       </p:sp>
       <p:sp>
         <p:nvSpPr>
-          <p:cNvPr id="9" name="Slide Number Placeholder 8">
-            <a:extLst>
-              <a:ext uri="{FF2B5EF4-FFF2-40B4-BE49-F238E27FC236}">
-                <a16:creationId xmlns:a16="http://schemas.microsoft.com/office/drawing/2014/main" id="{14D58096-1EA7-32DA-F0A4-9CB7702043C6}"/>
-              </a:ext>
-            </a:extLst>
-          </p:cNvPr>
+          <p:cNvPr id="9" name="Slide Number Placeholder 8"/>
           <p:cNvSpPr>
             <a:spLocks noGrp="1"/>
           </p:cNvSpPr>
@@ -1888,10 +1900,41 @@
           </a:p>
         </p:txBody>
       </p:sp>
+      <p:cxnSp>
+        <p:nvCxnSpPr>
+          <p:cNvPr id="29" name="Straight Connector 28"/>
+          <p:cNvCxnSpPr/>
+          <p:nvPr/>
+        </p:nvCxnSpPr>
+        <p:spPr>
+          <a:xfrm>
+            <a:off x="1453896" y="1847088"/>
+            <a:ext cx="9607522" cy="0"/>
+          </a:xfrm>
+          <a:prstGeom prst="line">
+            <a:avLst/>
+          </a:prstGeom>
+          <a:ln w="31750"/>
+        </p:spPr>
+        <p:style>
+          <a:lnRef idx="3">
+            <a:schemeClr val="accent1"/>
+          </a:lnRef>
+          <a:fillRef idx="0">
+            <a:schemeClr val="accent1"/>
+          </a:fillRef>
+          <a:effectRef idx="2">
+            <a:schemeClr val="accent1"/>
+          </a:effectRef>
+          <a:fontRef idx="minor">
+            <a:schemeClr val="tx1"/>
+          </a:fontRef>
+        </p:style>
+      </p:cxnSp>
     </p:spTree>
     <p:extLst>
       <p:ext uri="{BB962C8B-B14F-4D97-AF65-F5344CB8AC3E}">
-        <p14:creationId xmlns:p14="http://schemas.microsoft.com/office/powerpoint/2010/main" val="3461284760"/>
+        <p14:creationId xmlns:p14="http://schemas.microsoft.com/office/powerpoint/2010/main" val="625393848"/>
       </p:ext>
     </p:extLst>
   </p:cSld>
@@ -1920,13 +1963,7 @@
       </p:grpSpPr>
       <p:sp>
         <p:nvSpPr>
-          <p:cNvPr id="2" name="Title 1">
-            <a:extLst>
-              <a:ext uri="{FF2B5EF4-FFF2-40B4-BE49-F238E27FC236}">
-                <a16:creationId xmlns:a16="http://schemas.microsoft.com/office/drawing/2014/main" id="{7ED4579C-6A57-3579-F077-F96E6E6DA293}"/>
-              </a:ext>
-            </a:extLst>
-          </p:cNvPr>
+          <p:cNvPr id="2" name="Title 1"/>
           <p:cNvSpPr>
             <a:spLocks noGrp="1"/>
           </p:cNvSpPr>
@@ -1943,19 +1980,13 @@
               <a:rPr lang="en-GB"/>
               <a:t>Click to edit Master title style</a:t>
             </a:r>
-            <a:endParaRPr lang="en-GR"/>
-          </a:p>
-        </p:txBody>
-      </p:sp>
-      <p:sp>
-        <p:nvSpPr>
-          <p:cNvPr id="3" name="Date Placeholder 2">
-            <a:extLst>
-              <a:ext uri="{FF2B5EF4-FFF2-40B4-BE49-F238E27FC236}">
-                <a16:creationId xmlns:a16="http://schemas.microsoft.com/office/drawing/2014/main" id="{61B529F4-C86B-5C28-91CB-2918F1C2E17C}"/>
-              </a:ext>
-            </a:extLst>
-          </p:cNvPr>
+            <a:endParaRPr lang="en-US" dirty="0"/>
+          </a:p>
+        </p:txBody>
+      </p:sp>
+      <p:sp>
+        <p:nvSpPr>
+          <p:cNvPr id="3" name="Date Placeholder 2"/>
           <p:cNvSpPr>
             <a:spLocks noGrp="1"/>
           </p:cNvSpPr>
@@ -1970,7 +2001,7 @@
           <a:p>
             <a:fld id="{B8C0CCF5-40D8-6B43-AE31-DCC4D10E5115}" type="datetimeFigureOut">
               <a:rPr lang="en-GR" smtClean="0"/>
-              <a:t>28/3/24</a:t>
+              <a:t>29/3/24</a:t>
             </a:fld>
             <a:endParaRPr lang="en-GR"/>
           </a:p>
@@ -1978,13 +2009,7 @@
       </p:sp>
       <p:sp>
         <p:nvSpPr>
-          <p:cNvPr id="4" name="Footer Placeholder 3">
-            <a:extLst>
-              <a:ext uri="{FF2B5EF4-FFF2-40B4-BE49-F238E27FC236}">
-                <a16:creationId xmlns:a16="http://schemas.microsoft.com/office/drawing/2014/main" id="{D3199161-D83B-3984-AFAB-CE0DBB750FF9}"/>
-              </a:ext>
-            </a:extLst>
-          </p:cNvPr>
+          <p:cNvPr id="4" name="Footer Placeholder 3"/>
           <p:cNvSpPr>
             <a:spLocks noGrp="1"/>
           </p:cNvSpPr>
@@ -2003,13 +2028,7 @@
       </p:sp>
       <p:sp>
         <p:nvSpPr>
-          <p:cNvPr id="5" name="Slide Number Placeholder 4">
-            <a:extLst>
-              <a:ext uri="{FF2B5EF4-FFF2-40B4-BE49-F238E27FC236}">
-                <a16:creationId xmlns:a16="http://schemas.microsoft.com/office/drawing/2014/main" id="{CB504EAE-2720-100B-7016-4CF3CB24ACA8}"/>
-              </a:ext>
-            </a:extLst>
-          </p:cNvPr>
+          <p:cNvPr id="5" name="Slide Number Placeholder 4"/>
           <p:cNvSpPr>
             <a:spLocks noGrp="1"/>
           </p:cNvSpPr>
@@ -2030,10 +2049,41 @@
           </a:p>
         </p:txBody>
       </p:sp>
+      <p:cxnSp>
+        <p:nvCxnSpPr>
+          <p:cNvPr id="25" name="Straight Connector 24"/>
+          <p:cNvCxnSpPr/>
+          <p:nvPr/>
+        </p:nvCxnSpPr>
+        <p:spPr>
+          <a:xfrm>
+            <a:off x="1453896" y="1847088"/>
+            <a:ext cx="9607522" cy="0"/>
+          </a:xfrm>
+          <a:prstGeom prst="line">
+            <a:avLst/>
+          </a:prstGeom>
+          <a:ln w="31750"/>
+        </p:spPr>
+        <p:style>
+          <a:lnRef idx="3">
+            <a:schemeClr val="accent1"/>
+          </a:lnRef>
+          <a:fillRef idx="0">
+            <a:schemeClr val="accent1"/>
+          </a:fillRef>
+          <a:effectRef idx="2">
+            <a:schemeClr val="accent1"/>
+          </a:effectRef>
+          <a:fontRef idx="minor">
+            <a:schemeClr val="tx1"/>
+          </a:fontRef>
+        </p:style>
+      </p:cxnSp>
     </p:spTree>
     <p:extLst>
       <p:ext uri="{BB962C8B-B14F-4D97-AF65-F5344CB8AC3E}">
-        <p14:creationId xmlns:p14="http://schemas.microsoft.com/office/powerpoint/2010/main" val="3631756598"/>
+        <p14:creationId xmlns:p14="http://schemas.microsoft.com/office/powerpoint/2010/main" val="4111196162"/>
       </p:ext>
     </p:extLst>
   </p:cSld>
@@ -2062,13 +2112,7 @@
       </p:grpSpPr>
       <p:sp>
         <p:nvSpPr>
-          <p:cNvPr id="2" name="Date Placeholder 1">
-            <a:extLst>
-              <a:ext uri="{FF2B5EF4-FFF2-40B4-BE49-F238E27FC236}">
-                <a16:creationId xmlns:a16="http://schemas.microsoft.com/office/drawing/2014/main" id="{9887790A-3DED-71FA-032A-08FC6FFCE58D}"/>
-              </a:ext>
-            </a:extLst>
-          </p:cNvPr>
+          <p:cNvPr id="2" name="Date Placeholder 1"/>
           <p:cNvSpPr>
             <a:spLocks noGrp="1"/>
           </p:cNvSpPr>
@@ -2083,7 +2127,7 @@
           <a:p>
             <a:fld id="{B8C0CCF5-40D8-6B43-AE31-DCC4D10E5115}" type="datetimeFigureOut">
               <a:rPr lang="en-GR" smtClean="0"/>
-              <a:t>28/3/24</a:t>
+              <a:t>29/3/24</a:t>
             </a:fld>
             <a:endParaRPr lang="en-GR"/>
           </a:p>
@@ -2091,13 +2135,7 @@
       </p:sp>
       <p:sp>
         <p:nvSpPr>
-          <p:cNvPr id="3" name="Footer Placeholder 2">
-            <a:extLst>
-              <a:ext uri="{FF2B5EF4-FFF2-40B4-BE49-F238E27FC236}">
-                <a16:creationId xmlns:a16="http://schemas.microsoft.com/office/drawing/2014/main" id="{9DAE2BAF-1EB7-1BA9-FF4D-81408BA290C5}"/>
-              </a:ext>
-            </a:extLst>
-          </p:cNvPr>
+          <p:cNvPr id="3" name="Footer Placeholder 2"/>
           <p:cNvSpPr>
             <a:spLocks noGrp="1"/>
           </p:cNvSpPr>
@@ -2116,13 +2154,7 @@
       </p:sp>
       <p:sp>
         <p:nvSpPr>
-          <p:cNvPr id="4" name="Slide Number Placeholder 3">
-            <a:extLst>
-              <a:ext uri="{FF2B5EF4-FFF2-40B4-BE49-F238E27FC236}">
-                <a16:creationId xmlns:a16="http://schemas.microsoft.com/office/drawing/2014/main" id="{5AA0675B-AC56-A073-6B43-B9206813153A}"/>
-              </a:ext>
-            </a:extLst>
-          </p:cNvPr>
+          <p:cNvPr id="4" name="Slide Number Placeholder 3"/>
           <p:cNvSpPr>
             <a:spLocks noGrp="1"/>
           </p:cNvSpPr>
@@ -2146,7 +2178,7 @@
     </p:spTree>
     <p:extLst>
       <p:ext uri="{BB962C8B-B14F-4D97-AF65-F5344CB8AC3E}">
-        <p14:creationId xmlns:p14="http://schemas.microsoft.com/office/powerpoint/2010/main" val="3969912318"/>
+        <p14:creationId xmlns:p14="http://schemas.microsoft.com/office/powerpoint/2010/main" val="733572012"/>
       </p:ext>
     </p:extLst>
   </p:cSld>
@@ -2175,13 +2207,7 @@
       </p:grpSpPr>
       <p:sp>
         <p:nvSpPr>
-          <p:cNvPr id="2" name="Title 1">
-            <a:extLst>
-              <a:ext uri="{FF2B5EF4-FFF2-40B4-BE49-F238E27FC236}">
-                <a16:creationId xmlns:a16="http://schemas.microsoft.com/office/drawing/2014/main" id="{0E7CB0E9-43E4-966C-CDEA-649B484F405E}"/>
-              </a:ext>
-            </a:extLst>
-          </p:cNvPr>
+          <p:cNvPr id="2" name="Title 1"/>
           <p:cNvSpPr>
             <a:spLocks noGrp="1"/>
           </p:cNvSpPr>
@@ -2191,15 +2217,17 @@
         </p:nvSpPr>
         <p:spPr>
           <a:xfrm>
-            <a:off x="839788" y="457200"/>
-            <a:ext cx="3932237" cy="1600200"/>
+            <a:off x="1444671" y="798973"/>
+            <a:ext cx="3273099" cy="2247117"/>
           </a:xfrm>
         </p:spPr>
         <p:txBody>
-          <a:bodyPr anchor="b"/>
+          <a:bodyPr anchor="b">
+            <a:normAutofit/>
+          </a:bodyPr>
           <a:lstStyle>
-            <a:lvl1pPr>
-              <a:defRPr sz="3200"/>
+            <a:lvl1pPr algn="l">
+              <a:defRPr sz="2400"/>
             </a:lvl1pPr>
           </a:lstStyle>
           <a:p>
@@ -2207,19 +2235,13 @@
               <a:rPr lang="en-GB"/>
               <a:t>Click to edit Master title style</a:t>
             </a:r>
-            <a:endParaRPr lang="en-GR"/>
-          </a:p>
-        </p:txBody>
-      </p:sp>
-      <p:sp>
-        <p:nvSpPr>
-          <p:cNvPr id="3" name="Content Placeholder 2">
-            <a:extLst>
-              <a:ext uri="{FF2B5EF4-FFF2-40B4-BE49-F238E27FC236}">
-                <a16:creationId xmlns:a16="http://schemas.microsoft.com/office/drawing/2014/main" id="{E8510D8A-B824-2047-7E7E-A6B8C66B73B5}"/>
-              </a:ext>
-            </a:extLst>
-          </p:cNvPr>
+            <a:endParaRPr lang="en-US" dirty="0"/>
+          </a:p>
+        </p:txBody>
+      </p:sp>
+      <p:sp>
+        <p:nvSpPr>
+          <p:cNvPr id="3" name="Content Placeholder 2"/>
           <p:cNvSpPr>
             <a:spLocks noGrp="1"/>
           </p:cNvSpPr>
@@ -2229,105 +2251,71 @@
         </p:nvSpPr>
         <p:spPr>
           <a:xfrm>
-            <a:off x="5183188" y="987425"/>
-            <a:ext cx="6172200" cy="4873625"/>
+            <a:off x="5043714" y="798974"/>
+            <a:ext cx="6012470" cy="4658826"/>
           </a:xfrm>
         </p:spPr>
         <p:txBody>
+          <a:bodyPr anchor="ctr"/>
+          <a:lstStyle/>
+          <a:p>
+            <a:pPr lvl="0"/>
+            <a:r>
+              <a:rPr lang="en-GB"/>
+              <a:t>Click to edit Master text styles</a:t>
+            </a:r>
+          </a:p>
+          <a:p>
+            <a:pPr lvl="1"/>
+            <a:r>
+              <a:rPr lang="en-GB"/>
+              <a:t>Second level</a:t>
+            </a:r>
+          </a:p>
+          <a:p>
+            <a:pPr lvl="2"/>
+            <a:r>
+              <a:rPr lang="en-GB"/>
+              <a:t>Third level</a:t>
+            </a:r>
+          </a:p>
+          <a:p>
+            <a:pPr lvl="3"/>
+            <a:r>
+              <a:rPr lang="en-GB"/>
+              <a:t>Fourth level</a:t>
+            </a:r>
+          </a:p>
+          <a:p>
+            <a:pPr lvl="4"/>
+            <a:r>
+              <a:rPr lang="en-GB"/>
+              <a:t>Fifth level</a:t>
+            </a:r>
+            <a:endParaRPr lang="en-US" dirty="0"/>
+          </a:p>
+        </p:txBody>
+      </p:sp>
+      <p:sp>
+        <p:nvSpPr>
+          <p:cNvPr id="4" name="Text Placeholder 3"/>
+          <p:cNvSpPr>
+            <a:spLocks noGrp="1"/>
+          </p:cNvSpPr>
+          <p:nvPr>
+            <p:ph type="body" sz="half" idx="2"/>
+          </p:nvPr>
+        </p:nvSpPr>
+        <p:spPr>
+          <a:xfrm>
+            <a:off x="1444671" y="3205491"/>
+            <a:ext cx="3275013" cy="2248181"/>
+          </a:xfrm>
+        </p:spPr>
+        <p:txBody>
           <a:bodyPr/>
           <a:lstStyle>
-            <a:lvl1pPr>
-              <a:defRPr sz="3200"/>
-            </a:lvl1pPr>
-            <a:lvl2pPr>
-              <a:defRPr sz="2800"/>
-            </a:lvl2pPr>
-            <a:lvl3pPr>
-              <a:defRPr sz="2400"/>
-            </a:lvl3pPr>
-            <a:lvl4pPr>
-              <a:defRPr sz="2000"/>
-            </a:lvl4pPr>
-            <a:lvl5pPr>
-              <a:defRPr sz="2000"/>
-            </a:lvl5pPr>
-            <a:lvl6pPr>
-              <a:defRPr sz="2000"/>
-            </a:lvl6pPr>
-            <a:lvl7pPr>
-              <a:defRPr sz="2000"/>
-            </a:lvl7pPr>
-            <a:lvl8pPr>
-              <a:defRPr sz="2000"/>
-            </a:lvl8pPr>
-            <a:lvl9pPr>
-              <a:defRPr sz="2000"/>
-            </a:lvl9pPr>
-          </a:lstStyle>
-          <a:p>
-            <a:pPr lvl="0"/>
-            <a:r>
-              <a:rPr lang="en-GB"/>
-              <a:t>Click to edit Master text styles</a:t>
-            </a:r>
-          </a:p>
-          <a:p>
-            <a:pPr lvl="1"/>
-            <a:r>
-              <a:rPr lang="en-GB"/>
-              <a:t>Second level</a:t>
-            </a:r>
-          </a:p>
-          <a:p>
-            <a:pPr lvl="2"/>
-            <a:r>
-              <a:rPr lang="en-GB"/>
-              <a:t>Third level</a:t>
-            </a:r>
-          </a:p>
-          <a:p>
-            <a:pPr lvl="3"/>
-            <a:r>
-              <a:rPr lang="en-GB"/>
-              <a:t>Fourth level</a:t>
-            </a:r>
-          </a:p>
-          <a:p>
-            <a:pPr lvl="4"/>
-            <a:r>
-              <a:rPr lang="en-GB"/>
-              <a:t>Fifth level</a:t>
-            </a:r>
-            <a:endParaRPr lang="en-GR"/>
-          </a:p>
-        </p:txBody>
-      </p:sp>
-      <p:sp>
-        <p:nvSpPr>
-          <p:cNvPr id="4" name="Text Placeholder 3">
-            <a:extLst>
-              <a:ext uri="{FF2B5EF4-FFF2-40B4-BE49-F238E27FC236}">
-                <a16:creationId xmlns:a16="http://schemas.microsoft.com/office/drawing/2014/main" id="{AD32B06E-539B-6AB2-2770-796B5623B84A}"/>
-              </a:ext>
-            </a:extLst>
-          </p:cNvPr>
-          <p:cNvSpPr>
-            <a:spLocks noGrp="1"/>
-          </p:cNvSpPr>
-          <p:nvPr>
-            <p:ph type="body" sz="half" idx="2"/>
-          </p:nvPr>
-        </p:nvSpPr>
-        <p:spPr>
-          <a:xfrm>
-            <a:off x="839788" y="2057400"/>
-            <a:ext cx="3932237" cy="3811588"/>
-          </a:xfrm>
-        </p:spPr>
-        <p:txBody>
-          <a:bodyPr/>
-          <a:lstStyle>
-            <a:lvl1pPr marL="0" indent="0">
+            <a:lvl1pPr marL="0" indent="0" algn="l">
               <a:buNone/>
               <a:defRPr sz="1600"/>
             </a:lvl1pPr>
@@ -2375,13 +2363,7 @@
       </p:sp>
       <p:sp>
         <p:nvSpPr>
-          <p:cNvPr id="5" name="Date Placeholder 4">
-            <a:extLst>
-              <a:ext uri="{FF2B5EF4-FFF2-40B4-BE49-F238E27FC236}">
-                <a16:creationId xmlns:a16="http://schemas.microsoft.com/office/drawing/2014/main" id="{A6AF2744-47AE-9C86-480D-E5EF9C0B2444}"/>
-              </a:ext>
-            </a:extLst>
-          </p:cNvPr>
+          <p:cNvPr id="5" name="Date Placeholder 4"/>
           <p:cNvSpPr>
             <a:spLocks noGrp="1"/>
           </p:cNvSpPr>
@@ -2396,7 +2378,7 @@
           <a:p>
             <a:fld id="{B8C0CCF5-40D8-6B43-AE31-DCC4D10E5115}" type="datetimeFigureOut">
               <a:rPr lang="en-GR" smtClean="0"/>
-              <a:t>28/3/24</a:t>
+              <a:t>29/3/24</a:t>
             </a:fld>
             <a:endParaRPr lang="en-GR"/>
           </a:p>
@@ -2404,13 +2386,7 @@
       </p:sp>
       <p:sp>
         <p:nvSpPr>
-          <p:cNvPr id="6" name="Footer Placeholder 5">
-            <a:extLst>
-              <a:ext uri="{FF2B5EF4-FFF2-40B4-BE49-F238E27FC236}">
-                <a16:creationId xmlns:a16="http://schemas.microsoft.com/office/drawing/2014/main" id="{B2F99380-7459-E7D8-B770-1459ECBC86F3}"/>
-              </a:ext>
-            </a:extLst>
-          </p:cNvPr>
+          <p:cNvPr id="6" name="Footer Placeholder 5"/>
           <p:cNvSpPr>
             <a:spLocks noGrp="1"/>
           </p:cNvSpPr>
@@ -2429,13 +2405,7 @@
       </p:sp>
       <p:sp>
         <p:nvSpPr>
-          <p:cNvPr id="7" name="Slide Number Placeholder 6">
-            <a:extLst>
-              <a:ext uri="{FF2B5EF4-FFF2-40B4-BE49-F238E27FC236}">
-                <a16:creationId xmlns:a16="http://schemas.microsoft.com/office/drawing/2014/main" id="{0F2228F6-CA6E-8208-908A-43C41FF3E140}"/>
-              </a:ext>
-            </a:extLst>
-          </p:cNvPr>
+          <p:cNvPr id="7" name="Slide Number Placeholder 6"/>
           <p:cNvSpPr>
             <a:spLocks noGrp="1"/>
           </p:cNvSpPr>
@@ -2456,10 +2426,41 @@
           </a:p>
         </p:txBody>
       </p:sp>
+      <p:cxnSp>
+        <p:nvCxnSpPr>
+          <p:cNvPr id="17" name="Straight Connector 16"/>
+          <p:cNvCxnSpPr/>
+          <p:nvPr/>
+        </p:nvCxnSpPr>
+        <p:spPr>
+          <a:xfrm>
+            <a:off x="1448280" y="3205491"/>
+            <a:ext cx="3269490" cy="0"/>
+          </a:xfrm>
+          <a:prstGeom prst="line">
+            <a:avLst/>
+          </a:prstGeom>
+          <a:ln w="31750"/>
+        </p:spPr>
+        <p:style>
+          <a:lnRef idx="3">
+            <a:schemeClr val="accent1"/>
+          </a:lnRef>
+          <a:fillRef idx="0">
+            <a:schemeClr val="accent1"/>
+          </a:fillRef>
+          <a:effectRef idx="2">
+            <a:schemeClr val="accent1"/>
+          </a:effectRef>
+          <a:fontRef idx="minor">
+            <a:schemeClr val="tx1"/>
+          </a:fontRef>
+        </p:style>
+      </p:cxnSp>
     </p:spTree>
     <p:extLst>
       <p:ext uri="{BB962C8B-B14F-4D97-AF65-F5344CB8AC3E}">
-        <p14:creationId xmlns:p14="http://schemas.microsoft.com/office/powerpoint/2010/main" val="1890502283"/>
+        <p14:creationId xmlns:p14="http://schemas.microsoft.com/office/powerpoint/2010/main" val="2935336715"/>
       </p:ext>
     </p:extLst>
   </p:cSld>
@@ -2486,15 +2487,143 @@
           <a:chExt cx="0" cy="0"/>
         </a:xfrm>
       </p:grpSpPr>
-      <p:sp>
-        <p:nvSpPr>
-          <p:cNvPr id="2" name="Title 1">
-            <a:extLst>
-              <a:ext uri="{FF2B5EF4-FFF2-40B4-BE49-F238E27FC236}">
-                <a16:creationId xmlns:a16="http://schemas.microsoft.com/office/drawing/2014/main" id="{473200EE-7513-6025-DA5A-B3ECD7801A85}"/>
-              </a:ext>
-            </a:extLst>
-          </p:cNvPr>
+      <p:grpSp>
+        <p:nvGrpSpPr>
+          <p:cNvPr id="8" name="Group 7"/>
+          <p:cNvGrpSpPr/>
+          <p:nvPr/>
+        </p:nvGrpSpPr>
+        <p:grpSpPr>
+          <a:xfrm>
+            <a:off x="7477387" y="482170"/>
+            <a:ext cx="4074533" cy="5149101"/>
+            <a:chOff x="7477387" y="482170"/>
+            <a:chExt cx="4074533" cy="5149101"/>
+          </a:xfrm>
+        </p:grpSpPr>
+        <p:sp>
+          <p:nvSpPr>
+            <p:cNvPr id="18" name="Rectangle 17"/>
+            <p:cNvSpPr/>
+            <p:nvPr/>
+          </p:nvSpPr>
+          <p:spPr bwMode="black">
+            <a:xfrm>
+              <a:off x="7477387" y="482170"/>
+              <a:ext cx="4074533" cy="5149101"/>
+            </a:xfrm>
+            <a:prstGeom prst="rect">
+              <a:avLst/>
+            </a:prstGeom>
+            <a:gradFill>
+              <a:gsLst>
+                <a:gs pos="0">
+                  <a:srgbClr val="000001"/>
+                </a:gs>
+                <a:gs pos="100000">
+                  <a:srgbClr val="191919"/>
+                </a:gs>
+              </a:gsLst>
+            </a:gradFill>
+            <a:ln w="76200" cmpd="sng">
+              <a:noFill/>
+              <a:miter lim="800000"/>
+            </a:ln>
+            <a:effectLst>
+              <a:outerShdw blurRad="127000" dist="228600" dir="4740000" sx="98000" sy="98000" algn="tl" rotWithShape="0">
+                <a:srgbClr val="000000">
+                  <a:alpha val="34000"/>
+                </a:srgbClr>
+              </a:outerShdw>
+            </a:effectLst>
+            <a:scene3d>
+              <a:camera prst="orthographicFront"/>
+              <a:lightRig rig="threePt" dir="t"/>
+            </a:scene3d>
+            <a:sp3d>
+              <a:bevelT w="152400" h="50800" prst="softRound"/>
+            </a:sp3d>
+          </p:spPr>
+          <p:style>
+            <a:lnRef idx="1">
+              <a:schemeClr val="accent1"/>
+            </a:lnRef>
+            <a:fillRef idx="3">
+              <a:schemeClr val="accent1"/>
+            </a:fillRef>
+            <a:effectRef idx="2">
+              <a:schemeClr val="accent1"/>
+            </a:effectRef>
+            <a:fontRef idx="minor">
+              <a:schemeClr val="lt1"/>
+            </a:fontRef>
+          </p:style>
+        </p:sp>
+        <p:sp>
+          <p:nvSpPr>
+            <p:cNvPr id="19" name="Rectangle 18"/>
+            <p:cNvSpPr/>
+            <p:nvPr/>
+          </p:nvSpPr>
+          <p:spPr bwMode="blackWhite">
+            <a:xfrm>
+              <a:off x="7790446" y="812506"/>
+              <a:ext cx="3450289" cy="4466452"/>
+            </a:xfrm>
+            <a:prstGeom prst="rect">
+              <a:avLst/>
+            </a:prstGeom>
+            <a:gradFill>
+              <a:gsLst>
+                <a:gs pos="0">
+                  <a:srgbClr val="DADADA"/>
+                </a:gs>
+                <a:gs pos="100000">
+                  <a:srgbClr val="FFFFFE"/>
+                </a:gs>
+              </a:gsLst>
+              <a:lin ang="16200000" scaled="0"/>
+            </a:gradFill>
+            <a:ln w="50800" cmpd="sng">
+              <a:solidFill>
+                <a:srgbClr val="191919"/>
+              </a:solidFill>
+              <a:miter lim="800000"/>
+            </a:ln>
+            <a:effectLst>
+              <a:innerShdw blurRad="63500" dist="88900" dir="14100000">
+                <a:srgbClr val="000000">
+                  <a:alpha val="30000"/>
+                </a:srgbClr>
+              </a:innerShdw>
+            </a:effectLst>
+            <a:scene3d>
+              <a:camera prst="orthographicFront"/>
+              <a:lightRig rig="threePt" dir="t"/>
+            </a:scene3d>
+            <a:sp3d>
+              <a:bevelT prst="relaxedInset"/>
+            </a:sp3d>
+          </p:spPr>
+          <p:style>
+            <a:lnRef idx="1">
+              <a:schemeClr val="accent1"/>
+            </a:lnRef>
+            <a:fillRef idx="3">
+              <a:schemeClr val="accent1"/>
+            </a:fillRef>
+            <a:effectRef idx="2">
+              <a:schemeClr val="accent1"/>
+            </a:effectRef>
+            <a:fontRef idx="minor">
+              <a:schemeClr val="lt1"/>
+            </a:fontRef>
+          </p:style>
+        </p:sp>
+      </p:grpSp>
+      <p:sp>
+        <p:nvSpPr>
+          <p:cNvPr id="2" name="Title 1"/>
           <p:cNvSpPr>
             <a:spLocks noGrp="1"/>
           </p:cNvSpPr>
@@ -2504,12 +2633,14 @@
         </p:nvSpPr>
         <p:spPr>
           <a:xfrm>
-            <a:off x="839788" y="457200"/>
-            <a:ext cx="3932237" cy="1600200"/>
+            <a:off x="1451206" y="1129513"/>
+            <a:ext cx="5532328" cy="1830584"/>
           </a:xfrm>
         </p:spPr>
         <p:txBody>
-          <a:bodyPr anchor="b"/>
+          <a:bodyPr anchor="b">
+            <a:normAutofit/>
+          </a:bodyPr>
           <a:lstStyle>
             <a:lvl1pPr>
               <a:defRPr sz="3200"/>
@@ -2520,21 +2651,15 @@
               <a:rPr lang="en-GB"/>
               <a:t>Click to edit Master title style</a:t>
             </a:r>
-            <a:endParaRPr lang="en-GR"/>
-          </a:p>
-        </p:txBody>
-      </p:sp>
-      <p:sp>
-        <p:nvSpPr>
-          <p:cNvPr id="3" name="Picture Placeholder 2">
-            <a:extLst>
-              <a:ext uri="{FF2B5EF4-FFF2-40B4-BE49-F238E27FC236}">
-                <a16:creationId xmlns:a16="http://schemas.microsoft.com/office/drawing/2014/main" id="{D58F15AC-E256-F4D2-9E47-5508AD79550E}"/>
-              </a:ext>
-            </a:extLst>
-          </p:cNvPr>
-          <p:cNvSpPr>
-            <a:spLocks noGrp="1"/>
+            <a:endParaRPr lang="en-US" dirty="0"/>
+          </a:p>
+        </p:txBody>
+      </p:sp>
+      <p:sp>
+        <p:nvSpPr>
+          <p:cNvPr id="3" name="Picture Placeholder 2"/>
+          <p:cNvSpPr>
+            <a:spLocks noGrp="1" noChangeAspect="1"/>
           </p:cNvSpPr>
           <p:nvPr>
             <p:ph type="pic" idx="1"/>
@@ -2542,14 +2667,24 @@
         </p:nvSpPr>
         <p:spPr>
           <a:xfrm>
-            <a:off x="5183188" y="987425"/>
-            <a:ext cx="6172200" cy="4873625"/>
+            <a:off x="8124389" y="1122542"/>
+            <a:ext cx="2791171" cy="3866327"/>
           </a:xfrm>
+          <a:solidFill>
+            <a:schemeClr val="bg1">
+              <a:lumMod val="85000"/>
+            </a:schemeClr>
+          </a:solidFill>
+          <a:ln w="9525" cap="sq">
+            <a:noFill/>
+            <a:miter lim="800000"/>
+          </a:ln>
+          <a:effectLst/>
         </p:spPr>
         <p:txBody>
-          <a:bodyPr/>
+          <a:bodyPr anchor="t"/>
           <a:lstStyle>
-            <a:lvl1pPr marL="0" indent="0">
+            <a:lvl1pPr marL="0" indent="0" algn="ctr">
               <a:buNone/>
               <a:defRPr sz="3200"/>
             </a:lvl1pPr>
@@ -2587,19 +2722,17 @@
             </a:lvl9pPr>
           </a:lstStyle>
           <a:p>
-            <a:endParaRPr lang="en-GR"/>
-          </a:p>
-        </p:txBody>
-      </p:sp>
-      <p:sp>
-        <p:nvSpPr>
-          <p:cNvPr id="4" name="Text Placeholder 3">
-            <a:extLst>
-              <a:ext uri="{FF2B5EF4-FFF2-40B4-BE49-F238E27FC236}">
-                <a16:creationId xmlns:a16="http://schemas.microsoft.com/office/drawing/2014/main" id="{396F3E28-4E8E-4C7D-6736-5302AE9CD38D}"/>
-              </a:ext>
-            </a:extLst>
-          </p:cNvPr>
+            <a:r>
+              <a:rPr lang="en-GB"/>
+              <a:t>Click icon to add picture</a:t>
+            </a:r>
+            <a:endParaRPr lang="en-US" dirty="0"/>
+          </a:p>
+        </p:txBody>
+      </p:sp>
+      <p:sp>
+        <p:nvSpPr>
+          <p:cNvPr id="4" name="Text Placeholder 3"/>
           <p:cNvSpPr>
             <a:spLocks noGrp="1"/>
           </p:cNvSpPr>
@@ -2609,16 +2742,18 @@
         </p:nvSpPr>
         <p:spPr>
           <a:xfrm>
-            <a:off x="839788" y="2057400"/>
-            <a:ext cx="3932237" cy="3811588"/>
+            <a:off x="1450329" y="3145992"/>
+            <a:ext cx="5524404" cy="2003742"/>
           </a:xfrm>
         </p:spPr>
         <p:txBody>
-          <a:bodyPr/>
+          <a:bodyPr>
+            <a:normAutofit/>
+          </a:bodyPr>
           <a:lstStyle>
-            <a:lvl1pPr marL="0" indent="0">
-              <a:buNone/>
-              <a:defRPr sz="1600"/>
+            <a:lvl1pPr marL="0" indent="0" algn="l">
+              <a:buNone/>
+              <a:defRPr sz="1800"/>
             </a:lvl1pPr>
             <a:lvl2pPr marL="457200" indent="0">
               <a:buNone/>
@@ -2664,13 +2799,7 @@
       </p:sp>
       <p:sp>
         <p:nvSpPr>
-          <p:cNvPr id="5" name="Date Placeholder 4">
-            <a:extLst>
-              <a:ext uri="{FF2B5EF4-FFF2-40B4-BE49-F238E27FC236}">
-                <a16:creationId xmlns:a16="http://schemas.microsoft.com/office/drawing/2014/main" id="{F6BB93AB-E442-F1C0-E9A7-C354F8A2CC3F}"/>
-              </a:ext>
-            </a:extLst>
-          </p:cNvPr>
+          <p:cNvPr id="5" name="Date Placeholder 4"/>
           <p:cNvSpPr>
             <a:spLocks noGrp="1"/>
           </p:cNvSpPr>
@@ -2678,14 +2807,23 @@
             <p:ph type="dt" sz="half" idx="10"/>
           </p:nvPr>
         </p:nvSpPr>
-        <p:spPr/>
+        <p:spPr>
+          <a:xfrm>
+            <a:off x="1447382" y="5469856"/>
+            <a:ext cx="5527351" cy="320123"/>
+          </a:xfrm>
+        </p:spPr>
         <p:txBody>
           <a:bodyPr/>
-          <a:lstStyle/>
+          <a:lstStyle>
+            <a:lvl1pPr algn="l">
+              <a:defRPr/>
+            </a:lvl1pPr>
+          </a:lstStyle>
           <a:p>
             <a:fld id="{B8C0CCF5-40D8-6B43-AE31-DCC4D10E5115}" type="datetimeFigureOut">
               <a:rPr lang="en-GR" smtClean="0"/>
-              <a:t>28/3/24</a:t>
+              <a:t>29/3/24</a:t>
             </a:fld>
             <a:endParaRPr lang="en-GR"/>
           </a:p>
@@ -2693,13 +2831,7 @@
       </p:sp>
       <p:sp>
         <p:nvSpPr>
-          <p:cNvPr id="6" name="Footer Placeholder 5">
-            <a:extLst>
-              <a:ext uri="{FF2B5EF4-FFF2-40B4-BE49-F238E27FC236}">
-                <a16:creationId xmlns:a16="http://schemas.microsoft.com/office/drawing/2014/main" id="{3F22F895-82CF-7FA0-6B15-5F6121CE2E8B}"/>
-              </a:ext>
-            </a:extLst>
-          </p:cNvPr>
+          <p:cNvPr id="6" name="Footer Placeholder 5"/>
           <p:cNvSpPr>
             <a:spLocks noGrp="1"/>
           </p:cNvSpPr>
@@ -2707,7 +2839,12 @@
             <p:ph type="ftr" sz="quarter" idx="11"/>
           </p:nvPr>
         </p:nvSpPr>
-        <p:spPr/>
+        <p:spPr>
+          <a:xfrm>
+            <a:off x="1447382" y="318640"/>
+            <a:ext cx="5541004" cy="320931"/>
+          </a:xfrm>
+        </p:spPr>
         <p:txBody>
           <a:bodyPr/>
           <a:lstStyle/>
@@ -2718,13 +2855,7 @@
       </p:sp>
       <p:sp>
         <p:nvSpPr>
-          <p:cNvPr id="7" name="Slide Number Placeholder 6">
-            <a:extLst>
-              <a:ext uri="{FF2B5EF4-FFF2-40B4-BE49-F238E27FC236}">
-                <a16:creationId xmlns:a16="http://schemas.microsoft.com/office/drawing/2014/main" id="{5FB37150-3041-9DFB-D8D3-0C76BD575FBC}"/>
-              </a:ext>
-            </a:extLst>
-          </p:cNvPr>
+          <p:cNvPr id="7" name="Slide Number Placeholder 6"/>
           <p:cNvSpPr>
             <a:spLocks noGrp="1"/>
           </p:cNvSpPr>
@@ -2745,10 +2876,41 @@
           </a:p>
         </p:txBody>
       </p:sp>
+      <p:cxnSp>
+        <p:nvCxnSpPr>
+          <p:cNvPr id="31" name="Straight Connector 30"/>
+          <p:cNvCxnSpPr/>
+          <p:nvPr/>
+        </p:nvCxnSpPr>
+        <p:spPr>
+          <a:xfrm>
+            <a:off x="1447382" y="3143605"/>
+            <a:ext cx="5527351" cy="0"/>
+          </a:xfrm>
+          <a:prstGeom prst="line">
+            <a:avLst/>
+          </a:prstGeom>
+          <a:ln w="31750"/>
+        </p:spPr>
+        <p:style>
+          <a:lnRef idx="3">
+            <a:schemeClr val="accent1"/>
+          </a:lnRef>
+          <a:fillRef idx="0">
+            <a:schemeClr val="accent1"/>
+          </a:fillRef>
+          <a:effectRef idx="2">
+            <a:schemeClr val="accent1"/>
+          </a:effectRef>
+          <a:fontRef idx="minor">
+            <a:schemeClr val="tx1"/>
+          </a:fontRef>
+        </p:style>
+      </p:cxnSp>
     </p:spTree>
     <p:extLst>
       <p:ext uri="{BB962C8B-B14F-4D97-AF65-F5344CB8AC3E}">
-        <p14:creationId xmlns:p14="http://schemas.microsoft.com/office/powerpoint/2010/main" val="2540190033"/>
+        <p14:creationId xmlns:p14="http://schemas.microsoft.com/office/powerpoint/2010/main" val="554033540"/>
       </p:ext>
     </p:extLst>
   </p:cSld>
@@ -2762,8 +2924,8 @@
 <p:sldMaster xmlns:a="http://schemas.openxmlformats.org/drawingml/2006/main" xmlns:r="http://schemas.openxmlformats.org/officeDocument/2006/relationships" xmlns:p="http://schemas.openxmlformats.org/presentationml/2006/main">
   <p:cSld>
     <p:bg>
-      <p:bgRef idx="1001">
-        <a:schemeClr val="bg1"/>
+      <p:bgRef idx="1003">
+        <a:schemeClr val="bg2"/>
       </p:bgRef>
     </p:bg>
     <p:spTree>
@@ -2782,141 +2944,201 @@
       </p:grpSpPr>
       <p:sp>
         <p:nvSpPr>
-          <p:cNvPr id="2" name="Title Placeholder 1">
+          <p:cNvPr id="8" name="Rectangle 7"/>
+          <p:cNvSpPr/>
+          <p:nvPr/>
+        </p:nvSpPr>
+        <p:spPr>
+          <a:xfrm>
+            <a:off x="0" y="2019476"/>
+            <a:ext cx="12192000" cy="4105941"/>
+          </a:xfrm>
+          <a:prstGeom prst="rect">
+            <a:avLst/>
+          </a:prstGeom>
+          <a:gradFill flip="none" rotWithShape="1">
+            <a:gsLst>
+              <a:gs pos="0">
+                <a:schemeClr val="bg2">
+                  <a:alpha val="0"/>
+                </a:schemeClr>
+              </a:gs>
+              <a:gs pos="100000">
+                <a:schemeClr val="bg2"/>
+              </a:gs>
+            </a:gsLst>
+            <a:lin ang="5400000" scaled="0"/>
+            <a:tileRect/>
+          </a:gradFill>
+          <a:ln>
+            <a:noFill/>
+          </a:ln>
+        </p:spPr>
+        <p:style>
+          <a:lnRef idx="2">
+            <a:schemeClr val="accent1">
+              <a:shade val="50000"/>
+            </a:schemeClr>
+          </a:lnRef>
+          <a:fillRef idx="1">
+            <a:schemeClr val="accent1"/>
+          </a:fillRef>
+          <a:effectRef idx="0">
+            <a:schemeClr val="accent1"/>
+          </a:effectRef>
+          <a:fontRef idx="minor">
+            <a:schemeClr val="lt1"/>
+          </a:fontRef>
+        </p:style>
+      </p:sp>
+      <p:pic>
+        <p:nvPicPr>
+          <p:cNvPr id="7" name="Picture 6"/>
+          <p:cNvPicPr>
+            <a:picLocks noChangeAspect="1"/>
+          </p:cNvPicPr>
+          <p:nvPr/>
+        </p:nvPicPr>
+        <p:blipFill rotWithShape="1">
+          <a:blip r:embed="rId13">
             <a:extLst>
-              <a:ext uri="{FF2B5EF4-FFF2-40B4-BE49-F238E27FC236}">
-                <a16:creationId xmlns:a16="http://schemas.microsoft.com/office/drawing/2014/main" id="{368DBAED-D8DB-9AFB-080F-1B40B002135D}"/>
+              <a:ext uri="{28A0092B-C50C-407E-A947-70E740481C1C}">
+                <a14:useLocalDpi xmlns:a14="http://schemas.microsoft.com/office/drawing/2010/main" val="0"/>
               </a:ext>
             </a:extLst>
-          </p:cNvPr>
-          <p:cNvSpPr>
-            <a:spLocks noGrp="1"/>
-          </p:cNvSpPr>
-          <p:nvPr>
-            <p:ph type="title"/>
-          </p:nvPr>
-        </p:nvSpPr>
-        <p:spPr>
+          </a:blip>
+          <a:srcRect t="1538" b="-1538"/>
+          <a:stretch/>
+        </p:blipFill>
+        <p:spPr bwMode="black">
           <a:xfrm>
-            <a:off x="838200" y="365125"/>
-            <a:ext cx="10515600" cy="1325563"/>
+            <a:off x="0" y="6126480"/>
+            <a:ext cx="12192000" cy="742950"/>
           </a:xfrm>
           <a:prstGeom prst="rect">
             <a:avLst/>
           </a:prstGeom>
         </p:spPr>
-        <p:txBody>
-          <a:bodyPr vert="horz" lIns="91440" tIns="45720" rIns="91440" bIns="45720" rtlCol="0" anchor="ctr">
-            <a:normAutofit/>
-          </a:bodyPr>
-          <a:lstStyle/>
-          <a:p>
-            <a:r>
-              <a:rPr lang="en-GB"/>
-              <a:t>Click to edit Master title style</a:t>
-            </a:r>
-            <a:endParaRPr lang="en-GR"/>
-          </a:p>
-        </p:txBody>
-      </p:sp>
-      <p:sp>
-        <p:nvSpPr>
-          <p:cNvPr id="3" name="Text Placeholder 2">
-            <a:extLst>
-              <a:ext uri="{FF2B5EF4-FFF2-40B4-BE49-F238E27FC236}">
-                <a16:creationId xmlns:a16="http://schemas.microsoft.com/office/drawing/2014/main" id="{C0344185-2846-68B5-274F-8D299FF06B34}"/>
-              </a:ext>
-            </a:extLst>
-          </p:cNvPr>
-          <p:cNvSpPr>
-            <a:spLocks noGrp="1"/>
-          </p:cNvSpPr>
-          <p:nvPr>
-            <p:ph type="body" idx="1"/>
+      </p:pic>
+      <p:sp>
+        <p:nvSpPr>
+          <p:cNvPr id="2" name="Title Placeholder 1"/>
+          <p:cNvSpPr>
+            <a:spLocks noGrp="1"/>
+          </p:cNvSpPr>
+          <p:nvPr>
+            <p:ph type="title"/>
           </p:nvPr>
         </p:nvSpPr>
         <p:spPr>
           <a:xfrm>
-            <a:off x="838200" y="1825625"/>
-            <a:ext cx="10515600" cy="4351338"/>
+            <a:off x="1451579" y="804519"/>
+            <a:ext cx="9603275" cy="1049235"/>
           </a:xfrm>
           <a:prstGeom prst="rect">
             <a:avLst/>
           </a:prstGeom>
         </p:spPr>
         <p:txBody>
-          <a:bodyPr vert="horz" lIns="91440" tIns="45720" rIns="91440" bIns="45720" rtlCol="0">
+          <a:bodyPr vert="horz" lIns="91440" tIns="45720" rIns="91440" bIns="45720" rtlCol="0" anchor="t">
             <a:normAutofit/>
           </a:bodyPr>
           <a:lstStyle/>
           <a:p>
-            <a:pPr lvl="0"/>
-            <a:r>
-              <a:rPr lang="en-GB"/>
-              <a:t>Click to edit Master text styles</a:t>
-            </a:r>
-          </a:p>
-          <a:p>
-            <a:pPr lvl="1"/>
-            <a:r>
-              <a:rPr lang="en-GB"/>
-              <a:t>Second level</a:t>
-            </a:r>
-          </a:p>
-          <a:p>
-            <a:pPr lvl="2"/>
-            <a:r>
-              <a:rPr lang="en-GB"/>
-              <a:t>Third level</a:t>
-            </a:r>
-          </a:p>
-          <a:p>
-            <a:pPr lvl="3"/>
-            <a:r>
-              <a:rPr lang="en-GB"/>
-              <a:t>Fourth level</a:t>
-            </a:r>
-          </a:p>
-          <a:p>
-            <a:pPr lvl="4"/>
-            <a:r>
-              <a:rPr lang="en-GB"/>
-              <a:t>Fifth level</a:t>
-            </a:r>
-            <a:endParaRPr lang="en-GR"/>
-          </a:p>
-        </p:txBody>
-      </p:sp>
-      <p:sp>
-        <p:nvSpPr>
-          <p:cNvPr id="4" name="Date Placeholder 3">
-            <a:extLst>
-              <a:ext uri="{FF2B5EF4-FFF2-40B4-BE49-F238E27FC236}">
-                <a16:creationId xmlns:a16="http://schemas.microsoft.com/office/drawing/2014/main" id="{F7F20D31-BBB3-C59D-DF01-8B4FA7E326FC}"/>
-              </a:ext>
-            </a:extLst>
-          </p:cNvPr>
-          <p:cNvSpPr>
-            <a:spLocks noGrp="1"/>
-          </p:cNvSpPr>
-          <p:nvPr>
-            <p:ph type="dt" sz="half" idx="2"/>
+            <a:r>
+              <a:rPr lang="en-GB"/>
+              <a:t>Click to edit Master title style</a:t>
+            </a:r>
+            <a:endParaRPr lang="en-US" dirty="0"/>
+          </a:p>
+        </p:txBody>
+      </p:sp>
+      <p:sp>
+        <p:nvSpPr>
+          <p:cNvPr id="3" name="Text Placeholder 2"/>
+          <p:cNvSpPr>
+            <a:spLocks noGrp="1"/>
+          </p:cNvSpPr>
+          <p:nvPr>
+            <p:ph type="body" idx="1"/>
           </p:nvPr>
         </p:nvSpPr>
         <p:spPr>
           <a:xfrm>
-            <a:off x="838200" y="6356350"/>
-            <a:ext cx="2743200" cy="365125"/>
+            <a:off x="1451579" y="2015732"/>
+            <a:ext cx="9603275" cy="3450613"/>
           </a:xfrm>
           <a:prstGeom prst="rect">
             <a:avLst/>
           </a:prstGeom>
         </p:spPr>
         <p:txBody>
+          <a:bodyPr vert="horz" lIns="91440" tIns="45720" rIns="91440" bIns="45720" rtlCol="0">
+            <a:normAutofit/>
+          </a:bodyPr>
+          <a:lstStyle/>
+          <a:p>
+            <a:pPr lvl="0"/>
+            <a:r>
+              <a:rPr lang="en-GB"/>
+              <a:t>Click to edit Master text styles</a:t>
+            </a:r>
+          </a:p>
+          <a:p>
+            <a:pPr lvl="1"/>
+            <a:r>
+              <a:rPr lang="en-GB"/>
+              <a:t>Second level</a:t>
+            </a:r>
+          </a:p>
+          <a:p>
+            <a:pPr lvl="2"/>
+            <a:r>
+              <a:rPr lang="en-GB"/>
+              <a:t>Third level</a:t>
+            </a:r>
+          </a:p>
+          <a:p>
+            <a:pPr lvl="3"/>
+            <a:r>
+              <a:rPr lang="en-GB"/>
+              <a:t>Fourth level</a:t>
+            </a:r>
+          </a:p>
+          <a:p>
+            <a:pPr lvl="4"/>
+            <a:r>
+              <a:rPr lang="en-GB"/>
+              <a:t>Fifth level</a:t>
+            </a:r>
+            <a:endParaRPr lang="en-US" dirty="0"/>
+          </a:p>
+        </p:txBody>
+      </p:sp>
+      <p:sp>
+        <p:nvSpPr>
+          <p:cNvPr id="4" name="Date Placeholder 3"/>
+          <p:cNvSpPr>
+            <a:spLocks noGrp="1"/>
+          </p:cNvSpPr>
+          <p:nvPr>
+            <p:ph type="dt" sz="half" idx="2"/>
+          </p:nvPr>
+        </p:nvSpPr>
+        <p:spPr>
+          <a:xfrm>
+            <a:off x="7554138" y="330370"/>
+            <a:ext cx="3500715" cy="309201"/>
+          </a:xfrm>
+          <a:prstGeom prst="rect">
+            <a:avLst/>
+          </a:prstGeom>
+        </p:spPr>
+        <p:txBody>
           <a:bodyPr vert="horz" lIns="91440" tIns="45720" rIns="91440" bIns="45720" rtlCol="0" anchor="ctr"/>
           <a:lstStyle>
-            <a:lvl1pPr algn="l">
-              <a:defRPr sz="1200">
+            <a:lvl1pPr algn="r">
+              <a:defRPr sz="1000">
                 <a:solidFill>
                   <a:schemeClr val="tx1">
                     <a:tint val="75000"/>
@@ -2928,7 +3150,7 @@
           <a:p>
             <a:fld id="{B8C0CCF5-40D8-6B43-AE31-DCC4D10E5115}" type="datetimeFigureOut">
               <a:rPr lang="en-GR" smtClean="0"/>
-              <a:t>28/3/24</a:t>
+              <a:t>29/3/24</a:t>
             </a:fld>
             <a:endParaRPr lang="en-GR"/>
           </a:p>
@@ -2936,13 +3158,7 @@
       </p:sp>
       <p:sp>
         <p:nvSpPr>
-          <p:cNvPr id="5" name="Footer Placeholder 4">
-            <a:extLst>
-              <a:ext uri="{FF2B5EF4-FFF2-40B4-BE49-F238E27FC236}">
-                <a16:creationId xmlns:a16="http://schemas.microsoft.com/office/drawing/2014/main" id="{A0EE470A-41F2-6BD5-12A6-FBE70BBD63FA}"/>
-              </a:ext>
-            </a:extLst>
-          </p:cNvPr>
+          <p:cNvPr id="5" name="Footer Placeholder 4"/>
           <p:cNvSpPr>
             <a:spLocks noGrp="1"/>
           </p:cNvSpPr>
@@ -2952,8 +3168,8 @@
         </p:nvSpPr>
         <p:spPr>
           <a:xfrm>
-            <a:off x="4038600" y="6356350"/>
-            <a:ext cx="4114800" cy="365125"/>
+            <a:off x="1451579" y="329307"/>
+            <a:ext cx="5938836" cy="309201"/>
           </a:xfrm>
           <a:prstGeom prst="rect">
             <a:avLst/>
@@ -2962,8 +3178,8 @@
         <p:txBody>
           <a:bodyPr vert="horz" lIns="91440" tIns="45720" rIns="91440" bIns="45720" rtlCol="0" anchor="ctr"/>
           <a:lstStyle>
-            <a:lvl1pPr algn="ctr">
-              <a:defRPr sz="1200">
+            <a:lvl1pPr algn="l">
+              <a:defRPr sz="1000">
                 <a:solidFill>
                   <a:schemeClr val="tx1">
                     <a:tint val="75000"/>
@@ -2979,13 +3195,7 @@
       </p:sp>
       <p:sp>
         <p:nvSpPr>
-          <p:cNvPr id="6" name="Slide Number Placeholder 5">
-            <a:extLst>
-              <a:ext uri="{FF2B5EF4-FFF2-40B4-BE49-F238E27FC236}">
-                <a16:creationId xmlns:a16="http://schemas.microsoft.com/office/drawing/2014/main" id="{6AE286B0-5EBE-AA34-0F65-3D5CE06A35C5}"/>
-              </a:ext>
-            </a:extLst>
-          </p:cNvPr>
+          <p:cNvPr id="6" name="Slide Number Placeholder 5"/>
           <p:cNvSpPr>
             <a:spLocks noGrp="1"/>
           </p:cNvSpPr>
@@ -2995,22 +3205,20 @@
         </p:nvSpPr>
         <p:spPr>
           <a:xfrm>
-            <a:off x="8610600" y="6356350"/>
-            <a:ext cx="2743200" cy="365125"/>
+            <a:off x="480060" y="798973"/>
+            <a:ext cx="811019" cy="503578"/>
           </a:xfrm>
           <a:prstGeom prst="rect">
             <a:avLst/>
           </a:prstGeom>
         </p:spPr>
         <p:txBody>
-          <a:bodyPr vert="horz" lIns="91440" tIns="45720" rIns="91440" bIns="45720" rtlCol="0" anchor="ctr"/>
+          <a:bodyPr vert="horz" lIns="91440" tIns="45720" rIns="91440" bIns="45720" rtlCol="0" anchor="t"/>
           <a:lstStyle>
             <a:lvl1pPr algn="r">
-              <a:defRPr sz="1200">
+              <a:defRPr sz="2800">
                 <a:solidFill>
-                  <a:schemeClr val="tx1">
-                    <a:tint val="75000"/>
-                  </a:schemeClr>
+                  <a:schemeClr val="accent1"/>
                 </a:solidFill>
               </a:defRPr>
             </a:lvl1pPr>
@@ -3024,26 +3232,63 @@
           </a:p>
         </p:txBody>
       </p:sp>
+      <p:cxnSp>
+        <p:nvCxnSpPr>
+          <p:cNvPr id="10" name="Straight Connector 9"/>
+          <p:cNvCxnSpPr/>
+          <p:nvPr/>
+        </p:nvCxnSpPr>
+        <p:spPr>
+          <a:xfrm>
+            <a:off x="0" y="6128413"/>
+            <a:ext cx="12192000" cy="0"/>
+          </a:xfrm>
+          <a:prstGeom prst="line">
+            <a:avLst/>
+          </a:prstGeom>
+          <a:ln w="12700">
+            <a:solidFill>
+              <a:srgbClr val="000001">
+                <a:alpha val="20000"/>
+              </a:srgbClr>
+            </a:solidFill>
+          </a:ln>
+        </p:spPr>
+        <p:style>
+          <a:lnRef idx="1">
+            <a:schemeClr val="accent1"/>
+          </a:lnRef>
+          <a:fillRef idx="0">
+            <a:schemeClr val="accent1"/>
+          </a:fillRef>
+          <a:effectRef idx="0">
+            <a:schemeClr val="accent1"/>
+          </a:effectRef>
+          <a:fontRef idx="minor">
+            <a:schemeClr val="tx1"/>
+          </a:fontRef>
+        </p:style>
+      </p:cxnSp>
     </p:spTree>
     <p:extLst>
       <p:ext uri="{BB962C8B-B14F-4D97-AF65-F5344CB8AC3E}">
-        <p14:creationId xmlns:p14="http://schemas.microsoft.com/office/powerpoint/2010/main" val="2769972099"/>
+        <p14:creationId xmlns:p14="http://schemas.microsoft.com/office/powerpoint/2010/main" val="3423362687"/>
       </p:ext>
     </p:extLst>
   </p:cSld>
   <p:clrMap bg1="lt1" tx1="dk1" bg2="lt2" tx2="dk2" accent1="accent1" accent2="accent2" accent3="accent3" accent4="accent4" accent5="accent5" accent6="accent6" hlink="hlink" folHlink="folHlink"/>
   <p:sldLayoutIdLst>
-    <p:sldLayoutId id="2147483649" r:id="rId1"/>
-    <p:sldLayoutId id="2147483650" r:id="rId2"/>
-    <p:sldLayoutId id="2147483651" r:id="rId3"/>
-    <p:sldLayoutId id="2147483652" r:id="rId4"/>
-    <p:sldLayoutId id="2147483653" r:id="rId5"/>
-    <p:sldLayoutId id="2147483654" r:id="rId6"/>
-    <p:sldLayoutId id="2147483655" r:id="rId7"/>
-    <p:sldLayoutId id="2147483656" r:id="rId8"/>
-    <p:sldLayoutId id="2147483657" r:id="rId9"/>
-    <p:sldLayoutId id="2147483658" r:id="rId10"/>
-    <p:sldLayoutId id="2147483659" r:id="rId11"/>
+    <p:sldLayoutId id="2147483685" r:id="rId1"/>
+    <p:sldLayoutId id="2147483686" r:id="rId2"/>
+    <p:sldLayoutId id="2147483687" r:id="rId3"/>
+    <p:sldLayoutId id="2147483688" r:id="rId4"/>
+    <p:sldLayoutId id="2147483689" r:id="rId5"/>
+    <p:sldLayoutId id="2147483690" r:id="rId6"/>
+    <p:sldLayoutId id="2147483691" r:id="rId7"/>
+    <p:sldLayoutId id="2147483692" r:id="rId8"/>
+    <p:sldLayoutId id="2147483693" r:id="rId9"/>
+    <p:sldLayoutId id="2147483694" r:id="rId10"/>
+    <p:sldLayoutId id="2147483695" r:id="rId11"/>
   </p:sldLayoutIdLst>
   <p:txStyles>
     <p:titleStyle>
@@ -3055,10 +3300,11 @@
           <a:spcPct val="0"/>
         </a:spcBef>
         <a:buNone/>
-        <a:defRPr sz="4400" kern="1200">
+        <a:defRPr sz="3200" b="0" i="0" kern="1200" cap="all">
           <a:solidFill>
             <a:schemeClr val="tx1"/>
           </a:solidFill>
+          <a:effectLst/>
           <a:latin typeface="+mj-lt"/>
           <a:ea typeface="+mj-ea"/>
           <a:cs typeface="+mj-cs"/>
@@ -3068,17 +3314,22 @@
     <p:bodyStyle>
       <a:lvl1pPr marL="228600" indent="-228600" algn="l" defTabSz="914400" rtl="0" eaLnBrk="1" latinLnBrk="0" hangingPunct="1">
         <a:lnSpc>
-          <a:spcPct val="90000"/>
+          <a:spcPct val="120000"/>
         </a:lnSpc>
         <a:spcBef>
           <a:spcPts val="1000"/>
         </a:spcBef>
+        <a:buClr>
+          <a:schemeClr val="accent1"/>
+        </a:buClr>
+        <a:buSzPct val="100000"/>
         <a:buFont typeface="Arial" panose="020B0604020202020204" pitchFamily="34" charset="0"/>
         <a:buChar char="•"/>
-        <a:defRPr sz="2800" kern="1200">
+        <a:defRPr sz="2000" kern="1200">
           <a:solidFill>
             <a:schemeClr val="tx1"/>
           </a:solidFill>
+          <a:effectLst/>
           <a:latin typeface="+mn-lt"/>
           <a:ea typeface="+mn-ea"/>
           <a:cs typeface="+mn-cs"/>
@@ -3086,17 +3337,22 @@
       </a:lvl1pPr>
       <a:lvl2pPr marL="685800" indent="-228600" algn="l" defTabSz="914400" rtl="0" eaLnBrk="1" latinLnBrk="0" hangingPunct="1">
         <a:lnSpc>
-          <a:spcPct val="90000"/>
+          <a:spcPct val="120000"/>
         </a:lnSpc>
         <a:spcBef>
           <a:spcPts val="500"/>
         </a:spcBef>
+        <a:buClr>
+          <a:schemeClr val="accent1"/>
+        </a:buClr>
+        <a:buSzPct val="100000"/>
         <a:buFont typeface="Arial" panose="020B0604020202020204" pitchFamily="34" charset="0"/>
         <a:buChar char="•"/>
-        <a:defRPr sz="2400" kern="1200">
+        <a:defRPr sz="1800" kern="1200" cap="none" baseline="0">
           <a:solidFill>
             <a:schemeClr val="tx1"/>
           </a:solidFill>
+          <a:effectLst/>
           <a:latin typeface="+mn-lt"/>
           <a:ea typeface="+mn-ea"/>
           <a:cs typeface="+mn-cs"/>
@@ -3104,17 +3360,22 @@
       </a:lvl2pPr>
       <a:lvl3pPr marL="1143000" indent="-228600" algn="l" defTabSz="914400" rtl="0" eaLnBrk="1" latinLnBrk="0" hangingPunct="1">
         <a:lnSpc>
-          <a:spcPct val="90000"/>
+          <a:spcPct val="120000"/>
         </a:lnSpc>
         <a:spcBef>
           <a:spcPts val="500"/>
         </a:spcBef>
+        <a:buClr>
+          <a:schemeClr val="accent1"/>
+        </a:buClr>
+        <a:buSzPct val="100000"/>
         <a:buFont typeface="Arial" panose="020B0604020202020204" pitchFamily="34" charset="0"/>
         <a:buChar char="•"/>
-        <a:defRPr sz="2000" kern="1200">
+        <a:defRPr sz="1600" kern="1200">
           <a:solidFill>
             <a:schemeClr val="tx1"/>
           </a:solidFill>
+          <a:effectLst/>
           <a:latin typeface="+mn-lt"/>
           <a:ea typeface="+mn-ea"/>
           <a:cs typeface="+mn-cs"/>
@@ -3122,17 +3383,22 @@
       </a:lvl3pPr>
       <a:lvl4pPr marL="1600200" indent="-228600" algn="l" defTabSz="914400" rtl="0" eaLnBrk="1" latinLnBrk="0" hangingPunct="1">
         <a:lnSpc>
-          <a:spcPct val="90000"/>
+          <a:spcPct val="120000"/>
         </a:lnSpc>
         <a:spcBef>
           <a:spcPts val="500"/>
         </a:spcBef>
+        <a:buClr>
+          <a:schemeClr val="accent1"/>
+        </a:buClr>
+        <a:buSzPct val="100000"/>
         <a:buFont typeface="Arial" panose="020B0604020202020204" pitchFamily="34" charset="0"/>
         <a:buChar char="•"/>
-        <a:defRPr sz="1800" kern="1200">
+        <a:defRPr sz="1400" kern="1200" cap="none" baseline="0">
           <a:solidFill>
             <a:schemeClr val="tx1"/>
           </a:solidFill>
+          <a:effectLst/>
           <a:latin typeface="+mn-lt"/>
           <a:ea typeface="+mn-ea"/>
           <a:cs typeface="+mn-cs"/>
@@ -3140,17 +3406,22 @@
       </a:lvl4pPr>
       <a:lvl5pPr marL="2057400" indent="-228600" algn="l" defTabSz="914400" rtl="0" eaLnBrk="1" latinLnBrk="0" hangingPunct="1">
         <a:lnSpc>
-          <a:spcPct val="90000"/>
+          <a:spcPct val="120000"/>
         </a:lnSpc>
         <a:spcBef>
           <a:spcPts val="500"/>
         </a:spcBef>
+        <a:buClr>
+          <a:schemeClr val="accent1"/>
+        </a:buClr>
+        <a:buSzPct val="100000"/>
         <a:buFont typeface="Arial" panose="020B0604020202020204" pitchFamily="34" charset="0"/>
         <a:buChar char="•"/>
-        <a:defRPr sz="1800" kern="1200">
+        <a:defRPr sz="1200" kern="1200">
           <a:solidFill>
             <a:schemeClr val="tx1"/>
           </a:solidFill>
+          <a:effectLst/>
           <a:latin typeface="+mn-lt"/>
           <a:ea typeface="+mn-ea"/>
           <a:cs typeface="+mn-cs"/>
@@ -3158,17 +3429,22 @@
       </a:lvl5pPr>
       <a:lvl6pPr marL="2514600" indent="-228600" algn="l" defTabSz="914400" rtl="0" eaLnBrk="1" latinLnBrk="0" hangingPunct="1">
         <a:lnSpc>
-          <a:spcPct val="90000"/>
+          <a:spcPct val="120000"/>
         </a:lnSpc>
         <a:spcBef>
           <a:spcPts val="500"/>
         </a:spcBef>
+        <a:buClr>
+          <a:schemeClr val="accent1"/>
+        </a:buClr>
+        <a:buSzPct val="100000"/>
         <a:buFont typeface="Arial" panose="020B0604020202020204" pitchFamily="34" charset="0"/>
         <a:buChar char="•"/>
-        <a:defRPr sz="1800" kern="1200">
+        <a:defRPr sz="1200" kern="1200">
           <a:solidFill>
             <a:schemeClr val="tx1"/>
           </a:solidFill>
+          <a:effectLst/>
           <a:latin typeface="+mn-lt"/>
           <a:ea typeface="+mn-ea"/>
           <a:cs typeface="+mn-cs"/>
@@ -3176,17 +3452,22 @@
       </a:lvl6pPr>
       <a:lvl7pPr marL="2971800" indent="-228600" algn="l" defTabSz="914400" rtl="0" eaLnBrk="1" latinLnBrk="0" hangingPunct="1">
         <a:lnSpc>
-          <a:spcPct val="90000"/>
+          <a:spcPct val="120000"/>
         </a:lnSpc>
         <a:spcBef>
           <a:spcPts val="500"/>
         </a:spcBef>
+        <a:buClr>
+          <a:schemeClr val="accent1"/>
+        </a:buClr>
+        <a:buSzPct val="100000"/>
         <a:buFont typeface="Arial" panose="020B0604020202020204" pitchFamily="34" charset="0"/>
         <a:buChar char="•"/>
-        <a:defRPr sz="1800" kern="1200">
+        <a:defRPr sz="1200" kern="1200">
           <a:solidFill>
             <a:schemeClr val="tx1"/>
           </a:solidFill>
+          <a:effectLst/>
           <a:latin typeface="+mn-lt"/>
           <a:ea typeface="+mn-ea"/>
           <a:cs typeface="+mn-cs"/>
@@ -3194,17 +3475,22 @@
       </a:lvl7pPr>
       <a:lvl8pPr marL="3429000" indent="-228600" algn="l" defTabSz="914400" rtl="0" eaLnBrk="1" latinLnBrk="0" hangingPunct="1">
         <a:lnSpc>
-          <a:spcPct val="90000"/>
+          <a:spcPct val="120000"/>
         </a:lnSpc>
         <a:spcBef>
           <a:spcPts val="500"/>
         </a:spcBef>
+        <a:buClr>
+          <a:schemeClr val="accent1"/>
+        </a:buClr>
+        <a:buSzPct val="100000"/>
         <a:buFont typeface="Arial" panose="020B0604020202020204" pitchFamily="34" charset="0"/>
         <a:buChar char="•"/>
-        <a:defRPr sz="1800" kern="1200">
+        <a:defRPr sz="1200" kern="1200" baseline="0">
           <a:solidFill>
             <a:schemeClr val="tx1"/>
           </a:solidFill>
+          <a:effectLst/>
           <a:latin typeface="+mn-lt"/>
           <a:ea typeface="+mn-ea"/>
           <a:cs typeface="+mn-cs"/>
@@ -3212,17 +3498,22 @@
       </a:lvl8pPr>
       <a:lvl9pPr marL="3886200" indent="-228600" algn="l" defTabSz="914400" rtl="0" eaLnBrk="1" latinLnBrk="0" hangingPunct="1">
         <a:lnSpc>
-          <a:spcPct val="90000"/>
+          <a:spcPct val="120000"/>
         </a:lnSpc>
         <a:spcBef>
           <a:spcPts val="500"/>
         </a:spcBef>
+        <a:buClr>
+          <a:schemeClr val="accent1"/>
+        </a:buClr>
+        <a:buSzPct val="100000"/>
         <a:buFont typeface="Arial" panose="020B0604020202020204" pitchFamily="34" charset="0"/>
         <a:buChar char="•"/>
-        <a:defRPr sz="1800" kern="1200">
+        <a:defRPr sz="1200" kern="1200" baseline="0">
           <a:solidFill>
             <a:schemeClr val="tx1"/>
           </a:solidFill>
+          <a:effectLst/>
           <a:latin typeface="+mn-lt"/>
           <a:ea typeface="+mn-ea"/>
           <a:cs typeface="+mn-cs"/>
@@ -3231,7 +3522,7 @@
     </p:bodyStyle>
     <p:otherStyle>
       <a:defPPr>
-        <a:defRPr lang="en-GR"/>
+        <a:defRPr lang="en-US"/>
       </a:defPPr>
       <a:lvl1pPr marL="0" algn="l" defTabSz="914400" rtl="0" eaLnBrk="1" latinLnBrk="0" hangingPunct="1">
         <a:defRPr sz="1800" kern="1200">
@@ -3441,6 +3732,382 @@
 </p:sld>
 </file>
 
+<file path=ppt/slides/slide10.xml><?xml version="1.0" encoding="utf-8"?>
+<p:sld xmlns:a="http://schemas.openxmlformats.org/drawingml/2006/main" xmlns:r="http://schemas.openxmlformats.org/officeDocument/2006/relationships" xmlns:p="http://schemas.openxmlformats.org/presentationml/2006/main">
+  <p:cSld>
+    <p:spTree>
+      <p:nvGrpSpPr>
+        <p:cNvPr id="1" name=""/>
+        <p:cNvGrpSpPr/>
+        <p:nvPr/>
+      </p:nvGrpSpPr>
+      <p:grpSpPr>
+        <a:xfrm>
+          <a:off x="0" y="0"/>
+          <a:ext cx="0" cy="0"/>
+          <a:chOff x="0" y="0"/>
+          <a:chExt cx="0" cy="0"/>
+        </a:xfrm>
+      </p:grpSpPr>
+      <p:sp>
+        <p:nvSpPr>
+          <p:cNvPr id="2" name="Title 1">
+            <a:extLst>
+              <a:ext uri="{FF2B5EF4-FFF2-40B4-BE49-F238E27FC236}">
+                <a16:creationId xmlns:a16="http://schemas.microsoft.com/office/drawing/2014/main" id="{ECDA364F-68AA-8FCE-946C-E0A0CA876D14}"/>
+              </a:ext>
+            </a:extLst>
+          </p:cNvPr>
+          <p:cNvSpPr>
+            <a:spLocks noGrp="1"/>
+          </p:cNvSpPr>
+          <p:nvPr>
+            <p:ph type="title"/>
+          </p:nvPr>
+        </p:nvSpPr>
+        <p:spPr/>
+        <p:txBody>
+          <a:bodyPr>
+            <a:normAutofit/>
+          </a:bodyPr>
+          <a:lstStyle/>
+          <a:p>
+            <a:r>
+              <a:rPr lang="el-GR" sz="3600" b="1" u="sng" dirty="0">
+                <a:effectLst/>
+                <a:latin typeface="Aptos" panose="020B0004020202020204" pitchFamily="34" charset="0"/>
+                <a:ea typeface="Aptos" panose="020B0004020202020204" pitchFamily="34" charset="0"/>
+                <a:cs typeface="Times New Roman" panose="02020603050405020304" pitchFamily="18" charset="0"/>
+              </a:rPr>
+              <a:t>Τι χρειαζόμαστε</a:t>
+            </a:r>
+            <a:r>
+              <a:rPr lang="en-US" sz="3600" b="1" u="sng" dirty="0">
+                <a:effectLst/>
+                <a:latin typeface="Aptos" panose="020B0004020202020204" pitchFamily="34" charset="0"/>
+                <a:ea typeface="Aptos" panose="020B0004020202020204" pitchFamily="34" charset="0"/>
+                <a:cs typeface="Times New Roman" panose="02020603050405020304" pitchFamily="18" charset="0"/>
+              </a:rPr>
+              <a:t> (</a:t>
+            </a:r>
+            <a:r>
+              <a:rPr lang="el-GR" sz="3600" b="1" u="sng" dirty="0">
+                <a:effectLst/>
+                <a:latin typeface="Aptos" panose="020B0004020202020204" pitchFamily="34" charset="0"/>
+                <a:ea typeface="Aptos" panose="020B0004020202020204" pitchFamily="34" charset="0"/>
+                <a:cs typeface="Times New Roman" panose="02020603050405020304" pitchFamily="18" charset="0"/>
+              </a:rPr>
+              <a:t>Χρονικά</a:t>
+            </a:r>
+            <a:r>
+              <a:rPr lang="en-US" sz="3600" b="1" u="sng" dirty="0">
+                <a:effectLst/>
+                <a:latin typeface="Aptos" panose="020B0004020202020204" pitchFamily="34" charset="0"/>
+                <a:ea typeface="Aptos" panose="020B0004020202020204" pitchFamily="34" charset="0"/>
+                <a:cs typeface="Times New Roman" panose="02020603050405020304" pitchFamily="18" charset="0"/>
+              </a:rPr>
+              <a:t>)</a:t>
+            </a:r>
+            <a:r>
+              <a:rPr lang="en-GR" sz="3600" b="1" u="sng" dirty="0">
+                <a:effectLst/>
+              </a:rPr>
+              <a:t> </a:t>
+            </a:r>
+            <a:endParaRPr lang="en-GR" sz="3600" b="1" u="sng" dirty="0"/>
+          </a:p>
+        </p:txBody>
+      </p:sp>
+      <p:sp>
+        <p:nvSpPr>
+          <p:cNvPr id="3" name="Content Placeholder 2">
+            <a:extLst>
+              <a:ext uri="{FF2B5EF4-FFF2-40B4-BE49-F238E27FC236}">
+                <a16:creationId xmlns:a16="http://schemas.microsoft.com/office/drawing/2014/main" id="{67752842-61AE-20E6-3FEE-669AF36DC5D7}"/>
+              </a:ext>
+            </a:extLst>
+          </p:cNvPr>
+          <p:cNvSpPr>
+            <a:spLocks noGrp="1"/>
+          </p:cNvSpPr>
+          <p:nvPr>
+            <p:ph idx="1"/>
+          </p:nvPr>
+        </p:nvSpPr>
+        <p:spPr/>
+        <p:txBody>
+          <a:bodyPr/>
+          <a:lstStyle/>
+          <a:p>
+            <a:endParaRPr lang="en-GR" dirty="0"/>
+          </a:p>
+        </p:txBody>
+      </p:sp>
+    </p:spTree>
+    <p:extLst>
+      <p:ext uri="{BB962C8B-B14F-4D97-AF65-F5344CB8AC3E}">
+        <p14:creationId xmlns:p14="http://schemas.microsoft.com/office/powerpoint/2010/main" val="3068981651"/>
+      </p:ext>
+    </p:extLst>
+  </p:cSld>
+  <p:clrMapOvr>
+    <a:masterClrMapping/>
+  </p:clrMapOvr>
+</p:sld>
+</file>
+
+<file path=ppt/slides/slide11.xml><?xml version="1.0" encoding="utf-8"?>
+<p:sld xmlns:a="http://schemas.openxmlformats.org/drawingml/2006/main" xmlns:r="http://schemas.openxmlformats.org/officeDocument/2006/relationships" xmlns:p="http://schemas.openxmlformats.org/presentationml/2006/main">
+  <p:cSld>
+    <p:spTree>
+      <p:nvGrpSpPr>
+        <p:cNvPr id="1" name=""/>
+        <p:cNvGrpSpPr/>
+        <p:nvPr/>
+      </p:nvGrpSpPr>
+      <p:grpSpPr>
+        <a:xfrm>
+          <a:off x="0" y="0"/>
+          <a:ext cx="0" cy="0"/>
+          <a:chOff x="0" y="0"/>
+          <a:chExt cx="0" cy="0"/>
+        </a:xfrm>
+      </p:grpSpPr>
+      <p:sp>
+        <p:nvSpPr>
+          <p:cNvPr id="2" name="Title 1">
+            <a:extLst>
+              <a:ext uri="{FF2B5EF4-FFF2-40B4-BE49-F238E27FC236}">
+                <a16:creationId xmlns:a16="http://schemas.microsoft.com/office/drawing/2014/main" id="{E9C572C2-6A64-EA6B-9A07-916FBD4BB716}"/>
+              </a:ext>
+            </a:extLst>
+          </p:cNvPr>
+          <p:cNvSpPr>
+            <a:spLocks noGrp="1"/>
+          </p:cNvSpPr>
+          <p:nvPr>
+            <p:ph type="title"/>
+          </p:nvPr>
+        </p:nvSpPr>
+        <p:spPr/>
+        <p:txBody>
+          <a:bodyPr>
+            <a:normAutofit/>
+          </a:bodyPr>
+          <a:lstStyle/>
+          <a:p>
+            <a:r>
+              <a:rPr lang="el-GR" sz="3600" b="1" u="sng" dirty="0">
+                <a:effectLst/>
+                <a:latin typeface="Aptos" panose="020B0004020202020204" pitchFamily="34" charset="0"/>
+                <a:ea typeface="Aptos" panose="020B0004020202020204" pitchFamily="34" charset="0"/>
+                <a:cs typeface="Times New Roman" panose="02020603050405020304" pitchFamily="18" charset="0"/>
+              </a:rPr>
+              <a:t>Τι χρειαζόμαστε (Οικονομικό)</a:t>
+            </a:r>
+            <a:r>
+              <a:rPr lang="en-GR" sz="3600" b="1" u="sng" dirty="0">
+                <a:effectLst/>
+              </a:rPr>
+              <a:t> </a:t>
+            </a:r>
+            <a:endParaRPr lang="en-GR" sz="3600" b="1" u="sng" dirty="0"/>
+          </a:p>
+        </p:txBody>
+      </p:sp>
+      <p:pic>
+        <p:nvPicPr>
+          <p:cNvPr id="5" name="Picture 4" descr="A table with numbers and a blue background&#10;&#10;Description automatically generated with medium confidence">
+            <a:extLst>
+              <a:ext uri="{FF2B5EF4-FFF2-40B4-BE49-F238E27FC236}">
+                <a16:creationId xmlns:a16="http://schemas.microsoft.com/office/drawing/2014/main" id="{465214D3-F429-1201-BD04-BE4B076CA262}"/>
+              </a:ext>
+            </a:extLst>
+          </p:cNvPr>
+          <p:cNvPicPr>
+            <a:picLocks noChangeAspect="1"/>
+          </p:cNvPicPr>
+          <p:nvPr/>
+        </p:nvPicPr>
+        <p:blipFill>
+          <a:blip r:embed="rId2"/>
+          <a:stretch>
+            <a:fillRect/>
+          </a:stretch>
+        </p:blipFill>
+        <p:spPr>
+          <a:xfrm>
+            <a:off x="192886" y="1969367"/>
+            <a:ext cx="11904986" cy="4084114"/>
+          </a:xfrm>
+          <a:prstGeom prst="rect">
+            <a:avLst/>
+          </a:prstGeom>
+        </p:spPr>
+      </p:pic>
+    </p:spTree>
+    <p:extLst>
+      <p:ext uri="{BB962C8B-B14F-4D97-AF65-F5344CB8AC3E}">
+        <p14:creationId xmlns:p14="http://schemas.microsoft.com/office/powerpoint/2010/main" val="506969255"/>
+      </p:ext>
+    </p:extLst>
+  </p:cSld>
+  <p:clrMapOvr>
+    <a:masterClrMapping/>
+  </p:clrMapOvr>
+</p:sld>
+</file>
+
+<file path=ppt/slides/slide12.xml><?xml version="1.0" encoding="utf-8"?>
+<p:sld xmlns:a="http://schemas.openxmlformats.org/drawingml/2006/main" xmlns:r="http://schemas.openxmlformats.org/officeDocument/2006/relationships" xmlns:p="http://schemas.openxmlformats.org/presentationml/2006/main">
+  <p:cSld>
+    <p:spTree>
+      <p:nvGrpSpPr>
+        <p:cNvPr id="1" name=""/>
+        <p:cNvGrpSpPr/>
+        <p:nvPr/>
+      </p:nvGrpSpPr>
+      <p:grpSpPr>
+        <a:xfrm>
+          <a:off x="0" y="0"/>
+          <a:ext cx="0" cy="0"/>
+          <a:chOff x="0" y="0"/>
+          <a:chExt cx="0" cy="0"/>
+        </a:xfrm>
+      </p:grpSpPr>
+      <p:sp>
+        <p:nvSpPr>
+          <p:cNvPr id="2" name="Title 1">
+            <a:extLst>
+              <a:ext uri="{FF2B5EF4-FFF2-40B4-BE49-F238E27FC236}">
+                <a16:creationId xmlns:a16="http://schemas.microsoft.com/office/drawing/2014/main" id="{57EAD020-162E-1EDA-7719-4B3C3D2ED65D}"/>
+              </a:ext>
+            </a:extLst>
+          </p:cNvPr>
+          <p:cNvSpPr>
+            <a:spLocks noGrp="1"/>
+          </p:cNvSpPr>
+          <p:nvPr>
+            <p:ph type="title"/>
+          </p:nvPr>
+        </p:nvSpPr>
+        <p:spPr/>
+        <p:txBody>
+          <a:bodyPr>
+            <a:normAutofit/>
+          </a:bodyPr>
+          <a:lstStyle/>
+          <a:p>
+            <a:r>
+              <a:rPr lang="el-GR" sz="3600" b="1" u="sng" dirty="0">
+                <a:effectLst/>
+                <a:latin typeface="Aptos" panose="020B0004020202020204" pitchFamily="34" charset="0"/>
+                <a:ea typeface="Aptos" panose="020B0004020202020204" pitchFamily="34" charset="0"/>
+                <a:cs typeface="Times New Roman" panose="02020603050405020304" pitchFamily="18" charset="0"/>
+              </a:rPr>
+              <a:t>Πηγή εσόδων</a:t>
+            </a:r>
+            <a:r>
+              <a:rPr lang="en-GR" sz="3600" b="1" u="sng" dirty="0">
+                <a:effectLst/>
+              </a:rPr>
+              <a:t> </a:t>
+            </a:r>
+            <a:endParaRPr lang="en-GR" sz="3600" b="1" u="sng" dirty="0"/>
+          </a:p>
+        </p:txBody>
+      </p:sp>
+      <p:sp>
+        <p:nvSpPr>
+          <p:cNvPr id="3" name="Content Placeholder 2">
+            <a:extLst>
+              <a:ext uri="{FF2B5EF4-FFF2-40B4-BE49-F238E27FC236}">
+                <a16:creationId xmlns:a16="http://schemas.microsoft.com/office/drawing/2014/main" id="{F2F3658F-DFA8-F7DB-C588-3E7CAD177BAF}"/>
+              </a:ext>
+            </a:extLst>
+          </p:cNvPr>
+          <p:cNvSpPr>
+            <a:spLocks noGrp="1"/>
+          </p:cNvSpPr>
+          <p:nvPr>
+            <p:ph idx="1"/>
+          </p:nvPr>
+        </p:nvSpPr>
+        <p:spPr/>
+        <p:txBody>
+          <a:bodyPr/>
+          <a:lstStyle/>
+          <a:p>
+            <a:r>
+              <a:rPr lang="el-GR" dirty="0"/>
+              <a:t>Έσοδα από διαφημίσεις:</a:t>
+            </a:r>
+          </a:p>
+          <a:p>
+            <a:pPr marL="457200" lvl="1" indent="0">
+              <a:buNone/>
+            </a:pPr>
+            <a:r>
+              <a:rPr lang="el-GR" dirty="0"/>
+              <a:t>Η εφαρμογή θα διατίθεται δωρεάν με διαφημίσεις και χωρίς να είναι ξεκλειδωμένες όλες οι ασκήσεις</a:t>
+            </a:r>
+          </a:p>
+          <a:p>
+            <a:endParaRPr lang="el-GR" dirty="0"/>
+          </a:p>
+          <a:p>
+            <a:r>
+              <a:rPr lang="el-GR" dirty="0"/>
+              <a:t>Έσοδα από συνδρομές:</a:t>
+            </a:r>
+          </a:p>
+          <a:p>
+            <a:pPr marL="457200" lvl="1" indent="0">
+              <a:buNone/>
+            </a:pPr>
+            <a:r>
+              <a:rPr lang="el-GR" dirty="0"/>
+              <a:t>Μηνιαία συνδρομή 2.99 </a:t>
+            </a:r>
+            <a:r>
+              <a:rPr lang="en-US" sz="1800" b="1" dirty="0">
+                <a:effectLst/>
+                <a:latin typeface="Times New Roman" panose="02020603050405020304" pitchFamily="18" charset="0"/>
+                <a:ea typeface="Times New Roman" panose="02020603050405020304" pitchFamily="18" charset="0"/>
+              </a:rPr>
+              <a:t>€</a:t>
+            </a:r>
+            <a:r>
+              <a:rPr lang="el-GR" sz="1800" b="1" dirty="0">
+                <a:latin typeface="Times New Roman" panose="02020603050405020304" pitchFamily="18" charset="0"/>
+                <a:ea typeface="Times New Roman" panose="02020603050405020304" pitchFamily="18" charset="0"/>
+              </a:rPr>
+              <a:t> </a:t>
+            </a:r>
+            <a:r>
+              <a:rPr lang="el-GR" dirty="0">
+                <a:latin typeface="Times New Roman" panose="02020603050405020304" pitchFamily="18" charset="0"/>
+                <a:ea typeface="Times New Roman" panose="02020603050405020304" pitchFamily="18" charset="0"/>
+              </a:rPr>
+              <a:t>για την αποφυγή διαφημίσεων και ξεκλείδωμα όλων των ασκήσεων</a:t>
+            </a:r>
+            <a:endParaRPr lang="en-GR" dirty="0"/>
+          </a:p>
+        </p:txBody>
+      </p:sp>
+    </p:spTree>
+    <p:extLst>
+      <p:ext uri="{BB962C8B-B14F-4D97-AF65-F5344CB8AC3E}">
+        <p14:creationId xmlns:p14="http://schemas.microsoft.com/office/powerpoint/2010/main" val="3126422282"/>
+      </p:ext>
+    </p:extLst>
+  </p:cSld>
+  <p:clrMapOvr>
+    <a:masterClrMapping/>
+  </p:clrMapOvr>
+</p:sld>
+</file>
+
 <file path=ppt/slides/slide2.xml><?xml version="1.0" encoding="utf-8"?>
 <p:sld xmlns:a="http://schemas.openxmlformats.org/drawingml/2006/main" xmlns:r="http://schemas.openxmlformats.org/officeDocument/2006/relationships" xmlns:p="http://schemas.openxmlformats.org/presentationml/2006/main">
   <p:cSld>
@@ -3481,11 +4148,12 @@
           </a:bodyPr>
           <a:lstStyle/>
           <a:p>
-            <a:r>
-              <a:rPr lang="el-GR" sz="3200"/>
+            <a:pPr algn="just"/>
+            <a:r>
+              <a:rPr lang="el-GR" sz="3600" b="1" u="sng" dirty="0"/>
               <a:t>Γενική ιδέα</a:t>
             </a:r>
-            <a:endParaRPr lang="en-GR" sz="3200" dirty="0"/>
+            <a:endParaRPr lang="en-GR" sz="3600" b="1" u="sng" dirty="0"/>
           </a:p>
         </p:txBody>
       </p:sp>
@@ -3505,20 +4173,59 @@
             <p:ph idx="1"/>
           </p:nvPr>
         </p:nvSpPr>
-        <p:spPr/>
+        <p:spPr>
+          <a:xfrm>
+            <a:off x="807983" y="1986455"/>
+            <a:ext cx="10576034" cy="4419456"/>
+          </a:xfrm>
+        </p:spPr>
         <p:txBody>
           <a:bodyPr/>
           <a:lstStyle/>
           <a:p>
-            <a:r>
-              <a:rPr lang="el-GR" dirty="0"/>
-              <a:t>Βελτίωση και </a:t>
-            </a:r>
-            <a:r>
-              <a:rPr lang="el-GR" dirty="0" err="1"/>
-              <a:t>εκμάθησ</a:t>
-            </a:r>
-            <a:endParaRPr lang="en-GR" dirty="0"/>
+            <a:pPr marL="0" indent="0">
+              <a:buNone/>
+            </a:pPr>
+            <a:r>
+              <a:rPr lang="el-GR" sz="2800" dirty="0"/>
+              <a:t>Δημιουργία προγραμμάτων προπόνησης για μεγάλη συλλογή αθλημάτων</a:t>
+            </a:r>
+          </a:p>
+          <a:p>
+            <a:pPr lvl="1"/>
+            <a:r>
+              <a:rPr lang="el-GR" sz="2400" dirty="0"/>
+              <a:t>Χρήστες κάθε επιπέδου</a:t>
+            </a:r>
+          </a:p>
+          <a:p>
+            <a:pPr lvl="1"/>
+            <a:r>
+              <a:rPr lang="el-GR" sz="2400" dirty="0"/>
+              <a:t>Λαμβάνοντας υπόψιν τις ικανότητες και επιθυμίες του χρήστη</a:t>
+            </a:r>
+          </a:p>
+          <a:p>
+            <a:pPr lvl="1"/>
+            <a:r>
+              <a:rPr lang="el-GR" sz="2400" dirty="0"/>
+              <a:t>Μεγάλη γκάμα ασκήσεων σε συνεργασία με ειδικούς του χώρου</a:t>
+            </a:r>
+          </a:p>
+          <a:p>
+            <a:pPr lvl="1"/>
+            <a:r>
+              <a:rPr lang="el-GR" sz="2400" dirty="0"/>
+              <a:t>Εξατομικευμένη προπόνηση</a:t>
+            </a:r>
+          </a:p>
+          <a:p>
+            <a:pPr algn="just"/>
+            <a:endParaRPr lang="el-GR" dirty="0"/>
+          </a:p>
+          <a:p>
+            <a:pPr lvl="1" algn="just"/>
+            <a:endParaRPr lang="el-GR" dirty="0"/>
           </a:p>
         </p:txBody>
       </p:sp>
@@ -3570,10 +4277,20 @@
         </p:nvSpPr>
         <p:spPr/>
         <p:txBody>
-          <a:bodyPr/>
-          <a:lstStyle/>
-          <a:p>
-            <a:endParaRPr lang="en-GR"/>
+          <a:bodyPr>
+            <a:normAutofit/>
+          </a:bodyPr>
+          <a:lstStyle/>
+          <a:p>
+            <a:r>
+              <a:rPr lang="el-GR" sz="3600" b="1" u="sng" dirty="0"/>
+              <a:t>Γιατι</a:t>
+            </a:r>
+            <a:r>
+              <a:rPr lang="el-GR" sz="2800" dirty="0"/>
+              <a:t> #1</a:t>
+            </a:r>
+            <a:endParaRPr lang="en-GR" sz="3600" b="1" u="sng" baseline="30000" dirty="0"/>
           </a:p>
         </p:txBody>
       </p:sp>
@@ -3598,7 +4315,7 @@
           <a:bodyPr/>
           <a:lstStyle/>
           <a:p>
-            <a:endParaRPr lang="en-GR"/>
+            <a:endParaRPr lang="en-GR" dirty="0"/>
           </a:p>
         </p:txBody>
       </p:sp>
@@ -3650,10 +4367,24 @@
         </p:nvSpPr>
         <p:spPr/>
         <p:txBody>
-          <a:bodyPr/>
-          <a:lstStyle/>
-          <a:p>
-            <a:endParaRPr lang="en-GR"/>
+          <a:bodyPr>
+            <a:normAutofit/>
+          </a:bodyPr>
+          <a:lstStyle/>
+          <a:p>
+            <a:r>
+              <a:rPr lang="el-GR" sz="3600" b="1" u="sng" dirty="0"/>
+              <a:t>ΓΙΑΤΙ</a:t>
+            </a:r>
+            <a:r>
+              <a:rPr lang="el-GR" sz="3600" dirty="0"/>
+              <a:t> </a:t>
+            </a:r>
+            <a:r>
+              <a:rPr lang="el-GR" sz="2800" dirty="0"/>
+              <a:t>#2</a:t>
+            </a:r>
+            <a:endParaRPr lang="en-GR" sz="3600" b="1" u="sng" baseline="30000" dirty="0"/>
           </a:p>
         </p:txBody>
       </p:sp>
@@ -3695,10 +4426,674 @@
 </p:sld>
 </file>
 
+<file path=ppt/slides/slide5.xml><?xml version="1.0" encoding="utf-8"?>
+<p:sld xmlns:a="http://schemas.openxmlformats.org/drawingml/2006/main" xmlns:r="http://schemas.openxmlformats.org/officeDocument/2006/relationships" xmlns:p="http://schemas.openxmlformats.org/presentationml/2006/main">
+  <p:cSld>
+    <p:spTree>
+      <p:nvGrpSpPr>
+        <p:cNvPr id="1" name=""/>
+        <p:cNvGrpSpPr/>
+        <p:nvPr/>
+      </p:nvGrpSpPr>
+      <p:grpSpPr>
+        <a:xfrm>
+          <a:off x="0" y="0"/>
+          <a:ext cx="0" cy="0"/>
+          <a:chOff x="0" y="0"/>
+          <a:chExt cx="0" cy="0"/>
+        </a:xfrm>
+      </p:grpSpPr>
+      <p:sp>
+        <p:nvSpPr>
+          <p:cNvPr id="2" name="Title 1">
+            <a:extLst>
+              <a:ext uri="{FF2B5EF4-FFF2-40B4-BE49-F238E27FC236}">
+                <a16:creationId xmlns:a16="http://schemas.microsoft.com/office/drawing/2014/main" id="{24997698-5CD4-B41A-71B9-7CD8C6BC57DA}"/>
+              </a:ext>
+            </a:extLst>
+          </p:cNvPr>
+          <p:cNvSpPr>
+            <a:spLocks noGrp="1"/>
+          </p:cNvSpPr>
+          <p:nvPr>
+            <p:ph type="title"/>
+          </p:nvPr>
+        </p:nvSpPr>
+        <p:spPr/>
+        <p:txBody>
+          <a:bodyPr>
+            <a:normAutofit/>
+          </a:bodyPr>
+          <a:lstStyle/>
+          <a:p>
+            <a:r>
+              <a:rPr lang="el-GR" sz="3600" b="1" u="sng" dirty="0">
+                <a:effectLst/>
+                <a:latin typeface="Aptos" panose="020B0004020202020204" pitchFamily="34" charset="0"/>
+                <a:ea typeface="Aptos" panose="020B0004020202020204" pitchFamily="34" charset="0"/>
+                <a:cs typeface="Times New Roman" panose="02020603050405020304" pitchFamily="18" charset="0"/>
+              </a:rPr>
+              <a:t>Ποιοι θα συμμετάσχουν</a:t>
+            </a:r>
+            <a:endParaRPr lang="en-GR" sz="6000" b="1" u="sng" dirty="0"/>
+          </a:p>
+        </p:txBody>
+      </p:sp>
+      <p:sp>
+        <p:nvSpPr>
+          <p:cNvPr id="3" name="Content Placeholder 2">
+            <a:extLst>
+              <a:ext uri="{FF2B5EF4-FFF2-40B4-BE49-F238E27FC236}">
+                <a16:creationId xmlns:a16="http://schemas.microsoft.com/office/drawing/2014/main" id="{10BB3CC4-B24B-69FD-3BCB-FD2DB7321172}"/>
+              </a:ext>
+            </a:extLst>
+          </p:cNvPr>
+          <p:cNvSpPr>
+            <a:spLocks noGrp="1"/>
+          </p:cNvSpPr>
+          <p:nvPr>
+            <p:ph idx="1"/>
+          </p:nvPr>
+        </p:nvSpPr>
+        <p:spPr/>
+        <p:txBody>
+          <a:bodyPr/>
+          <a:lstStyle/>
+          <a:p>
+            <a:r>
+              <a:rPr lang="el-GR" dirty="0"/>
+              <a:t>Προπονητές και αθλητές</a:t>
+            </a:r>
+            <a:endParaRPr lang="en-US" dirty="0"/>
+          </a:p>
+          <a:p>
+            <a:pPr lvl="1"/>
+            <a:r>
+              <a:rPr lang="el-GR" sz="1800" kern="100" dirty="0">
+                <a:effectLst/>
+                <a:latin typeface="Aptos" panose="020B0004020202020204" pitchFamily="34" charset="0"/>
+                <a:ea typeface="Aptos" panose="020B0004020202020204" pitchFamily="34" charset="0"/>
+                <a:cs typeface="Times New Roman" panose="02020603050405020304" pitchFamily="18" charset="0"/>
+              </a:rPr>
+              <a:t>Θα βοηθήσουν στην συλλογή και κατηγοριοποίηση των ασκήσεων </a:t>
+            </a:r>
+            <a:endParaRPr lang="el-GR" dirty="0"/>
+          </a:p>
+          <a:p>
+            <a:r>
+              <a:rPr lang="el-GR" dirty="0"/>
+              <a:t>Μικρή ομάδα χρηστών </a:t>
+            </a:r>
+            <a:endParaRPr lang="en-US" dirty="0"/>
+          </a:p>
+          <a:p>
+            <a:pPr lvl="1"/>
+            <a:r>
+              <a:rPr lang="en-US" dirty="0"/>
+              <a:t>Testing </a:t>
+            </a:r>
+            <a:r>
+              <a:rPr lang="el-GR" dirty="0"/>
+              <a:t>και </a:t>
+            </a:r>
+            <a:r>
+              <a:rPr lang="en-US" dirty="0"/>
+              <a:t>feedback</a:t>
+            </a:r>
+            <a:endParaRPr lang="el-GR" dirty="0"/>
+          </a:p>
+          <a:p>
+            <a:r>
+              <a:rPr lang="en-US" dirty="0"/>
+              <a:t>Marketing specialist</a:t>
+            </a:r>
+          </a:p>
+          <a:p>
+            <a:pPr lvl="1"/>
+            <a:r>
+              <a:rPr lang="el-GR" dirty="0"/>
+              <a:t>Έρευνα και δημιουργία στοχευμένων διαφημίσεων</a:t>
+            </a:r>
+          </a:p>
+        </p:txBody>
+      </p:sp>
+    </p:spTree>
+    <p:extLst>
+      <p:ext uri="{BB962C8B-B14F-4D97-AF65-F5344CB8AC3E}">
+        <p14:creationId xmlns:p14="http://schemas.microsoft.com/office/powerpoint/2010/main" val="3349364575"/>
+      </p:ext>
+    </p:extLst>
+  </p:cSld>
+  <p:clrMapOvr>
+    <a:masterClrMapping/>
+  </p:clrMapOvr>
+</p:sld>
+</file>
+
+<file path=ppt/slides/slide6.xml><?xml version="1.0" encoding="utf-8"?>
+<p:sld xmlns:a="http://schemas.openxmlformats.org/drawingml/2006/main" xmlns:r="http://schemas.openxmlformats.org/officeDocument/2006/relationships" xmlns:p="http://schemas.openxmlformats.org/presentationml/2006/main">
+  <p:cSld>
+    <p:spTree>
+      <p:nvGrpSpPr>
+        <p:cNvPr id="1" name=""/>
+        <p:cNvGrpSpPr/>
+        <p:nvPr/>
+      </p:nvGrpSpPr>
+      <p:grpSpPr>
+        <a:xfrm>
+          <a:off x="0" y="0"/>
+          <a:ext cx="0" cy="0"/>
+          <a:chOff x="0" y="0"/>
+          <a:chExt cx="0" cy="0"/>
+        </a:xfrm>
+      </p:grpSpPr>
+      <p:sp>
+        <p:nvSpPr>
+          <p:cNvPr id="2" name="Title 1">
+            <a:extLst>
+              <a:ext uri="{FF2B5EF4-FFF2-40B4-BE49-F238E27FC236}">
+                <a16:creationId xmlns:a16="http://schemas.microsoft.com/office/drawing/2014/main" id="{E6A42B15-6FAD-1203-9246-F1F9EC6230B0}"/>
+              </a:ext>
+            </a:extLst>
+          </p:cNvPr>
+          <p:cNvSpPr>
+            <a:spLocks noGrp="1"/>
+          </p:cNvSpPr>
+          <p:nvPr>
+            <p:ph type="title"/>
+          </p:nvPr>
+        </p:nvSpPr>
+        <p:spPr/>
+        <p:txBody>
+          <a:bodyPr>
+            <a:normAutofit/>
+          </a:bodyPr>
+          <a:lstStyle/>
+          <a:p>
+            <a:r>
+              <a:rPr lang="el-GR" sz="3600" b="1" u="sng" dirty="0">
+                <a:effectLst/>
+                <a:latin typeface="Aptos" panose="020B0004020202020204" pitchFamily="34" charset="0"/>
+                <a:ea typeface="Aptos" panose="020B0004020202020204" pitchFamily="34" charset="0"/>
+                <a:cs typeface="Times New Roman" panose="02020603050405020304" pitchFamily="18" charset="0"/>
+              </a:rPr>
+              <a:t>Πως θα </a:t>
+            </a:r>
+            <a:r>
+              <a:rPr lang="el-GR" sz="3600" b="1" u="sng" dirty="0" err="1">
+                <a:effectLst/>
+                <a:latin typeface="Aptos" panose="020B0004020202020204" pitchFamily="34" charset="0"/>
+                <a:ea typeface="Aptos" panose="020B0004020202020204" pitchFamily="34" charset="0"/>
+                <a:cs typeface="Times New Roman" panose="02020603050405020304" pitchFamily="18" charset="0"/>
+              </a:rPr>
+              <a:t>φΑΙΝΕΤΑΙ</a:t>
+            </a:r>
+            <a:r>
+              <a:rPr lang="el-GR" sz="3600" dirty="0">
+                <a:latin typeface="Aptos" panose="020B0004020202020204" pitchFamily="34" charset="0"/>
+                <a:ea typeface="Aptos" panose="020B0004020202020204" pitchFamily="34" charset="0"/>
+                <a:cs typeface="Times New Roman" panose="02020603050405020304" pitchFamily="18" charset="0"/>
+              </a:rPr>
+              <a:t> </a:t>
+            </a:r>
+            <a:r>
+              <a:rPr lang="el-GR" sz="2800" dirty="0">
+                <a:effectLst/>
+                <a:latin typeface="Aptos" panose="020B0004020202020204" pitchFamily="34" charset="0"/>
+                <a:ea typeface="Aptos" panose="020B0004020202020204" pitchFamily="34" charset="0"/>
+                <a:cs typeface="Times New Roman" panose="02020603050405020304" pitchFamily="18" charset="0"/>
+              </a:rPr>
+              <a:t>#1</a:t>
+            </a:r>
+            <a:endParaRPr lang="en-GR" sz="5400" b="1" dirty="0"/>
+          </a:p>
+        </p:txBody>
+      </p:sp>
+      <p:sp>
+        <p:nvSpPr>
+          <p:cNvPr id="3" name="Content Placeholder 2">
+            <a:extLst>
+              <a:ext uri="{FF2B5EF4-FFF2-40B4-BE49-F238E27FC236}">
+                <a16:creationId xmlns:a16="http://schemas.microsoft.com/office/drawing/2014/main" id="{2AEFF6A6-038A-F8AA-EB9C-6B8630F674E1}"/>
+              </a:ext>
+            </a:extLst>
+          </p:cNvPr>
+          <p:cNvSpPr>
+            <a:spLocks noGrp="1"/>
+          </p:cNvSpPr>
+          <p:nvPr>
+            <p:ph idx="1"/>
+          </p:nvPr>
+        </p:nvSpPr>
+        <p:spPr/>
+        <p:txBody>
+          <a:bodyPr/>
+          <a:lstStyle/>
+          <a:p>
+            <a:endParaRPr lang="en-GR"/>
+          </a:p>
+        </p:txBody>
+      </p:sp>
+    </p:spTree>
+    <p:extLst>
+      <p:ext uri="{BB962C8B-B14F-4D97-AF65-F5344CB8AC3E}">
+        <p14:creationId xmlns:p14="http://schemas.microsoft.com/office/powerpoint/2010/main" val="1671918420"/>
+      </p:ext>
+    </p:extLst>
+  </p:cSld>
+  <p:clrMapOvr>
+    <a:masterClrMapping/>
+  </p:clrMapOvr>
+</p:sld>
+</file>
+
+<file path=ppt/slides/slide7.xml><?xml version="1.0" encoding="utf-8"?>
+<p:sld xmlns:a="http://schemas.openxmlformats.org/drawingml/2006/main" xmlns:r="http://schemas.openxmlformats.org/officeDocument/2006/relationships" xmlns:p="http://schemas.openxmlformats.org/presentationml/2006/main">
+  <p:cSld>
+    <p:spTree>
+      <p:nvGrpSpPr>
+        <p:cNvPr id="1" name=""/>
+        <p:cNvGrpSpPr/>
+        <p:nvPr/>
+      </p:nvGrpSpPr>
+      <p:grpSpPr>
+        <a:xfrm>
+          <a:off x="0" y="0"/>
+          <a:ext cx="0" cy="0"/>
+          <a:chOff x="0" y="0"/>
+          <a:chExt cx="0" cy="0"/>
+        </a:xfrm>
+      </p:grpSpPr>
+      <p:sp>
+        <p:nvSpPr>
+          <p:cNvPr id="2" name="Title 1">
+            <a:extLst>
+              <a:ext uri="{FF2B5EF4-FFF2-40B4-BE49-F238E27FC236}">
+                <a16:creationId xmlns:a16="http://schemas.microsoft.com/office/drawing/2014/main" id="{3EB4FB34-9FAD-14D1-0725-0D1B1164E890}"/>
+              </a:ext>
+            </a:extLst>
+          </p:cNvPr>
+          <p:cNvSpPr>
+            <a:spLocks noGrp="1"/>
+          </p:cNvSpPr>
+          <p:nvPr>
+            <p:ph type="title"/>
+          </p:nvPr>
+        </p:nvSpPr>
+        <p:spPr/>
+        <p:txBody>
+          <a:bodyPr>
+            <a:normAutofit/>
+          </a:bodyPr>
+          <a:lstStyle/>
+          <a:p>
+            <a:r>
+              <a:rPr lang="el-GR" sz="3600" b="1" u="sng" dirty="0">
+                <a:effectLst/>
+                <a:latin typeface="Aptos" panose="020B0004020202020204" pitchFamily="34" charset="0"/>
+                <a:ea typeface="Aptos" panose="020B0004020202020204" pitchFamily="34" charset="0"/>
+                <a:cs typeface="Times New Roman" panose="02020603050405020304" pitchFamily="18" charset="0"/>
+              </a:rPr>
+              <a:t>Πως θα </a:t>
+            </a:r>
+            <a:r>
+              <a:rPr lang="el-GR" sz="3600" b="1" u="sng" dirty="0" err="1">
+                <a:effectLst/>
+                <a:latin typeface="Aptos" panose="020B0004020202020204" pitchFamily="34" charset="0"/>
+                <a:ea typeface="Aptos" panose="020B0004020202020204" pitchFamily="34" charset="0"/>
+                <a:cs typeface="Times New Roman" panose="02020603050405020304" pitchFamily="18" charset="0"/>
+              </a:rPr>
+              <a:t>φΑΙΝΕΤΑΙ</a:t>
+            </a:r>
+            <a:r>
+              <a:rPr lang="el-GR" sz="3600" dirty="0">
+                <a:latin typeface="Aptos" panose="020B0004020202020204" pitchFamily="34" charset="0"/>
+                <a:ea typeface="Aptos" panose="020B0004020202020204" pitchFamily="34" charset="0"/>
+                <a:cs typeface="Times New Roman" panose="02020603050405020304" pitchFamily="18" charset="0"/>
+              </a:rPr>
+              <a:t> </a:t>
+            </a:r>
+            <a:r>
+              <a:rPr lang="el-GR" sz="3600" dirty="0">
+                <a:effectLst/>
+                <a:latin typeface="Aptos" panose="020B0004020202020204" pitchFamily="34" charset="0"/>
+                <a:ea typeface="Aptos" panose="020B0004020202020204" pitchFamily="34" charset="0"/>
+                <a:cs typeface="Times New Roman" panose="02020603050405020304" pitchFamily="18" charset="0"/>
+              </a:rPr>
+              <a:t>#2</a:t>
+            </a:r>
+            <a:endParaRPr lang="en-GR" sz="3600" dirty="0"/>
+          </a:p>
+        </p:txBody>
+      </p:sp>
+      <p:sp>
+        <p:nvSpPr>
+          <p:cNvPr id="3" name="Content Placeholder 2">
+            <a:extLst>
+              <a:ext uri="{FF2B5EF4-FFF2-40B4-BE49-F238E27FC236}">
+                <a16:creationId xmlns:a16="http://schemas.microsoft.com/office/drawing/2014/main" id="{CE4EE26A-0C80-A856-B9FC-0F219CFDB310}"/>
+              </a:ext>
+            </a:extLst>
+          </p:cNvPr>
+          <p:cNvSpPr>
+            <a:spLocks noGrp="1"/>
+          </p:cNvSpPr>
+          <p:nvPr>
+            <p:ph idx="1"/>
+          </p:nvPr>
+        </p:nvSpPr>
+        <p:spPr/>
+        <p:txBody>
+          <a:bodyPr/>
+          <a:lstStyle/>
+          <a:p>
+            <a:endParaRPr lang="en-GR"/>
+          </a:p>
+        </p:txBody>
+      </p:sp>
+    </p:spTree>
+    <p:extLst>
+      <p:ext uri="{BB962C8B-B14F-4D97-AF65-F5344CB8AC3E}">
+        <p14:creationId xmlns:p14="http://schemas.microsoft.com/office/powerpoint/2010/main" val="3578025264"/>
+      </p:ext>
+    </p:extLst>
+  </p:cSld>
+  <p:clrMapOvr>
+    <a:masterClrMapping/>
+  </p:clrMapOvr>
+</p:sld>
+</file>
+
+<file path=ppt/slides/slide8.xml><?xml version="1.0" encoding="utf-8"?>
+<p:sld xmlns:a="http://schemas.openxmlformats.org/drawingml/2006/main" xmlns:r="http://schemas.openxmlformats.org/officeDocument/2006/relationships" xmlns:p="http://schemas.openxmlformats.org/presentationml/2006/main">
+  <p:cSld>
+    <p:spTree>
+      <p:nvGrpSpPr>
+        <p:cNvPr id="1" name=""/>
+        <p:cNvGrpSpPr/>
+        <p:nvPr/>
+      </p:nvGrpSpPr>
+      <p:grpSpPr>
+        <a:xfrm>
+          <a:off x="0" y="0"/>
+          <a:ext cx="0" cy="0"/>
+          <a:chOff x="0" y="0"/>
+          <a:chExt cx="0" cy="0"/>
+        </a:xfrm>
+      </p:grpSpPr>
+      <p:sp>
+        <p:nvSpPr>
+          <p:cNvPr id="2" name="Title 1">
+            <a:extLst>
+              <a:ext uri="{FF2B5EF4-FFF2-40B4-BE49-F238E27FC236}">
+                <a16:creationId xmlns:a16="http://schemas.microsoft.com/office/drawing/2014/main" id="{2FB23CA8-FF13-8A49-DBB7-1A7CB082A5B4}"/>
+              </a:ext>
+            </a:extLst>
+          </p:cNvPr>
+          <p:cNvSpPr>
+            <a:spLocks noGrp="1"/>
+          </p:cNvSpPr>
+          <p:nvPr>
+            <p:ph type="title"/>
+          </p:nvPr>
+        </p:nvSpPr>
+        <p:spPr>
+          <a:xfrm>
+            <a:off x="1451578" y="552271"/>
+            <a:ext cx="9603275" cy="1049235"/>
+          </a:xfrm>
+        </p:spPr>
+        <p:txBody>
+          <a:bodyPr>
+            <a:normAutofit/>
+          </a:bodyPr>
+          <a:lstStyle/>
+          <a:p>
+            <a:r>
+              <a:rPr lang="el-GR" sz="3600" b="1" u="sng" dirty="0">
+                <a:effectLst/>
+                <a:latin typeface="Aptos" panose="020B0004020202020204" pitchFamily="34" charset="0"/>
+                <a:ea typeface="Aptos" panose="020B0004020202020204" pitchFamily="34" charset="0"/>
+                <a:cs typeface="Times New Roman" panose="02020603050405020304" pitchFamily="18" charset="0"/>
+              </a:rPr>
+              <a:t>Πως λειτουργεί</a:t>
+            </a:r>
+            <a:r>
+              <a:rPr lang="en-GR" sz="5400" b="1" u="sng" dirty="0">
+                <a:effectLst/>
+              </a:rPr>
+              <a:t> </a:t>
+            </a:r>
+            <a:endParaRPr lang="en-GR" sz="5400" b="1" u="sng" dirty="0"/>
+          </a:p>
+        </p:txBody>
+      </p:sp>
+      <p:sp>
+        <p:nvSpPr>
+          <p:cNvPr id="3" name="Content Placeholder 2">
+            <a:extLst>
+              <a:ext uri="{FF2B5EF4-FFF2-40B4-BE49-F238E27FC236}">
+                <a16:creationId xmlns:a16="http://schemas.microsoft.com/office/drawing/2014/main" id="{320BCF5A-F1BF-4C86-5F44-8F3E7B77D8E0}"/>
+              </a:ext>
+            </a:extLst>
+          </p:cNvPr>
+          <p:cNvSpPr>
+            <a:spLocks noGrp="1"/>
+          </p:cNvSpPr>
+          <p:nvPr>
+            <p:ph idx="1"/>
+          </p:nvPr>
+        </p:nvSpPr>
+        <p:spPr/>
+        <p:txBody>
+          <a:bodyPr/>
+          <a:lstStyle/>
+          <a:p>
+            <a:r>
+              <a:rPr lang="el-GR" dirty="0"/>
+              <a:t>Βάση δεδομένων:</a:t>
+            </a:r>
+            <a:endParaRPr lang="en-US" dirty="0"/>
+          </a:p>
+          <a:p>
+            <a:pPr lvl="1"/>
+            <a:r>
+              <a:rPr lang="el-GR" dirty="0"/>
+              <a:t>Ασκήσεις αθλημάτων</a:t>
+            </a:r>
+          </a:p>
+          <a:p>
+            <a:pPr lvl="1"/>
+            <a:r>
+              <a:rPr lang="el-GR" dirty="0"/>
+              <a:t>Στοιχεία χρήστη</a:t>
+            </a:r>
+          </a:p>
+          <a:p>
+            <a:pPr lvl="1"/>
+            <a:r>
+              <a:rPr lang="el-GR" dirty="0"/>
+              <a:t>Στατιστικά χρήστη</a:t>
+            </a:r>
+          </a:p>
+          <a:p>
+            <a:r>
+              <a:rPr lang="en-US" dirty="0"/>
+              <a:t>Backend:</a:t>
+            </a:r>
+          </a:p>
+          <a:p>
+            <a:pPr lvl="1"/>
+            <a:r>
+              <a:rPr lang="el-GR" dirty="0"/>
+              <a:t>Συνδυασμός στατιστικών και επιθυμιών του χρήστη για παραγωγή προπονήσεων</a:t>
+            </a:r>
+          </a:p>
+          <a:p>
+            <a:pPr lvl="1"/>
+            <a:r>
+              <a:rPr lang="el-GR" dirty="0"/>
+              <a:t>Ζωντανή διατήρηση και ενημέρωση των στατιστικών κατά την χρήση</a:t>
+            </a:r>
+          </a:p>
+        </p:txBody>
+      </p:sp>
+    </p:spTree>
+    <p:extLst>
+      <p:ext uri="{BB962C8B-B14F-4D97-AF65-F5344CB8AC3E}">
+        <p14:creationId xmlns:p14="http://schemas.microsoft.com/office/powerpoint/2010/main" val="1888021750"/>
+      </p:ext>
+    </p:extLst>
+  </p:cSld>
+  <p:clrMapOvr>
+    <a:masterClrMapping/>
+  </p:clrMapOvr>
+</p:sld>
+</file>
+
+<file path=ppt/slides/slide9.xml><?xml version="1.0" encoding="utf-8"?>
+<p:sld xmlns:a="http://schemas.openxmlformats.org/drawingml/2006/main" xmlns:r="http://schemas.openxmlformats.org/officeDocument/2006/relationships" xmlns:p="http://schemas.openxmlformats.org/presentationml/2006/main">
+  <p:cSld>
+    <p:spTree>
+      <p:nvGrpSpPr>
+        <p:cNvPr id="1" name=""/>
+        <p:cNvGrpSpPr/>
+        <p:nvPr/>
+      </p:nvGrpSpPr>
+      <p:grpSpPr>
+        <a:xfrm>
+          <a:off x="0" y="0"/>
+          <a:ext cx="0" cy="0"/>
+          <a:chOff x="0" y="0"/>
+          <a:chExt cx="0" cy="0"/>
+        </a:xfrm>
+      </p:grpSpPr>
+      <p:sp>
+        <p:nvSpPr>
+          <p:cNvPr id="2" name="Title 1">
+            <a:extLst>
+              <a:ext uri="{FF2B5EF4-FFF2-40B4-BE49-F238E27FC236}">
+                <a16:creationId xmlns:a16="http://schemas.microsoft.com/office/drawing/2014/main" id="{4A69D473-8F7F-639D-B7BA-C23F03485176}"/>
+              </a:ext>
+            </a:extLst>
+          </p:cNvPr>
+          <p:cNvSpPr>
+            <a:spLocks noGrp="1"/>
+          </p:cNvSpPr>
+          <p:nvPr>
+            <p:ph type="title"/>
+          </p:nvPr>
+        </p:nvSpPr>
+        <p:spPr/>
+        <p:txBody>
+          <a:bodyPr>
+            <a:normAutofit/>
+          </a:bodyPr>
+          <a:lstStyle/>
+          <a:p>
+            <a:r>
+              <a:rPr lang="en-US" sz="3600" b="1" u="sng" dirty="0">
+                <a:effectLst/>
+                <a:latin typeface="Aptos" panose="020B0004020202020204" pitchFamily="34" charset="0"/>
+                <a:ea typeface="Aptos" panose="020B0004020202020204" pitchFamily="34" charset="0"/>
+                <a:cs typeface="Times New Roman" panose="02020603050405020304" pitchFamily="18" charset="0"/>
+              </a:rPr>
+              <a:t>User Retention - Gamification</a:t>
+            </a:r>
+            <a:r>
+              <a:rPr lang="en-GR" sz="3600" b="1" u="sng" dirty="0">
+                <a:effectLst/>
+              </a:rPr>
+              <a:t> </a:t>
+            </a:r>
+            <a:endParaRPr lang="en-GR" sz="3600" b="1" u="sng" dirty="0"/>
+          </a:p>
+        </p:txBody>
+      </p:sp>
+      <p:sp>
+        <p:nvSpPr>
+          <p:cNvPr id="3" name="Content Placeholder 2">
+            <a:extLst>
+              <a:ext uri="{FF2B5EF4-FFF2-40B4-BE49-F238E27FC236}">
+                <a16:creationId xmlns:a16="http://schemas.microsoft.com/office/drawing/2014/main" id="{325F15B8-862C-2DCE-FD11-A3D207F22D6D}"/>
+              </a:ext>
+            </a:extLst>
+          </p:cNvPr>
+          <p:cNvSpPr>
+            <a:spLocks noGrp="1"/>
+          </p:cNvSpPr>
+          <p:nvPr>
+            <p:ph idx="1"/>
+          </p:nvPr>
+        </p:nvSpPr>
+        <p:spPr>
+          <a:xfrm>
+            <a:off x="1451578" y="2198612"/>
+            <a:ext cx="9603275" cy="3450613"/>
+          </a:xfrm>
+        </p:spPr>
+        <p:txBody>
+          <a:bodyPr/>
+          <a:lstStyle/>
+          <a:p>
+            <a:r>
+              <a:rPr lang="el-GR" dirty="0"/>
+              <a:t>Συλλογή πόντων με την ολοκλήρωση προπονήσεων </a:t>
+            </a:r>
+          </a:p>
+          <a:p>
+            <a:r>
+              <a:rPr lang="el-GR" dirty="0"/>
+              <a:t>Επιπλέον επιβράβευση σε πόντους με βάση τις συνεχόμενες προπονήσεις</a:t>
+            </a:r>
+          </a:p>
+          <a:p>
+            <a:r>
+              <a:rPr lang="el-GR" dirty="0"/>
+              <a:t>Εξαργύρωση πόντων</a:t>
+            </a:r>
+          </a:p>
+          <a:p>
+            <a:pPr lvl="1"/>
+            <a:r>
+              <a:rPr lang="el-GR" dirty="0"/>
+              <a:t>Σταδιακό ξεκλείδωμα ασκήσεων</a:t>
+            </a:r>
+          </a:p>
+          <a:p>
+            <a:pPr lvl="1"/>
+            <a:r>
+              <a:rPr lang="el-GR" dirty="0"/>
+              <a:t>1 μήνα δωρεάν συνδρομή</a:t>
+            </a:r>
+          </a:p>
+          <a:p>
+            <a:pPr lvl="1"/>
+            <a:r>
+              <a:rPr lang="en-US"/>
+              <a:t>Streak freeze </a:t>
+            </a:r>
+            <a:endParaRPr lang="el-GR" dirty="0"/>
+          </a:p>
+        </p:txBody>
+      </p:sp>
+    </p:spTree>
+    <p:extLst>
+      <p:ext uri="{BB962C8B-B14F-4D97-AF65-F5344CB8AC3E}">
+        <p14:creationId xmlns:p14="http://schemas.microsoft.com/office/powerpoint/2010/main" val="1945730331"/>
+      </p:ext>
+    </p:extLst>
+  </p:cSld>
+  <p:clrMapOvr>
+    <a:masterClrMapping/>
+  </p:clrMapOvr>
+</p:sld>
+</file>
+
 <file path=ppt/theme/theme1.xml><?xml version="1.0" encoding="utf-8"?>
-<a:theme xmlns:a="http://schemas.openxmlformats.org/drawingml/2006/main" name="Office Theme">
+<a:theme xmlns:a="http://schemas.openxmlformats.org/drawingml/2006/main" name="Gallery">
   <a:themeElements>
-    <a:clrScheme name="Office">
+    <a:clrScheme name="Gallery">
       <a:dk1>
         <a:sysClr val="windowText" lastClr="000000"/>
       </a:dk1>
@@ -3706,39 +5101,39 @@
         <a:sysClr val="window" lastClr="FFFFFF"/>
       </a:lt1>
       <a:dk2>
-        <a:srgbClr val="44546A"/>
+        <a:srgbClr val="454545"/>
       </a:dk2>
       <a:lt2>
-        <a:srgbClr val="E7E6E6"/>
+        <a:srgbClr val="DFDBD5"/>
       </a:lt2>
       <a:accent1>
-        <a:srgbClr val="4472C4"/>
+        <a:srgbClr val="B71E42"/>
       </a:accent1>
       <a:accent2>
-        <a:srgbClr val="ED7D31"/>
+        <a:srgbClr val="DE478E"/>
       </a:accent2>
       <a:accent3>
-        <a:srgbClr val="A5A5A5"/>
+        <a:srgbClr val="BC72F0"/>
       </a:accent3>
       <a:accent4>
-        <a:srgbClr val="FFC000"/>
+        <a:srgbClr val="795FAF"/>
       </a:accent4>
       <a:accent5>
-        <a:srgbClr val="5B9BD5"/>
+        <a:srgbClr val="586EA6"/>
       </a:accent5>
       <a:accent6>
-        <a:srgbClr val="70AD47"/>
+        <a:srgbClr val="6892A0"/>
       </a:accent6>
       <a:hlink>
-        <a:srgbClr val="0563C1"/>
+        <a:srgbClr val="FA2B5C"/>
       </a:hlink>
       <a:folHlink>
-        <a:srgbClr val="954F72"/>
+        <a:srgbClr val="BC658E"/>
       </a:folHlink>
     </a:clrScheme>
-    <a:fontScheme name="Office">
+    <a:fontScheme name="Gallery">
       <a:majorFont>
-        <a:latin typeface="Calibri Light" panose="020F0302020204030204"/>
+        <a:latin typeface="Gill Sans MT" panose="020B0502020104020203"/>
         <a:ea typeface=""/>
         <a:cs typeface=""/>
         <a:font script="Jpan" typeface="游ゴシック Light"/>
@@ -3771,26 +5166,9 @@
         <a:font script="Viet" typeface="Times New Roman"/>
         <a:font script="Uigh" typeface="Microsoft Uighur"/>
         <a:font script="Geor" typeface="Sylfaen"/>
-        <a:font script="Armn" typeface="Arial"/>
-        <a:font script="Bugi" typeface="Leelawadee UI"/>
-        <a:font script="Bopo" typeface="Microsoft JhengHei"/>
-        <a:font script="Java" typeface="Javanese Text"/>
-        <a:font script="Lisu" typeface="Segoe UI"/>
-        <a:font script="Mymr" typeface="Myanmar Text"/>
-        <a:font script="Nkoo" typeface="Ebrima"/>
-        <a:font script="Olck" typeface="Nirmala UI"/>
-        <a:font script="Osma" typeface="Ebrima"/>
-        <a:font script="Phag" typeface="Phagspa"/>
-        <a:font script="Syrn" typeface="Estrangelo Edessa"/>
-        <a:font script="Syrj" typeface="Estrangelo Edessa"/>
-        <a:font script="Syre" typeface="Estrangelo Edessa"/>
-        <a:font script="Sora" typeface="Nirmala UI"/>
-        <a:font script="Tale" typeface="Microsoft Tai Le"/>
-        <a:font script="Talu" typeface="Microsoft New Tai Lue"/>
-        <a:font script="Tfng" typeface="Ebrima"/>
       </a:majorFont>
       <a:minorFont>
-        <a:latin typeface="Calibri" panose="020F0502020204030204"/>
+        <a:latin typeface="Gill Sans MT" panose="020B0502020104020203"/>
         <a:ea typeface=""/>
         <a:cs typeface=""/>
         <a:font script="Jpan" typeface="游ゴシック"/>
@@ -3823,26 +5201,9 @@
         <a:font script="Viet" typeface="Arial"/>
         <a:font script="Uigh" typeface="Microsoft Uighur"/>
         <a:font script="Geor" typeface="Sylfaen"/>
-        <a:font script="Armn" typeface="Arial"/>
-        <a:font script="Bugi" typeface="Leelawadee UI"/>
-        <a:font script="Bopo" typeface="Microsoft JhengHei"/>
-        <a:font script="Java" typeface="Javanese Text"/>
-        <a:font script="Lisu" typeface="Segoe UI"/>
-        <a:font script="Mymr" typeface="Myanmar Text"/>
-        <a:font script="Nkoo" typeface="Ebrima"/>
-        <a:font script="Olck" typeface="Nirmala UI"/>
-        <a:font script="Osma" typeface="Ebrima"/>
-        <a:font script="Phag" typeface="Phagspa"/>
-        <a:font script="Syrn" typeface="Estrangelo Edessa"/>
-        <a:font script="Syrj" typeface="Estrangelo Edessa"/>
-        <a:font script="Syre" typeface="Estrangelo Edessa"/>
-        <a:font script="Sora" typeface="Nirmala UI"/>
-        <a:font script="Tale" typeface="Microsoft Tai Le"/>
-        <a:font script="Talu" typeface="Microsoft New Tai Lue"/>
-        <a:font script="Tfng" typeface="Ebrima"/>
       </a:minorFont>
     </a:fontScheme>
-    <a:fmtScheme name="Office">
+    <a:fmtScheme name="Gallery">
       <a:fillStyleLst>
         <a:solidFill>
           <a:schemeClr val="phClr"/>
@@ -3851,23 +5212,18 @@
           <a:gsLst>
             <a:gs pos="0">
               <a:schemeClr val="phClr">
+                <a:tint val="54000"/>
+                <a:alpha val="100000"/>
+                <a:satMod val="105000"/>
                 <a:lumMod val="110000"/>
-                <a:satMod val="105000"/>
-                <a:tint val="67000"/>
-              </a:schemeClr>
-            </a:gs>
-            <a:gs pos="50000">
-              <a:schemeClr val="phClr">
-                <a:lumMod val="105000"/>
-                <a:satMod val="103000"/>
-                <a:tint val="73000"/>
               </a:schemeClr>
             </a:gs>
             <a:gs pos="100000">
               <a:schemeClr val="phClr">
-                <a:lumMod val="105000"/>
+                <a:tint val="78000"/>
+                <a:alpha val="92000"/>
                 <a:satMod val="109000"/>
-                <a:tint val="81000"/>
+                <a:lumMod val="100000"/>
               </a:schemeClr>
             </a:gs>
           </a:gsLst>
@@ -3877,23 +5233,23 @@
           <a:gsLst>
             <a:gs pos="0">
               <a:schemeClr val="phClr">
-                <a:satMod val="103000"/>
-                <a:lumMod val="102000"/>
-                <a:tint val="94000"/>
+                <a:tint val="98000"/>
+                <a:satMod val="110000"/>
+                <a:lumMod val="104000"/>
               </a:schemeClr>
             </a:gs>
-            <a:gs pos="50000">
+            <a:gs pos="69000">
               <a:schemeClr val="phClr">
-                <a:satMod val="110000"/>
-                <a:lumMod val="100000"/>
-                <a:shade val="100000"/>
+                <a:shade val="88000"/>
+                <a:satMod val="130000"/>
+                <a:lumMod val="92000"/>
               </a:schemeClr>
             </a:gs>
             <a:gs pos="100000">
               <a:schemeClr val="phClr">
-                <a:lumMod val="99000"/>
-                <a:satMod val="120000"/>
                 <a:shade val="78000"/>
+                <a:satMod val="130000"/>
+                <a:lumMod val="92000"/>
               </a:schemeClr>
             </a:gs>
           </a:gsLst>
@@ -3901,26 +5257,23 @@
         </a:gradFill>
       </a:fillStyleLst>
       <a:lnStyleLst>
-        <a:ln w="6350" cap="flat" cmpd="sng" algn="ctr">
+        <a:ln w="9525" cap="flat" cmpd="sng" algn="ctr">
           <a:solidFill>
             <a:schemeClr val="phClr"/>
           </a:solidFill>
           <a:prstDash val="solid"/>
-          <a:miter lim="800000"/>
         </a:ln>
-        <a:ln w="12700" cap="flat" cmpd="sng" algn="ctr">
+        <a:ln w="15875" cap="flat" cmpd="sng" algn="ctr">
           <a:solidFill>
             <a:schemeClr val="phClr"/>
           </a:solidFill>
           <a:prstDash val="solid"/>
-          <a:miter lim="800000"/>
         </a:ln>
-        <a:ln w="19050" cap="flat" cmpd="sng" algn="ctr">
+        <a:ln w="22225" cap="flat" cmpd="sng" algn="ctr">
           <a:solidFill>
             <a:schemeClr val="phClr"/>
           </a:solidFill>
           <a:prstDash val="solid"/>
-          <a:miter lim="800000"/>
         </a:ln>
       </a:lnStyleLst>
       <a:effectStyleLst>
@@ -3932,12 +5285,23 @@
         </a:effectStyle>
         <a:effectStyle>
           <a:effectLst>
-            <a:outerShdw blurRad="57150" dist="19050" dir="5400000" algn="ctr" rotWithShape="0">
+            <a:outerShdw blurRad="50800" dist="50800" dir="5400000" sx="96000" sy="96000" rotWithShape="0">
               <a:srgbClr val="000000">
-                <a:alpha val="63000"/>
+                <a:alpha val="48000"/>
               </a:srgbClr>
             </a:outerShdw>
           </a:effectLst>
+          <a:scene3d>
+            <a:camera prst="orthographicFront">
+              <a:rot lat="0" lon="0" rev="0"/>
+            </a:camera>
+            <a:lightRig rig="balanced" dir="t">
+              <a:rot lat="0" lon="0" rev="1080000"/>
+            </a:lightRig>
+          </a:scene3d>
+          <a:sp3d>
+            <a:bevelT w="38100" h="12700" prst="softRound"/>
+          </a:sp3d>
         </a:effectStyle>
       </a:effectStyleLst>
       <a:bgFillStyleLst>
@@ -3945,37 +5309,26 @@
           <a:schemeClr val="phClr"/>
         </a:solidFill>
         <a:solidFill>
-          <a:schemeClr val="phClr">
-            <a:tint val="95000"/>
-            <a:satMod val="170000"/>
-          </a:schemeClr>
+          <a:schemeClr val="phClr"/>
         </a:solidFill>
         <a:gradFill rotWithShape="1">
           <a:gsLst>
             <a:gs pos="0">
               <a:schemeClr val="phClr">
-                <a:tint val="93000"/>
-                <a:satMod val="150000"/>
-                <a:shade val="98000"/>
-                <a:lumMod val="102000"/>
-              </a:schemeClr>
-            </a:gs>
-            <a:gs pos="50000">
-              <a:schemeClr val="phClr">
-                <a:tint val="98000"/>
-                <a:satMod val="130000"/>
-                <a:shade val="90000"/>
-                <a:lumMod val="103000"/>
+                <a:tint val="94000"/>
+                <a:satMod val="80000"/>
+                <a:lumMod val="106000"/>
               </a:schemeClr>
             </a:gs>
             <a:gs pos="100000">
               <a:schemeClr val="phClr">
-                <a:shade val="63000"/>
-                <a:satMod val="120000"/>
+                <a:shade val="80000"/>
               </a:schemeClr>
             </a:gs>
           </a:gsLst>
-          <a:lin ang="5400000" scaled="0"/>
+          <a:path path="circle">
+            <a:fillToRect l="50000" t="50000" r="50000" b="50000"/>
+          </a:path>
         </a:gradFill>
       </a:bgFillStyleLst>
     </a:fmtScheme>
@@ -3984,7 +5337,7 @@
   <a:extraClrSchemeLst/>
   <a:extLst>
     <a:ext uri="{05A4C25C-085E-4340-85A3-A5531E510DB2}">
-      <thm15:themeFamily xmlns:thm15="http://schemas.microsoft.com/office/thememl/2012/main" name="Office Theme" id="{62F939B6-93AF-4DB8-9C6B-D6C7DFDC589F}" vid="{4A3C46E8-61CC-4603-A589-7422A47A8E4A}"/>
+      <thm15:themeFamily xmlns:thm15="http://schemas.microsoft.com/office/thememl/2012/main" name="Gallery" id="{BBFCD31E-59A1-489D-B089-A3EAD7CAE12E}" vid="{F5E91637-A7B6-4E27-B710-77DA7014EE1E}"/>
     </a:ext>
   </a:extLst>
 </a:theme>

--- a/Φ2/Presentation1.pptx
+++ b/Φ2/Presentation1.pptx
@@ -11,12 +11,11 @@
     <p:sldId id="259" r:id="rId5"/>
     <p:sldId id="260" r:id="rId6"/>
     <p:sldId id="261" r:id="rId7"/>
-    <p:sldId id="262" r:id="rId8"/>
-    <p:sldId id="264" r:id="rId9"/>
-    <p:sldId id="265" r:id="rId10"/>
-    <p:sldId id="263" r:id="rId11"/>
-    <p:sldId id="266" r:id="rId12"/>
-    <p:sldId id="267" r:id="rId13"/>
+    <p:sldId id="264" r:id="rId8"/>
+    <p:sldId id="265" r:id="rId9"/>
+    <p:sldId id="263" r:id="rId10"/>
+    <p:sldId id="266" r:id="rId11"/>
+    <p:sldId id="267" r:id="rId12"/>
   </p:sldIdLst>
   <p:sldSz cx="12192000" cy="6858000"/>
   <p:notesSz cx="6858000" cy="9144000"/>
@@ -262,7 +261,7 @@
           <a:p>
             <a:fld id="{B8C0CCF5-40D8-6B43-AE31-DCC4D10E5115}" type="datetimeFigureOut">
               <a:rPr lang="en-GR" smtClean="0"/>
-              <a:t>29/3/24</a:t>
+              <a:t>03/30/2024</a:t>
             </a:fld>
             <a:endParaRPr lang="en-GR"/>
           </a:p>
@@ -473,7 +472,7 @@
           <a:p>
             <a:fld id="{B8C0CCF5-40D8-6B43-AE31-DCC4D10E5115}" type="datetimeFigureOut">
               <a:rPr lang="en-GR" smtClean="0"/>
-              <a:t>29/3/24</a:t>
+              <a:t>03/30/2024</a:t>
             </a:fld>
             <a:endParaRPr lang="en-GR"/>
           </a:p>
@@ -688,7 +687,7 @@
           <a:p>
             <a:fld id="{B8C0CCF5-40D8-6B43-AE31-DCC4D10E5115}" type="datetimeFigureOut">
               <a:rPr lang="en-GR" smtClean="0"/>
-              <a:t>29/3/24</a:t>
+              <a:t>03/30/2024</a:t>
             </a:fld>
             <a:endParaRPr lang="en-GR"/>
           </a:p>
@@ -889,7 +888,7 @@
           <a:p>
             <a:fld id="{B8C0CCF5-40D8-6B43-AE31-DCC4D10E5115}" type="datetimeFigureOut">
               <a:rPr lang="en-GR" smtClean="0"/>
-              <a:t>29/3/24</a:t>
+              <a:t>03/30/2024</a:t>
             </a:fld>
             <a:endParaRPr lang="en-GR"/>
           </a:p>
@@ -1168,7 +1167,7 @@
           <a:p>
             <a:fld id="{B8C0CCF5-40D8-6B43-AE31-DCC4D10E5115}" type="datetimeFigureOut">
               <a:rPr lang="en-GR" smtClean="0"/>
-              <a:t>29/3/24</a:t>
+              <a:t>03/30/2024</a:t>
             </a:fld>
             <a:endParaRPr lang="en-GR"/>
           </a:p>
@@ -1436,7 +1435,7 @@
           <a:p>
             <a:fld id="{B8C0CCF5-40D8-6B43-AE31-DCC4D10E5115}" type="datetimeFigureOut">
               <a:rPr lang="en-GR" smtClean="0"/>
-              <a:t>29/3/24</a:t>
+              <a:t>03/30/2024</a:t>
             </a:fld>
             <a:endParaRPr lang="en-GR"/>
           </a:p>
@@ -1852,7 +1851,7 @@
           <a:p>
             <a:fld id="{B8C0CCF5-40D8-6B43-AE31-DCC4D10E5115}" type="datetimeFigureOut">
               <a:rPr lang="en-GR" smtClean="0"/>
-              <a:t>29/3/24</a:t>
+              <a:t>03/30/2024</a:t>
             </a:fld>
             <a:endParaRPr lang="en-GR"/>
           </a:p>
@@ -2001,7 +2000,7 @@
           <a:p>
             <a:fld id="{B8C0CCF5-40D8-6B43-AE31-DCC4D10E5115}" type="datetimeFigureOut">
               <a:rPr lang="en-GR" smtClean="0"/>
-              <a:t>29/3/24</a:t>
+              <a:t>03/30/2024</a:t>
             </a:fld>
             <a:endParaRPr lang="en-GR"/>
           </a:p>
@@ -2127,7 +2126,7 @@
           <a:p>
             <a:fld id="{B8C0CCF5-40D8-6B43-AE31-DCC4D10E5115}" type="datetimeFigureOut">
               <a:rPr lang="en-GR" smtClean="0"/>
-              <a:t>29/3/24</a:t>
+              <a:t>03/30/2024</a:t>
             </a:fld>
             <a:endParaRPr lang="en-GR"/>
           </a:p>
@@ -2378,7 +2377,7 @@
           <a:p>
             <a:fld id="{B8C0CCF5-40D8-6B43-AE31-DCC4D10E5115}" type="datetimeFigureOut">
               <a:rPr lang="en-GR" smtClean="0"/>
-              <a:t>29/3/24</a:t>
+              <a:t>03/30/2024</a:t>
             </a:fld>
             <a:endParaRPr lang="en-GR"/>
           </a:p>
@@ -2823,7 +2822,7 @@
           <a:p>
             <a:fld id="{B8C0CCF5-40D8-6B43-AE31-DCC4D10E5115}" type="datetimeFigureOut">
               <a:rPr lang="en-GR" smtClean="0"/>
-              <a:t>29/3/24</a:t>
+              <a:t>03/30/2024</a:t>
             </a:fld>
             <a:endParaRPr lang="en-GR"/>
           </a:p>
@@ -3150,7 +3149,7 @@
           <a:p>
             <a:fld id="{B8C0CCF5-40D8-6B43-AE31-DCC4D10E5115}" type="datetimeFigureOut">
               <a:rPr lang="en-GR" smtClean="0"/>
-              <a:t>29/3/24</a:t>
+              <a:t>03/30/2024</a:t>
             </a:fld>
             <a:endParaRPr lang="en-GR"/>
           </a:p>
@@ -3754,130 +3753,6 @@
           <p:cNvPr id="2" name="Title 1">
             <a:extLst>
               <a:ext uri="{FF2B5EF4-FFF2-40B4-BE49-F238E27FC236}">
-                <a16:creationId xmlns:a16="http://schemas.microsoft.com/office/drawing/2014/main" id="{ECDA364F-68AA-8FCE-946C-E0A0CA876D14}"/>
-              </a:ext>
-            </a:extLst>
-          </p:cNvPr>
-          <p:cNvSpPr>
-            <a:spLocks noGrp="1"/>
-          </p:cNvSpPr>
-          <p:nvPr>
-            <p:ph type="title"/>
-          </p:nvPr>
-        </p:nvSpPr>
-        <p:spPr/>
-        <p:txBody>
-          <a:bodyPr>
-            <a:normAutofit/>
-          </a:bodyPr>
-          <a:lstStyle/>
-          <a:p>
-            <a:r>
-              <a:rPr lang="el-GR" sz="3600" b="1" u="sng" dirty="0">
-                <a:effectLst/>
-                <a:latin typeface="Aptos" panose="020B0004020202020204" pitchFamily="34" charset="0"/>
-                <a:ea typeface="Aptos" panose="020B0004020202020204" pitchFamily="34" charset="0"/>
-                <a:cs typeface="Times New Roman" panose="02020603050405020304" pitchFamily="18" charset="0"/>
-              </a:rPr>
-              <a:t>Τι χρειαζόμαστε</a:t>
-            </a:r>
-            <a:r>
-              <a:rPr lang="en-US" sz="3600" b="1" u="sng" dirty="0">
-                <a:effectLst/>
-                <a:latin typeface="Aptos" panose="020B0004020202020204" pitchFamily="34" charset="0"/>
-                <a:ea typeface="Aptos" panose="020B0004020202020204" pitchFamily="34" charset="0"/>
-                <a:cs typeface="Times New Roman" panose="02020603050405020304" pitchFamily="18" charset="0"/>
-              </a:rPr>
-              <a:t> (</a:t>
-            </a:r>
-            <a:r>
-              <a:rPr lang="el-GR" sz="3600" b="1" u="sng" dirty="0">
-                <a:effectLst/>
-                <a:latin typeface="Aptos" panose="020B0004020202020204" pitchFamily="34" charset="0"/>
-                <a:ea typeface="Aptos" panose="020B0004020202020204" pitchFamily="34" charset="0"/>
-                <a:cs typeface="Times New Roman" panose="02020603050405020304" pitchFamily="18" charset="0"/>
-              </a:rPr>
-              <a:t>Χρονικά</a:t>
-            </a:r>
-            <a:r>
-              <a:rPr lang="en-US" sz="3600" b="1" u="sng" dirty="0">
-                <a:effectLst/>
-                <a:latin typeface="Aptos" panose="020B0004020202020204" pitchFamily="34" charset="0"/>
-                <a:ea typeface="Aptos" panose="020B0004020202020204" pitchFamily="34" charset="0"/>
-                <a:cs typeface="Times New Roman" panose="02020603050405020304" pitchFamily="18" charset="0"/>
-              </a:rPr>
-              <a:t>)</a:t>
-            </a:r>
-            <a:r>
-              <a:rPr lang="en-GR" sz="3600" b="1" u="sng" dirty="0">
-                <a:effectLst/>
-              </a:rPr>
-              <a:t> </a:t>
-            </a:r>
-            <a:endParaRPr lang="en-GR" sz="3600" b="1" u="sng" dirty="0"/>
-          </a:p>
-        </p:txBody>
-      </p:sp>
-      <p:sp>
-        <p:nvSpPr>
-          <p:cNvPr id="3" name="Content Placeholder 2">
-            <a:extLst>
-              <a:ext uri="{FF2B5EF4-FFF2-40B4-BE49-F238E27FC236}">
-                <a16:creationId xmlns:a16="http://schemas.microsoft.com/office/drawing/2014/main" id="{67752842-61AE-20E6-3FEE-669AF36DC5D7}"/>
-              </a:ext>
-            </a:extLst>
-          </p:cNvPr>
-          <p:cNvSpPr>
-            <a:spLocks noGrp="1"/>
-          </p:cNvSpPr>
-          <p:nvPr>
-            <p:ph idx="1"/>
-          </p:nvPr>
-        </p:nvSpPr>
-        <p:spPr/>
-        <p:txBody>
-          <a:bodyPr/>
-          <a:lstStyle/>
-          <a:p>
-            <a:endParaRPr lang="en-GR" dirty="0"/>
-          </a:p>
-        </p:txBody>
-      </p:sp>
-    </p:spTree>
-    <p:extLst>
-      <p:ext uri="{BB962C8B-B14F-4D97-AF65-F5344CB8AC3E}">
-        <p14:creationId xmlns:p14="http://schemas.microsoft.com/office/powerpoint/2010/main" val="3068981651"/>
-      </p:ext>
-    </p:extLst>
-  </p:cSld>
-  <p:clrMapOvr>
-    <a:masterClrMapping/>
-  </p:clrMapOvr>
-</p:sld>
-</file>
-
-<file path=ppt/slides/slide11.xml><?xml version="1.0" encoding="utf-8"?>
-<p:sld xmlns:a="http://schemas.openxmlformats.org/drawingml/2006/main" xmlns:r="http://schemas.openxmlformats.org/officeDocument/2006/relationships" xmlns:p="http://schemas.openxmlformats.org/presentationml/2006/main">
-  <p:cSld>
-    <p:spTree>
-      <p:nvGrpSpPr>
-        <p:cNvPr id="1" name=""/>
-        <p:cNvGrpSpPr/>
-        <p:nvPr/>
-      </p:nvGrpSpPr>
-      <p:grpSpPr>
-        <a:xfrm>
-          <a:off x="0" y="0"/>
-          <a:ext cx="0" cy="0"/>
-          <a:chOff x="0" y="0"/>
-          <a:chExt cx="0" cy="0"/>
-        </a:xfrm>
-      </p:grpSpPr>
-      <p:sp>
-        <p:nvSpPr>
-          <p:cNvPr id="2" name="Title 1">
-            <a:extLst>
-              <a:ext uri="{FF2B5EF4-FFF2-40B4-BE49-F238E27FC236}">
                 <a16:creationId xmlns:a16="http://schemas.microsoft.com/office/drawing/2014/main" id="{E9C572C2-6A64-EA6B-9A07-916FBD4BB716}"/>
               </a:ext>
             </a:extLst>
@@ -3958,7 +3833,7 @@
 </p:sld>
 </file>
 
-<file path=ppt/slides/slide12.xml><?xml version="1.0" encoding="utf-8"?>
+<file path=ppt/slides/slide11.xml><?xml version="1.0" encoding="utf-8"?>
 <p:sld xmlns:a="http://schemas.openxmlformats.org/drawingml/2006/main" xmlns:r="http://schemas.openxmlformats.org/officeDocument/2006/relationships" xmlns:p="http://schemas.openxmlformats.org/presentationml/2006/main">
   <p:cSld>
     <p:spTree>
@@ -4151,7 +4026,7 @@
             <a:pPr algn="just"/>
             <a:r>
               <a:rPr lang="el-GR" sz="3600" b="1" u="sng" dirty="0"/>
-              <a:t>Γενική ιδέα</a:t>
+              <a:t>ΓενικΗ ΙΔΕΑ</a:t>
             </a:r>
             <a:endParaRPr lang="en-GR" sz="3600" b="1" u="sng" dirty="0"/>
           </a:p>
@@ -4294,31 +4169,35 @@
           </a:p>
         </p:txBody>
       </p:sp>
-      <p:sp>
-        <p:nvSpPr>
-          <p:cNvPr id="3" name="Content Placeholder 2">
+      <p:pic>
+        <p:nvPicPr>
+          <p:cNvPr id="5" name="Content Placeholder 4" descr="A graph of blue bars&#10;&#10;Description automatically generated with medium confidence">
             <a:extLst>
               <a:ext uri="{FF2B5EF4-FFF2-40B4-BE49-F238E27FC236}">
-                <a16:creationId xmlns:a16="http://schemas.microsoft.com/office/drawing/2014/main" id="{79D86690-EBD6-31C7-6085-E716DAAD17F3}"/>
+                <a16:creationId xmlns:a16="http://schemas.microsoft.com/office/drawing/2014/main" id="{19B656C5-A16E-AAE0-B894-969730A5493B}"/>
               </a:ext>
             </a:extLst>
           </p:cNvPr>
-          <p:cNvSpPr>
-            <a:spLocks noGrp="1"/>
-          </p:cNvSpPr>
+          <p:cNvPicPr>
+            <a:picLocks noGrp="1" noChangeAspect="1"/>
+          </p:cNvPicPr>
           <p:nvPr>
             <p:ph idx="1"/>
           </p:nvPr>
-        </p:nvSpPr>
-        <p:spPr/>
-        <p:txBody>
-          <a:bodyPr/>
-          <a:lstStyle/>
-          <a:p>
-            <a:endParaRPr lang="en-GR" dirty="0"/>
-          </a:p>
-        </p:txBody>
-      </p:sp>
+        </p:nvPicPr>
+        <p:blipFill>
+          <a:blip r:embed="rId2"/>
+          <a:stretch>
+            <a:fillRect/>
+          </a:stretch>
+        </p:blipFill>
+        <p:spPr>
+          <a:xfrm>
+            <a:off x="1451579" y="1936017"/>
+            <a:ext cx="9332757" cy="4191753"/>
+          </a:xfrm>
+        </p:spPr>
+      </p:pic>
     </p:spTree>
     <p:extLst>
       <p:ext uri="{BB962C8B-B14F-4D97-AF65-F5344CB8AC3E}">
@@ -4404,12 +4283,57 @@
             <p:ph idx="1"/>
           </p:nvPr>
         </p:nvSpPr>
-        <p:spPr/>
-        <p:txBody>
-          <a:bodyPr/>
-          <a:lstStyle/>
-          <a:p>
-            <a:endParaRPr lang="en-GR"/>
+        <p:spPr>
+          <a:xfrm>
+            <a:off x="1451579" y="2015731"/>
+            <a:ext cx="9603275" cy="4037749"/>
+          </a:xfrm>
+        </p:spPr>
+        <p:txBody>
+          <a:bodyPr>
+            <a:normAutofit/>
+          </a:bodyPr>
+          <a:lstStyle/>
+          <a:p>
+            <a:r>
+              <a:rPr lang="el-GR" sz="2400" dirty="0"/>
+              <a:t>Το 1/3 των Ευρωπαίων περνάει τουλάχιστον150 λεπτά την εβδομάδα κάνοντας κάποια μορφή άσκησης.</a:t>
+            </a:r>
+          </a:p>
+          <a:p>
+            <a:r>
+              <a:rPr lang="en-US" sz="2400" dirty="0"/>
+              <a:t>“Practice of sports in general population”</a:t>
+            </a:r>
+            <a:r>
+              <a:rPr lang="el-GR" sz="2400" dirty="0"/>
+              <a:t> στο </a:t>
+            </a:r>
+            <a:r>
+              <a:rPr lang="en-US" sz="2400" dirty="0"/>
+              <a:t>PubMed 2020:</a:t>
+            </a:r>
+            <a:r>
+              <a:rPr lang="el-GR" sz="2400" dirty="0"/>
+              <a:t> Παραπάνω του 50% των αθλητών προπονούνται μόνοι τους!</a:t>
+            </a:r>
+          </a:p>
+          <a:p>
+            <a:r>
+              <a:rPr lang="el-GR" sz="2400" dirty="0"/>
+              <a:t>ΔΕΝ υπάρχουν αντίστοιχες εφαρμογές.</a:t>
+            </a:r>
+          </a:p>
+          <a:p>
+            <a:r>
+              <a:rPr lang="el-GR" sz="2400" dirty="0"/>
+              <a:t>Υπάρχουν μόνο παρόμοιες που συγκεντρώνονται στην γυμναστική, με αυτές να έχουν πολλά </a:t>
+            </a:r>
+            <a:r>
+              <a:rPr lang="en-US" sz="2400" dirty="0"/>
+              <a:t>downloads.</a:t>
+            </a:r>
+            <a:endParaRPr lang="en-GR" sz="2400" dirty="0"/>
           </a:p>
         </p:txBody>
       </p:sp>
@@ -4628,52 +4552,188 @@
               </a:rPr>
               <a:t>φΑΙΝΕΤΑΙ</a:t>
             </a:r>
-            <a:r>
-              <a:rPr lang="el-GR" sz="3600" dirty="0">
-                <a:latin typeface="Aptos" panose="020B0004020202020204" pitchFamily="34" charset="0"/>
-                <a:ea typeface="Aptos" panose="020B0004020202020204" pitchFamily="34" charset="0"/>
-                <a:cs typeface="Times New Roman" panose="02020603050405020304" pitchFamily="18" charset="0"/>
-              </a:rPr>
-              <a:t> </a:t>
-            </a:r>
-            <a:r>
-              <a:rPr lang="el-GR" sz="2800" dirty="0">
-                <a:effectLst/>
-                <a:latin typeface="Aptos" panose="020B0004020202020204" pitchFamily="34" charset="0"/>
-                <a:ea typeface="Aptos" panose="020B0004020202020204" pitchFamily="34" charset="0"/>
-                <a:cs typeface="Times New Roman" panose="02020603050405020304" pitchFamily="18" charset="0"/>
-              </a:rPr>
-              <a:t>#1</a:t>
-            </a:r>
             <a:endParaRPr lang="en-GR" sz="5400" b="1" dirty="0"/>
           </a:p>
         </p:txBody>
       </p:sp>
-      <p:sp>
-        <p:nvSpPr>
-          <p:cNvPr id="3" name="Content Placeholder 2">
+      <p:pic>
+        <p:nvPicPr>
+          <p:cNvPr id="5" name="Content Placeholder 4" descr="A group of sports balls&#10;&#10;Description automatically generated">
             <a:extLst>
               <a:ext uri="{FF2B5EF4-FFF2-40B4-BE49-F238E27FC236}">
-                <a16:creationId xmlns:a16="http://schemas.microsoft.com/office/drawing/2014/main" id="{2AEFF6A6-038A-F8AA-EB9C-6B8630F674E1}"/>
+                <a16:creationId xmlns:a16="http://schemas.microsoft.com/office/drawing/2014/main" id="{71726322-56CC-9156-212B-20839DFD369B}"/>
               </a:ext>
             </a:extLst>
           </p:cNvPr>
-          <p:cNvSpPr>
-            <a:spLocks noGrp="1"/>
-          </p:cNvSpPr>
+          <p:cNvPicPr>
+            <a:picLocks noGrp="1" noChangeAspect="1"/>
+          </p:cNvPicPr>
           <p:nvPr>
             <p:ph idx="1"/>
           </p:nvPr>
-        </p:nvSpPr>
-        <p:spPr/>
-        <p:txBody>
-          <a:bodyPr/>
-          <a:lstStyle/>
-          <a:p>
-            <a:endParaRPr lang="en-GR"/>
-          </a:p>
-        </p:txBody>
-      </p:sp>
+        </p:nvPicPr>
+        <p:blipFill>
+          <a:blip r:embed="rId2"/>
+          <a:stretch>
+            <a:fillRect/>
+          </a:stretch>
+        </p:blipFill>
+        <p:spPr>
+          <a:xfrm>
+            <a:off x="1473227" y="1853754"/>
+            <a:ext cx="1929599" cy="4264308"/>
+          </a:xfrm>
+          <a:prstGeom prst="rect">
+            <a:avLst/>
+          </a:prstGeom>
+          <a:ln w="38100" cap="sq">
+            <a:solidFill>
+              <a:srgbClr val="000000"/>
+            </a:solidFill>
+            <a:prstDash val="solid"/>
+            <a:miter lim="800000"/>
+          </a:ln>
+          <a:effectLst>
+            <a:outerShdw blurRad="50800" dist="38100" dir="2700000" algn="tl" rotWithShape="0">
+              <a:srgbClr val="000000">
+                <a:alpha val="43000"/>
+              </a:srgbClr>
+            </a:outerShdw>
+          </a:effectLst>
+        </p:spPr>
+      </p:pic>
+      <p:pic>
+        <p:nvPicPr>
+          <p:cNvPr id="13" name="Picture 12" descr="A screenshot of a fitness app&#10;&#10;Description automatically generated">
+            <a:extLst>
+              <a:ext uri="{FF2B5EF4-FFF2-40B4-BE49-F238E27FC236}">
+                <a16:creationId xmlns:a16="http://schemas.microsoft.com/office/drawing/2014/main" id="{684EC937-D38A-436B-CA8E-11559D0FBA4C}"/>
+              </a:ext>
+            </a:extLst>
+          </p:cNvPr>
+          <p:cNvPicPr>
+            <a:picLocks noChangeAspect="1"/>
+          </p:cNvPicPr>
+          <p:nvPr/>
+        </p:nvPicPr>
+        <p:blipFill>
+          <a:blip r:embed="rId3"/>
+          <a:stretch>
+            <a:fillRect/>
+          </a:stretch>
+        </p:blipFill>
+        <p:spPr>
+          <a:xfrm>
+            <a:off x="4009510" y="1853749"/>
+            <a:ext cx="1929599" cy="4264308"/>
+          </a:xfrm>
+          <a:prstGeom prst="rect">
+            <a:avLst/>
+          </a:prstGeom>
+          <a:ln w="38100" cap="sq">
+            <a:solidFill>
+              <a:srgbClr val="000000"/>
+            </a:solidFill>
+            <a:prstDash val="solid"/>
+            <a:miter lim="800000"/>
+          </a:ln>
+          <a:effectLst>
+            <a:outerShdw blurRad="50800" dist="38100" dir="2700000" algn="tl" rotWithShape="0">
+              <a:srgbClr val="000000">
+                <a:alpha val="43000"/>
+              </a:srgbClr>
+            </a:outerShdw>
+          </a:effectLst>
+        </p:spPr>
+      </p:pic>
+      <p:pic>
+        <p:nvPicPr>
+          <p:cNvPr id="17" name="Picture 16" descr="A screenshot of a video game&#10;&#10;Description automatically generated">
+            <a:extLst>
+              <a:ext uri="{FF2B5EF4-FFF2-40B4-BE49-F238E27FC236}">
+                <a16:creationId xmlns:a16="http://schemas.microsoft.com/office/drawing/2014/main" id="{39B29C6D-8C01-611D-756A-2F8283DFF0F6}"/>
+              </a:ext>
+            </a:extLst>
+          </p:cNvPr>
+          <p:cNvPicPr>
+            <a:picLocks noChangeAspect="1"/>
+          </p:cNvPicPr>
+          <p:nvPr/>
+        </p:nvPicPr>
+        <p:blipFill>
+          <a:blip r:embed="rId4"/>
+          <a:stretch>
+            <a:fillRect/>
+          </a:stretch>
+        </p:blipFill>
+        <p:spPr>
+          <a:xfrm>
+            <a:off x="9103016" y="1853752"/>
+            <a:ext cx="1929599" cy="4264308"/>
+          </a:xfrm>
+          <a:prstGeom prst="rect">
+            <a:avLst/>
+          </a:prstGeom>
+          <a:ln w="38100" cap="sq">
+            <a:solidFill>
+              <a:srgbClr val="000000"/>
+            </a:solidFill>
+            <a:prstDash val="solid"/>
+            <a:miter lim="800000"/>
+          </a:ln>
+          <a:effectLst>
+            <a:outerShdw blurRad="50800" dist="38100" dir="2700000" algn="tl" rotWithShape="0">
+              <a:srgbClr val="000000">
+                <a:alpha val="43000"/>
+              </a:srgbClr>
+            </a:outerShdw>
+          </a:effectLst>
+        </p:spPr>
+      </p:pic>
+      <p:pic>
+        <p:nvPicPr>
+          <p:cNvPr id="19" name="Picture 18" descr="A white background with black text&#10;&#10;Description automatically generated">
+            <a:extLst>
+              <a:ext uri="{FF2B5EF4-FFF2-40B4-BE49-F238E27FC236}">
+                <a16:creationId xmlns:a16="http://schemas.microsoft.com/office/drawing/2014/main" id="{0FCA5FA7-74A4-EC3D-B809-39CB7508AC3F}"/>
+              </a:ext>
+            </a:extLst>
+          </p:cNvPr>
+          <p:cNvPicPr>
+            <a:picLocks noChangeAspect="1"/>
+          </p:cNvPicPr>
+          <p:nvPr/>
+        </p:nvPicPr>
+        <p:blipFill>
+          <a:blip r:embed="rId5"/>
+          <a:stretch>
+            <a:fillRect/>
+          </a:stretch>
+        </p:blipFill>
+        <p:spPr>
+          <a:xfrm>
+            <a:off x="6567442" y="1853752"/>
+            <a:ext cx="1929598" cy="4264305"/>
+          </a:xfrm>
+          <a:prstGeom prst="rect">
+            <a:avLst/>
+          </a:prstGeom>
+          <a:ln w="38100" cap="sq">
+            <a:solidFill>
+              <a:srgbClr val="000000"/>
+            </a:solidFill>
+            <a:prstDash val="solid"/>
+            <a:miter lim="800000"/>
+          </a:ln>
+          <a:effectLst>
+            <a:outerShdw blurRad="50800" dist="38100" dir="2700000" algn="tl" rotWithShape="0">
+              <a:srgbClr val="000000">
+                <a:alpha val="43000"/>
+              </a:srgbClr>
+            </a:outerShdw>
+          </a:effectLst>
+        </p:spPr>
+      </p:pic>
     </p:spTree>
     <p:extLst>
       <p:ext uri="{BB962C8B-B14F-4D97-AF65-F5344CB8AC3E}">
@@ -4709,7 +4769,7 @@
           <p:cNvPr id="2" name="Title 1">
             <a:extLst>
               <a:ext uri="{FF2B5EF4-FFF2-40B4-BE49-F238E27FC236}">
-                <a16:creationId xmlns:a16="http://schemas.microsoft.com/office/drawing/2014/main" id="{3EB4FB34-9FAD-14D1-0725-0D1B1164E890}"/>
+                <a16:creationId xmlns:a16="http://schemas.microsoft.com/office/drawing/2014/main" id="{2FB23CA8-FF13-8A49-DBB7-1A7CB082A5B4}"/>
               </a:ext>
             </a:extLst>
           </p:cNvPr>
@@ -4720,7 +4780,12 @@
             <p:ph type="title"/>
           </p:nvPr>
         </p:nvSpPr>
-        <p:spPr/>
+        <p:spPr>
+          <a:xfrm>
+            <a:off x="1451578" y="552271"/>
+            <a:ext cx="9603275" cy="1049235"/>
+          </a:xfrm>
+        </p:spPr>
         <p:txBody>
           <a:bodyPr>
             <a:normAutofit/>
@@ -4734,35 +4799,15 @@
                 <a:ea typeface="Aptos" panose="020B0004020202020204" pitchFamily="34" charset="0"/>
                 <a:cs typeface="Times New Roman" panose="02020603050405020304" pitchFamily="18" charset="0"/>
               </a:rPr>
-              <a:t>Πως θα </a:t>
-            </a:r>
-            <a:r>
-              <a:rPr lang="el-GR" sz="3600" b="1" u="sng" dirty="0" err="1">
+              <a:t>Πως λειτουργεί</a:t>
+            </a:r>
+            <a:r>
+              <a:rPr lang="en-GR" sz="5400" b="1" u="sng" dirty="0">
                 <a:effectLst/>
-                <a:latin typeface="Aptos" panose="020B0004020202020204" pitchFamily="34" charset="0"/>
-                <a:ea typeface="Aptos" panose="020B0004020202020204" pitchFamily="34" charset="0"/>
-                <a:cs typeface="Times New Roman" panose="02020603050405020304" pitchFamily="18" charset="0"/>
-              </a:rPr>
-              <a:t>φΑΙΝΕΤΑΙ</a:t>
-            </a:r>
-            <a:r>
-              <a:rPr lang="el-GR" sz="3600" dirty="0">
-                <a:latin typeface="Aptos" panose="020B0004020202020204" pitchFamily="34" charset="0"/>
-                <a:ea typeface="Aptos" panose="020B0004020202020204" pitchFamily="34" charset="0"/>
-                <a:cs typeface="Times New Roman" panose="02020603050405020304" pitchFamily="18" charset="0"/>
               </a:rPr>
               <a:t> </a:t>
             </a:r>
-            <a:r>
-              <a:rPr lang="el-GR" sz="3600" dirty="0">
-                <a:effectLst/>
-                <a:latin typeface="Aptos" panose="020B0004020202020204" pitchFamily="34" charset="0"/>
-                <a:ea typeface="Aptos" panose="020B0004020202020204" pitchFamily="34" charset="0"/>
-                <a:cs typeface="Times New Roman" panose="02020603050405020304" pitchFamily="18" charset="0"/>
-              </a:rPr>
-              <a:t>#2</a:t>
-            </a:r>
-            <a:endParaRPr lang="en-GR" sz="3600" dirty="0"/>
+            <a:endParaRPr lang="en-GR" sz="5400" b="1" u="sng" dirty="0"/>
           </a:p>
         </p:txBody>
       </p:sp>
@@ -4771,7 +4816,7 @@
           <p:cNvPr id="3" name="Content Placeholder 2">
             <a:extLst>
               <a:ext uri="{FF2B5EF4-FFF2-40B4-BE49-F238E27FC236}">
-                <a16:creationId xmlns:a16="http://schemas.microsoft.com/office/drawing/2014/main" id="{CE4EE26A-0C80-A856-B9FC-0F219CFDB310}"/>
+                <a16:creationId xmlns:a16="http://schemas.microsoft.com/office/drawing/2014/main" id="{320BCF5A-F1BF-4C86-5F44-8F3E7B77D8E0}"/>
               </a:ext>
             </a:extLst>
           </p:cNvPr>
@@ -4787,14 +4832,59 @@
           <a:bodyPr/>
           <a:lstStyle/>
           <a:p>
-            <a:endParaRPr lang="en-GR"/>
+            <a:r>
+              <a:rPr lang="el-GR" dirty="0"/>
+              <a:t>Βάση δεδομένων:</a:t>
+            </a:r>
+            <a:endParaRPr lang="en-US" dirty="0"/>
+          </a:p>
+          <a:p>
+            <a:pPr lvl="1"/>
+            <a:r>
+              <a:rPr lang="el-GR" dirty="0"/>
+              <a:t>Ασκήσεις αθλημάτων</a:t>
+            </a:r>
+          </a:p>
+          <a:p>
+            <a:pPr lvl="1"/>
+            <a:r>
+              <a:rPr lang="el-GR" dirty="0"/>
+              <a:t>Στοιχεία χρήστη</a:t>
+            </a:r>
+          </a:p>
+          <a:p>
+            <a:pPr lvl="1"/>
+            <a:r>
+              <a:rPr lang="el-GR" dirty="0"/>
+              <a:t>Στατιστικά χρήστη</a:t>
+            </a:r>
+          </a:p>
+          <a:p>
+            <a:r>
+              <a:rPr lang="en-US" dirty="0"/>
+              <a:t>Backend:</a:t>
+            </a:r>
+          </a:p>
+          <a:p>
+            <a:pPr lvl="1"/>
+            <a:r>
+              <a:rPr lang="el-GR" dirty="0"/>
+              <a:t>Συνδυασμός στατιστικών και επιθυμιών του χρήστη για παραγωγή προπονήσεων</a:t>
+            </a:r>
+          </a:p>
+          <a:p>
+            <a:pPr lvl="1"/>
+            <a:r>
+              <a:rPr lang="el-GR" dirty="0"/>
+              <a:t>Ζωντανή διατήρηση και ενημέρωση των στατιστικών κατά την χρήση</a:t>
+            </a:r>
           </a:p>
         </p:txBody>
       </p:sp>
     </p:spTree>
     <p:extLst>
       <p:ext uri="{BB962C8B-B14F-4D97-AF65-F5344CB8AC3E}">
-        <p14:creationId xmlns:p14="http://schemas.microsoft.com/office/powerpoint/2010/main" val="3578025264"/>
+        <p14:creationId xmlns:p14="http://schemas.microsoft.com/office/powerpoint/2010/main" val="1888021750"/>
       </p:ext>
     </p:extLst>
   </p:cSld>
@@ -4826,7 +4916,7 @@
           <p:cNvPr id="2" name="Title 1">
             <a:extLst>
               <a:ext uri="{FF2B5EF4-FFF2-40B4-BE49-F238E27FC236}">
-                <a16:creationId xmlns:a16="http://schemas.microsoft.com/office/drawing/2014/main" id="{2FB23CA8-FF13-8A49-DBB7-1A7CB082A5B4}"/>
+                <a16:creationId xmlns:a16="http://schemas.microsoft.com/office/drawing/2014/main" id="{4A69D473-8F7F-639D-B7BA-C23F03485176}"/>
               </a:ext>
             </a:extLst>
           </p:cNvPr>
@@ -4837,12 +4927,7 @@
             <p:ph type="title"/>
           </p:nvPr>
         </p:nvSpPr>
-        <p:spPr>
-          <a:xfrm>
-            <a:off x="1451578" y="552271"/>
-            <a:ext cx="9603275" cy="1049235"/>
-          </a:xfrm>
-        </p:spPr>
+        <p:spPr/>
         <p:txBody>
           <a:bodyPr>
             <a:normAutofit/>
@@ -4850,21 +4935,21 @@
           <a:lstStyle/>
           <a:p>
             <a:r>
-              <a:rPr lang="el-GR" sz="3600" b="1" u="sng" dirty="0">
+              <a:rPr lang="en-US" sz="3600" b="1" u="sng" dirty="0">
                 <a:effectLst/>
                 <a:latin typeface="Aptos" panose="020B0004020202020204" pitchFamily="34" charset="0"/>
                 <a:ea typeface="Aptos" panose="020B0004020202020204" pitchFamily="34" charset="0"/>
                 <a:cs typeface="Times New Roman" panose="02020603050405020304" pitchFamily="18" charset="0"/>
               </a:rPr>
-              <a:t>Πως λειτουργεί</a:t>
-            </a:r>
-            <a:r>
-              <a:rPr lang="en-GR" sz="5400" b="1" u="sng" dirty="0">
+              <a:t>User Retention - Gamification</a:t>
+            </a:r>
+            <a:r>
+              <a:rPr lang="en-GR" sz="3600" b="1" u="sng" dirty="0">
                 <a:effectLst/>
               </a:rPr>
               <a:t> </a:t>
             </a:r>
-            <a:endParaRPr lang="en-GR" sz="5400" b="1" u="sng" dirty="0"/>
+            <a:endParaRPr lang="en-GR" sz="3600" b="1" u="sng" dirty="0"/>
           </a:p>
         </p:txBody>
       </p:sp>
@@ -4873,7 +4958,7 @@
           <p:cNvPr id="3" name="Content Placeholder 2">
             <a:extLst>
               <a:ext uri="{FF2B5EF4-FFF2-40B4-BE49-F238E27FC236}">
-                <a16:creationId xmlns:a16="http://schemas.microsoft.com/office/drawing/2014/main" id="{320BCF5A-F1BF-4C86-5F44-8F3E7B77D8E0}"/>
+                <a16:creationId xmlns:a16="http://schemas.microsoft.com/office/drawing/2014/main" id="{325F15B8-862C-2DCE-FD11-A3D207F22D6D}"/>
               </a:ext>
             </a:extLst>
           </p:cNvPr>
@@ -4884,64 +4969,61 @@
             <p:ph idx="1"/>
           </p:nvPr>
         </p:nvSpPr>
-        <p:spPr/>
+        <p:spPr>
+          <a:xfrm>
+            <a:off x="1451578" y="2198612"/>
+            <a:ext cx="9603275" cy="3450613"/>
+          </a:xfrm>
+        </p:spPr>
         <p:txBody>
           <a:bodyPr/>
           <a:lstStyle/>
           <a:p>
             <a:r>
               <a:rPr lang="el-GR" dirty="0"/>
-              <a:t>Βάση δεδομένων:</a:t>
-            </a:r>
-            <a:endParaRPr lang="en-US" dirty="0"/>
+              <a:t>Συλλογή πόντων με την ολοκλήρωση προπονήσεων </a:t>
+            </a:r>
+          </a:p>
+          <a:p>
+            <a:r>
+              <a:rPr lang="el-GR" dirty="0"/>
+              <a:t>Επιπλέον επιβράβευση σε πόντους με βάση τις συνεχόμενες προπονήσεις</a:t>
+            </a:r>
+          </a:p>
+          <a:p>
+            <a:r>
+              <a:rPr lang="el-GR" dirty="0"/>
+              <a:t>Εξαργύρωση πόντων</a:t>
+            </a:r>
           </a:p>
           <a:p>
             <a:pPr lvl="1"/>
             <a:r>
               <a:rPr lang="el-GR" dirty="0"/>
-              <a:t>Ασκήσεις αθλημάτων</a:t>
+              <a:t>Σταδιακό ξεκλείδωμα ασκήσεων</a:t>
             </a:r>
           </a:p>
           <a:p>
             <a:pPr lvl="1"/>
             <a:r>
               <a:rPr lang="el-GR" dirty="0"/>
-              <a:t>Στοιχεία χρήστη</a:t>
+              <a:t>1 μήνα δωρεάν συνδρομή</a:t>
             </a:r>
           </a:p>
           <a:p>
             <a:pPr lvl="1"/>
             <a:r>
-              <a:rPr lang="el-GR" dirty="0"/>
-              <a:t>Στατιστικά χρήστη</a:t>
-            </a:r>
-          </a:p>
-          <a:p>
-            <a:r>
-              <a:rPr lang="en-US" dirty="0"/>
-              <a:t>Backend:</a:t>
-            </a:r>
-          </a:p>
-          <a:p>
-            <a:pPr lvl="1"/>
-            <a:r>
-              <a:rPr lang="el-GR" dirty="0"/>
-              <a:t>Συνδυασμός στατιστικών και επιθυμιών του χρήστη για παραγωγή προπονήσεων</a:t>
-            </a:r>
-          </a:p>
-          <a:p>
-            <a:pPr lvl="1"/>
-            <a:r>
-              <a:rPr lang="el-GR" dirty="0"/>
-              <a:t>Ζωντανή διατήρηση και ενημέρωση των στατιστικών κατά την χρήση</a:t>
-            </a:r>
+              <a:rPr lang="en-US"/>
+              <a:t>Streak freeze </a:t>
+            </a:r>
+            <a:endParaRPr lang="el-GR" dirty="0"/>
           </a:p>
         </p:txBody>
       </p:sp>
     </p:spTree>
     <p:extLst>
       <p:ext uri="{BB962C8B-B14F-4D97-AF65-F5344CB8AC3E}">
-        <p14:creationId xmlns:p14="http://schemas.microsoft.com/office/powerpoint/2010/main" val="1888021750"/>
+        <p14:creationId xmlns:p14="http://schemas.microsoft.com/office/powerpoint/2010/main" val="1945730331"/>
       </p:ext>
     </p:extLst>
   </p:cSld>
@@ -4973,7 +5055,7 @@
           <p:cNvPr id="2" name="Title 1">
             <a:extLst>
               <a:ext uri="{FF2B5EF4-FFF2-40B4-BE49-F238E27FC236}">
-                <a16:creationId xmlns:a16="http://schemas.microsoft.com/office/drawing/2014/main" id="{4A69D473-8F7F-639D-B7BA-C23F03485176}"/>
+                <a16:creationId xmlns:a16="http://schemas.microsoft.com/office/drawing/2014/main" id="{ECDA364F-68AA-8FCE-946C-E0A0CA876D14}"/>
               </a:ext>
             </a:extLst>
           </p:cNvPr>
@@ -4991,6 +5073,15 @@
           </a:bodyPr>
           <a:lstStyle/>
           <a:p>
+            <a:r>
+              <a:rPr lang="el-GR" sz="3600" b="1" u="sng" dirty="0">
+                <a:effectLst/>
+                <a:latin typeface="Aptos" panose="020B0004020202020204" pitchFamily="34" charset="0"/>
+                <a:ea typeface="Aptos" panose="020B0004020202020204" pitchFamily="34" charset="0"/>
+                <a:cs typeface="Times New Roman" panose="02020603050405020304" pitchFamily="18" charset="0"/>
+              </a:rPr>
+              <a:t>Τι χρειαζόμαστε</a:t>
+            </a:r>
             <a:r>
               <a:rPr lang="en-US" sz="3600" b="1" u="sng" dirty="0">
                 <a:effectLst/>
@@ -4998,7 +5089,25 @@
                 <a:ea typeface="Aptos" panose="020B0004020202020204" pitchFamily="34" charset="0"/>
                 <a:cs typeface="Times New Roman" panose="02020603050405020304" pitchFamily="18" charset="0"/>
               </a:rPr>
-              <a:t>User Retention - Gamification</a:t>
+              <a:t> (</a:t>
+            </a:r>
+            <a:r>
+              <a:rPr lang="el-GR" sz="3600" b="1" u="sng" dirty="0">
+                <a:effectLst/>
+                <a:latin typeface="Aptos" panose="020B0004020202020204" pitchFamily="34" charset="0"/>
+                <a:ea typeface="Aptos" panose="020B0004020202020204" pitchFamily="34" charset="0"/>
+                <a:cs typeface="Times New Roman" panose="02020603050405020304" pitchFamily="18" charset="0"/>
+              </a:rPr>
+              <a:t>Χρονικά</a:t>
+            </a:r>
+            <a:r>
+              <a:rPr lang="en-US" sz="3600" b="1" u="sng" dirty="0">
+                <a:effectLst/>
+                <a:latin typeface="Aptos" panose="020B0004020202020204" pitchFamily="34" charset="0"/>
+                <a:ea typeface="Aptos" panose="020B0004020202020204" pitchFamily="34" charset="0"/>
+                <a:cs typeface="Times New Roman" panose="02020603050405020304" pitchFamily="18" charset="0"/>
+              </a:rPr>
+              <a:t>)</a:t>
             </a:r>
             <a:r>
               <a:rPr lang="en-GR" sz="3600" b="1" u="sng" dirty="0">
@@ -5010,77 +5119,39 @@
           </a:p>
         </p:txBody>
       </p:sp>
-      <p:sp>
-        <p:nvSpPr>
-          <p:cNvPr id="3" name="Content Placeholder 2">
+      <p:pic>
+        <p:nvPicPr>
+          <p:cNvPr id="5" name="Content Placeholder 4" descr="A chart with a graph&#10;&#10;Description automatically generated with medium confidence">
             <a:extLst>
               <a:ext uri="{FF2B5EF4-FFF2-40B4-BE49-F238E27FC236}">
-                <a16:creationId xmlns:a16="http://schemas.microsoft.com/office/drawing/2014/main" id="{325F15B8-862C-2DCE-FD11-A3D207F22D6D}"/>
+                <a16:creationId xmlns:a16="http://schemas.microsoft.com/office/drawing/2014/main" id="{651CEBDC-6730-689C-5DC9-44D6105A7B27}"/>
               </a:ext>
             </a:extLst>
           </p:cNvPr>
-          <p:cNvSpPr>
-            <a:spLocks noGrp="1"/>
-          </p:cNvSpPr>
+          <p:cNvPicPr>
+            <a:picLocks noGrp="1" noChangeAspect="1"/>
+          </p:cNvPicPr>
           <p:nvPr>
             <p:ph idx="1"/>
           </p:nvPr>
-        </p:nvSpPr>
+        </p:nvPicPr>
+        <p:blipFill>
+          <a:blip r:embed="rId2"/>
+          <a:stretch>
+            <a:fillRect/>
+          </a:stretch>
+        </p:blipFill>
         <p:spPr>
           <a:xfrm>
-            <a:off x="1451578" y="2198612"/>
-            <a:ext cx="9603275" cy="3450613"/>
+            <a:off x="1451578" y="1853754"/>
+            <a:ext cx="9603275" cy="4199727"/>
           </a:xfrm>
         </p:spPr>
-        <p:txBody>
-          <a:bodyPr/>
-          <a:lstStyle/>
-          <a:p>
-            <a:r>
-              <a:rPr lang="el-GR" dirty="0"/>
-              <a:t>Συλλογή πόντων με την ολοκλήρωση προπονήσεων </a:t>
-            </a:r>
-          </a:p>
-          <a:p>
-            <a:r>
-              <a:rPr lang="el-GR" dirty="0"/>
-              <a:t>Επιπλέον επιβράβευση σε πόντους με βάση τις συνεχόμενες προπονήσεις</a:t>
-            </a:r>
-          </a:p>
-          <a:p>
-            <a:r>
-              <a:rPr lang="el-GR" dirty="0"/>
-              <a:t>Εξαργύρωση πόντων</a:t>
-            </a:r>
-          </a:p>
-          <a:p>
-            <a:pPr lvl="1"/>
-            <a:r>
-              <a:rPr lang="el-GR" dirty="0"/>
-              <a:t>Σταδιακό ξεκλείδωμα ασκήσεων</a:t>
-            </a:r>
-          </a:p>
-          <a:p>
-            <a:pPr lvl="1"/>
-            <a:r>
-              <a:rPr lang="el-GR" dirty="0"/>
-              <a:t>1 μήνα δωρεάν συνδρομή</a:t>
-            </a:r>
-          </a:p>
-          <a:p>
-            <a:pPr lvl="1"/>
-            <a:r>
-              <a:rPr lang="en-US"/>
-              <a:t>Streak freeze </a:t>
-            </a:r>
-            <a:endParaRPr lang="el-GR" dirty="0"/>
-          </a:p>
-        </p:txBody>
-      </p:sp>
+      </p:pic>
     </p:spTree>
     <p:extLst>
       <p:ext uri="{BB962C8B-B14F-4D97-AF65-F5344CB8AC3E}">
-        <p14:creationId xmlns:p14="http://schemas.microsoft.com/office/powerpoint/2010/main" val="1945730331"/>
+        <p14:creationId xmlns:p14="http://schemas.microsoft.com/office/powerpoint/2010/main" val="3068981651"/>
       </p:ext>
     </p:extLst>
   </p:cSld>
